--- a/Sprint 1 Presentation.pptx
+++ b/Sprint 1 Presentation.pptx
@@ -202,7 +202,7 @@
           <a:p>
             <a:fld id="{6819F85B-1C33-4F8A-882F-3FE862A4B7CC}" type="datetimeFigureOut">
               <a:rPr lang="en-CA" smtClean="0"/>
-              <a:t>2023-11-22</a:t>
+              <a:t>2023-11-23</a:t>
             </a:fld>
             <a:endParaRPr lang="en-CA"/>
           </a:p>
@@ -656,7 +656,7 @@
           <a:p>
             <a:fld id="{0A4BADB4-772C-460D-9947-6559ED26DD17}" type="datetime1">
               <a:rPr lang="en-CA" smtClean="0"/>
-              <a:t>2023-11-22</a:t>
+              <a:t>2023-11-23</a:t>
             </a:fld>
             <a:endParaRPr lang="en-CA"/>
           </a:p>
@@ -931,7 +931,7 @@
           <a:p>
             <a:fld id="{B24EEFA6-AD9A-434A-806E-ABC7BDFB1FD1}" type="datetime1">
               <a:rPr lang="en-CA" smtClean="0"/>
-              <a:t>2023-11-22</a:t>
+              <a:t>2023-11-23</a:t>
             </a:fld>
             <a:endParaRPr lang="en-CA"/>
           </a:p>
@@ -1125,7 +1125,7 @@
           <a:p>
             <a:fld id="{D09BF78A-E844-4DE5-8C57-912573ABD3D3}" type="datetime1">
               <a:rPr lang="en-CA" smtClean="0"/>
-              <a:t>2023-11-22</a:t>
+              <a:t>2023-11-23</a:t>
             </a:fld>
             <a:endParaRPr lang="en-CA"/>
           </a:p>
@@ -1398,7 +1398,7 @@
           <a:p>
             <a:fld id="{B554803F-CB16-4359-91EE-E3FA09DBF5C0}" type="datetime1">
               <a:rPr lang="en-CA" smtClean="0"/>
-              <a:t>2023-11-22</a:t>
+              <a:t>2023-11-23</a:t>
             </a:fld>
             <a:endParaRPr lang="en-CA"/>
           </a:p>
@@ -1739,7 +1739,7 @@
           <a:p>
             <a:fld id="{4204FA0A-9DB5-443B-A5A3-AFE656B494F5}" type="datetime1">
               <a:rPr lang="en-CA" smtClean="0"/>
-              <a:t>2023-11-22</a:t>
+              <a:t>2023-11-23</a:t>
             </a:fld>
             <a:endParaRPr lang="en-CA"/>
           </a:p>
@@ -2362,7 +2362,7 @@
           <a:p>
             <a:fld id="{070756AC-048C-4509-BCA8-BAC06A60C206}" type="datetime1">
               <a:rPr lang="en-CA" smtClean="0"/>
-              <a:t>2023-11-22</a:t>
+              <a:t>2023-11-23</a:t>
             </a:fld>
             <a:endParaRPr lang="en-CA"/>
           </a:p>
@@ -3222,7 +3222,7 @@
           <a:p>
             <a:fld id="{727BAE2C-E136-4207-9E36-BD168C9CF1C0}" type="datetime1">
               <a:rPr lang="en-CA" smtClean="0"/>
-              <a:t>2023-11-22</a:t>
+              <a:t>2023-11-23</a:t>
             </a:fld>
             <a:endParaRPr lang="en-CA"/>
           </a:p>
@@ -3392,7 +3392,7 @@
           <a:p>
             <a:fld id="{94AA2AFD-7776-4301-BE0D-E315F801E06C}" type="datetime1">
               <a:rPr lang="en-CA" smtClean="0"/>
-              <a:t>2023-11-22</a:t>
+              <a:t>2023-11-23</a:t>
             </a:fld>
             <a:endParaRPr lang="en-CA"/>
           </a:p>
@@ -3572,7 +3572,7 @@
           <a:p>
             <a:fld id="{7203FFFB-026E-4223-884B-E7EBA2EAD45D}" type="datetime1">
               <a:rPr lang="en-CA" smtClean="0"/>
-              <a:t>2023-11-22</a:t>
+              <a:t>2023-11-23</a:t>
             </a:fld>
             <a:endParaRPr lang="en-CA"/>
           </a:p>
@@ -3742,7 +3742,7 @@
           <a:p>
             <a:fld id="{0F692B2E-085B-40D0-9D3F-97D0E5ADA3C0}" type="datetime1">
               <a:rPr lang="en-CA" smtClean="0"/>
-              <a:t>2023-11-22</a:t>
+              <a:t>2023-11-23</a:t>
             </a:fld>
             <a:endParaRPr lang="en-CA"/>
           </a:p>
@@ -3989,7 +3989,7 @@
           <a:p>
             <a:fld id="{A048C3DF-3A17-4847-BE34-B0135350CC0E}" type="datetime1">
               <a:rPr lang="en-CA" smtClean="0"/>
-              <a:t>2023-11-22</a:t>
+              <a:t>2023-11-23</a:t>
             </a:fld>
             <a:endParaRPr lang="en-CA"/>
           </a:p>
@@ -4281,7 +4281,7 @@
           <a:p>
             <a:fld id="{93DDF06F-D1AE-40C0-B2CC-D140EE22CAB3}" type="datetime1">
               <a:rPr lang="en-CA" smtClean="0"/>
-              <a:t>2023-11-22</a:t>
+              <a:t>2023-11-23</a:t>
             </a:fld>
             <a:endParaRPr lang="en-CA"/>
           </a:p>
@@ -4725,7 +4725,7 @@
           <a:p>
             <a:fld id="{75A4B5E3-111A-493F-8C53-D0959C3122FF}" type="datetime1">
               <a:rPr lang="en-CA" smtClean="0"/>
-              <a:t>2023-11-22</a:t>
+              <a:t>2023-11-23</a:t>
             </a:fld>
             <a:endParaRPr lang="en-CA"/>
           </a:p>
@@ -4843,7 +4843,7 @@
           <a:p>
             <a:fld id="{AD8C8E9A-25CF-4A87-B798-39520DDE52F4}" type="datetime1">
               <a:rPr lang="en-CA" smtClean="0"/>
-              <a:t>2023-11-22</a:t>
+              <a:t>2023-11-23</a:t>
             </a:fld>
             <a:endParaRPr lang="en-CA"/>
           </a:p>
@@ -4938,7 +4938,7 @@
           <a:p>
             <a:fld id="{6393B2EA-F021-4674-88F6-AA5092318D59}" type="datetime1">
               <a:rPr lang="en-CA" smtClean="0"/>
-              <a:t>2023-11-22</a:t>
+              <a:t>2023-11-23</a:t>
             </a:fld>
             <a:endParaRPr lang="en-CA"/>
           </a:p>
@@ -5217,7 +5217,7 @@
           <a:p>
             <a:fld id="{99E20875-5ED0-4185-B16F-C2CD2E921218}" type="datetime1">
               <a:rPr lang="en-CA" smtClean="0"/>
-              <a:t>2023-11-22</a:t>
+              <a:t>2023-11-23</a:t>
             </a:fld>
             <a:endParaRPr lang="en-CA"/>
           </a:p>
@@ -5492,7 +5492,7 @@
           <a:p>
             <a:fld id="{A751E65E-58A9-4D1C-85C1-A86BCFCAECD3}" type="datetime1">
               <a:rPr lang="en-CA" smtClean="0"/>
-              <a:t>2023-11-22</a:t>
+              <a:t>2023-11-23</a:t>
             </a:fld>
             <a:endParaRPr lang="en-CA"/>
           </a:p>
@@ -5921,7 +5921,7 @@
           <a:p>
             <a:fld id="{1695C31C-E36A-433B-A591-71AE73CAD0E9}" type="datetime1">
               <a:rPr lang="en-CA" smtClean="0"/>
-              <a:t>2023-11-22</a:t>
+              <a:t>2023-11-23</a:t>
             </a:fld>
             <a:endParaRPr lang="en-CA"/>
           </a:p>
@@ -8463,7 +8463,7 @@
         </p:nvSpPr>
         <p:spPr>
           <a:xfrm>
-            <a:off x="633703" y="225162"/>
+            <a:off x="605710" y="337134"/>
             <a:ext cx="10924592" cy="1325563"/>
           </a:xfrm>
         </p:spPr>
@@ -8499,7 +8499,7 @@
         </p:nvSpPr>
         <p:spPr>
           <a:xfrm>
-            <a:off x="838200" y="1424405"/>
+            <a:off x="838200" y="1461729"/>
             <a:ext cx="10515600" cy="4351338"/>
           </a:xfrm>
         </p:spPr>
@@ -8518,7 +8518,7 @@
             <a:pPr lvl="1"/>
             <a:r>
               <a:rPr lang="en-CA" dirty="0"/>
-              <a:t>Compilation of fuel consumption of all car models in Canada from 1995 – 2023</a:t>
+              <a:t>Compilation of fuel consumption ratings of all car models in Canada from 1995 – 2023</a:t>
             </a:r>
           </a:p>
           <a:p>
@@ -8703,7 +8703,7 @@
           <a:p>
             <a:r>
               <a:rPr lang="en-US" dirty="0"/>
-              <a:t>Models will be explored to identify relationships between different car features and fuel consumption</a:t>
+              <a:t>Explore relationships between different car features and fuel consumption</a:t>
             </a:r>
           </a:p>
           <a:p>
@@ -8758,7 +8758,7 @@
           <a:p>
             <a:r>
               <a:rPr lang="en-US" dirty="0"/>
-              <a:t>Predict fuel consumption based on features such as year of car make, brand, and model</a:t>
+              <a:t>Develop models to predict fuel consumption based on car features</a:t>
             </a:r>
           </a:p>
           <a:p>

--- a/Sprint 1 Presentation.pptx
+++ b/Sprint 1 Presentation.pptx
@@ -5,7 +5,7 @@
     <p:sldMasterId id="2147483737" r:id="rId1"/>
   </p:sldMasterIdLst>
   <p:notesMasterIdLst>
-    <p:notesMasterId r:id="rId8"/>
+    <p:notesMasterId r:id="rId11"/>
   </p:notesMasterIdLst>
   <p:sldIdLst>
     <p:sldId id="262" r:id="rId2"/>
@@ -13,7 +13,10 @@
     <p:sldId id="257" r:id="rId4"/>
     <p:sldId id="264" r:id="rId5"/>
     <p:sldId id="263" r:id="rId6"/>
-    <p:sldId id="265" r:id="rId7"/>
+    <p:sldId id="266" r:id="rId7"/>
+    <p:sldId id="267" r:id="rId8"/>
+    <p:sldId id="265" r:id="rId9"/>
+    <p:sldId id="268" r:id="rId10"/>
   </p:sldIdLst>
   <p:sldSz cx="12192000" cy="6858000"/>
   <p:notesSz cx="6858000" cy="9144000"/>
@@ -120,6 +123,5717 @@
 </p:presentation>
 </file>
 
+<file path=ppt/diagrams/colors1.xml><?xml version="1.0" encoding="utf-8"?>
+<dgm:colorsDef xmlns:dgm="http://schemas.openxmlformats.org/drawingml/2006/diagram" xmlns:a="http://schemas.openxmlformats.org/drawingml/2006/main" uniqueId="urn:microsoft.com/office/officeart/2005/8/colors/colorful2">
+  <dgm:title val=""/>
+  <dgm:desc val=""/>
+  <dgm:catLst>
+    <dgm:cat type="colorful" pri="10200"/>
+  </dgm:catLst>
+  <dgm:styleLbl name="node0">
+    <dgm:fillClrLst meth="repeat">
+      <a:schemeClr val="accent1"/>
+    </dgm:fillClrLst>
+    <dgm:linClrLst meth="repeat">
+      <a:schemeClr val="lt1"/>
+    </dgm:linClrLst>
+    <dgm:effectClrLst/>
+    <dgm:txLinClrLst/>
+    <dgm:txFillClrLst/>
+    <dgm:txEffectClrLst/>
+  </dgm:styleLbl>
+  <dgm:styleLbl name="node1">
+    <dgm:fillClrLst>
+      <a:schemeClr val="accent2"/>
+      <a:schemeClr val="accent3"/>
+    </dgm:fillClrLst>
+    <dgm:linClrLst meth="repeat">
+      <a:schemeClr val="lt1"/>
+    </dgm:linClrLst>
+    <dgm:effectClrLst/>
+    <dgm:txLinClrLst/>
+    <dgm:txFillClrLst/>
+    <dgm:txEffectClrLst/>
+  </dgm:styleLbl>
+  <dgm:styleLbl name="alignNode1">
+    <dgm:fillClrLst>
+      <a:schemeClr val="accent2"/>
+      <a:schemeClr val="accent3"/>
+    </dgm:fillClrLst>
+    <dgm:linClrLst>
+      <a:schemeClr val="accent2"/>
+      <a:schemeClr val="accent3"/>
+    </dgm:linClrLst>
+    <dgm:effectClrLst/>
+    <dgm:txLinClrLst/>
+    <dgm:txFillClrLst/>
+    <dgm:txEffectClrLst/>
+  </dgm:styleLbl>
+  <dgm:styleLbl name="lnNode1">
+    <dgm:fillClrLst>
+      <a:schemeClr val="accent2"/>
+      <a:schemeClr val="accent3"/>
+    </dgm:fillClrLst>
+    <dgm:linClrLst meth="repeat">
+      <a:schemeClr val="lt1"/>
+    </dgm:linClrLst>
+    <dgm:effectClrLst/>
+    <dgm:txLinClrLst/>
+    <dgm:txFillClrLst/>
+    <dgm:txEffectClrLst/>
+  </dgm:styleLbl>
+  <dgm:styleLbl name="vennNode1">
+    <dgm:fillClrLst>
+      <a:schemeClr val="accent2">
+        <a:alpha val="50000"/>
+      </a:schemeClr>
+      <a:schemeClr val="accent3">
+        <a:alpha val="50000"/>
+      </a:schemeClr>
+    </dgm:fillClrLst>
+    <dgm:linClrLst meth="repeat">
+      <a:schemeClr val="lt1"/>
+    </dgm:linClrLst>
+    <dgm:effectClrLst/>
+    <dgm:txLinClrLst/>
+    <dgm:txFillClrLst/>
+    <dgm:txEffectClrLst/>
+  </dgm:styleLbl>
+  <dgm:styleLbl name="node2">
+    <dgm:fillClrLst>
+      <a:schemeClr val="accent3"/>
+    </dgm:fillClrLst>
+    <dgm:linClrLst meth="repeat">
+      <a:schemeClr val="lt1"/>
+    </dgm:linClrLst>
+    <dgm:effectClrLst/>
+    <dgm:txLinClrLst/>
+    <dgm:txFillClrLst/>
+    <dgm:txEffectClrLst/>
+  </dgm:styleLbl>
+  <dgm:styleLbl name="node3">
+    <dgm:fillClrLst>
+      <a:schemeClr val="accent4"/>
+    </dgm:fillClrLst>
+    <dgm:linClrLst meth="repeat">
+      <a:schemeClr val="lt1"/>
+    </dgm:linClrLst>
+    <dgm:effectClrLst/>
+    <dgm:txLinClrLst/>
+    <dgm:txFillClrLst/>
+    <dgm:txEffectClrLst/>
+  </dgm:styleLbl>
+  <dgm:styleLbl name="node4">
+    <dgm:fillClrLst>
+      <a:schemeClr val="accent5"/>
+    </dgm:fillClrLst>
+    <dgm:linClrLst meth="repeat">
+      <a:schemeClr val="lt1"/>
+    </dgm:linClrLst>
+    <dgm:effectClrLst/>
+    <dgm:txLinClrLst/>
+    <dgm:txFillClrLst/>
+    <dgm:txEffectClrLst/>
+  </dgm:styleLbl>
+  <dgm:styleLbl name="fgImgPlace1">
+    <dgm:fillClrLst>
+      <a:schemeClr val="accent2">
+        <a:tint val="50000"/>
+      </a:schemeClr>
+      <a:schemeClr val="accent3">
+        <a:tint val="50000"/>
+      </a:schemeClr>
+    </dgm:fillClrLst>
+    <dgm:linClrLst meth="repeat">
+      <a:schemeClr val="lt1"/>
+    </dgm:linClrLst>
+    <dgm:effectClrLst/>
+    <dgm:txLinClrLst/>
+    <dgm:txFillClrLst meth="repeat">
+      <a:schemeClr val="lt1"/>
+    </dgm:txFillClrLst>
+    <dgm:txEffectClrLst/>
+  </dgm:styleLbl>
+  <dgm:styleLbl name="alignImgPlace1">
+    <dgm:fillClrLst>
+      <a:schemeClr val="accent2">
+        <a:tint val="50000"/>
+      </a:schemeClr>
+      <a:schemeClr val="accent3">
+        <a:tint val="20000"/>
+      </a:schemeClr>
+    </dgm:fillClrLst>
+    <dgm:linClrLst meth="repeat">
+      <a:schemeClr val="lt1"/>
+    </dgm:linClrLst>
+    <dgm:effectClrLst/>
+    <dgm:txLinClrLst/>
+    <dgm:txFillClrLst meth="repeat">
+      <a:schemeClr val="lt1"/>
+    </dgm:txFillClrLst>
+    <dgm:txEffectClrLst/>
+  </dgm:styleLbl>
+  <dgm:styleLbl name="bgImgPlace1">
+    <dgm:fillClrLst>
+      <a:schemeClr val="accent2">
+        <a:tint val="50000"/>
+      </a:schemeClr>
+      <a:schemeClr val="accent3">
+        <a:tint val="20000"/>
+      </a:schemeClr>
+    </dgm:fillClrLst>
+    <dgm:linClrLst meth="repeat">
+      <a:schemeClr val="lt1"/>
+    </dgm:linClrLst>
+    <dgm:effectClrLst/>
+    <dgm:txLinClrLst/>
+    <dgm:txFillClrLst meth="repeat">
+      <a:schemeClr val="lt1"/>
+    </dgm:txFillClrLst>
+    <dgm:txEffectClrLst/>
+  </dgm:styleLbl>
+  <dgm:styleLbl name="sibTrans2D1">
+    <dgm:fillClrLst>
+      <a:schemeClr val="accent2"/>
+      <a:schemeClr val="accent3"/>
+    </dgm:fillClrLst>
+    <dgm:linClrLst meth="repeat">
+      <a:schemeClr val="lt1"/>
+    </dgm:linClrLst>
+    <dgm:effectClrLst/>
+    <dgm:txLinClrLst/>
+    <dgm:txFillClrLst/>
+    <dgm:txEffectClrLst/>
+  </dgm:styleLbl>
+  <dgm:styleLbl name="fgSibTrans2D1">
+    <dgm:fillClrLst>
+      <a:schemeClr val="accent2"/>
+      <a:schemeClr val="accent3"/>
+    </dgm:fillClrLst>
+    <dgm:linClrLst meth="repeat">
+      <a:schemeClr val="lt1"/>
+    </dgm:linClrLst>
+    <dgm:effectClrLst/>
+    <dgm:txLinClrLst/>
+    <dgm:txFillClrLst meth="repeat">
+      <a:schemeClr val="lt1"/>
+    </dgm:txFillClrLst>
+    <dgm:txEffectClrLst/>
+  </dgm:styleLbl>
+  <dgm:styleLbl name="bgSibTrans2D1">
+    <dgm:fillClrLst>
+      <a:schemeClr val="accent2"/>
+      <a:schemeClr val="accent3"/>
+    </dgm:fillClrLst>
+    <dgm:linClrLst meth="repeat">
+      <a:schemeClr val="lt1"/>
+    </dgm:linClrLst>
+    <dgm:effectClrLst/>
+    <dgm:txLinClrLst/>
+    <dgm:txFillClrLst meth="repeat">
+      <a:schemeClr val="lt1"/>
+    </dgm:txFillClrLst>
+    <dgm:txEffectClrLst/>
+  </dgm:styleLbl>
+  <dgm:styleLbl name="sibTrans1D1">
+    <dgm:fillClrLst/>
+    <dgm:linClrLst>
+      <a:schemeClr val="accent2"/>
+      <a:schemeClr val="accent3"/>
+    </dgm:linClrLst>
+    <dgm:effectClrLst/>
+    <dgm:txLinClrLst/>
+    <dgm:txFillClrLst meth="repeat">
+      <a:schemeClr val="tx1"/>
+    </dgm:txFillClrLst>
+    <dgm:txEffectClrLst/>
+  </dgm:styleLbl>
+  <dgm:styleLbl name="callout">
+    <dgm:fillClrLst meth="repeat">
+      <a:schemeClr val="accent2"/>
+    </dgm:fillClrLst>
+    <dgm:linClrLst meth="repeat">
+      <a:schemeClr val="accent2">
+        <a:tint val="50000"/>
+      </a:schemeClr>
+    </dgm:linClrLst>
+    <dgm:effectClrLst/>
+    <dgm:txLinClrLst/>
+    <dgm:txFillClrLst meth="repeat">
+      <a:schemeClr val="tx1"/>
+    </dgm:txFillClrLst>
+    <dgm:txEffectClrLst/>
+  </dgm:styleLbl>
+  <dgm:styleLbl name="asst0">
+    <dgm:fillClrLst meth="repeat">
+      <a:schemeClr val="accent2"/>
+    </dgm:fillClrLst>
+    <dgm:linClrLst meth="repeat">
+      <a:schemeClr val="lt1">
+        <a:shade val="80000"/>
+      </a:schemeClr>
+    </dgm:linClrLst>
+    <dgm:effectClrLst/>
+    <dgm:txLinClrLst/>
+    <dgm:txFillClrLst/>
+    <dgm:txEffectClrLst/>
+  </dgm:styleLbl>
+  <dgm:styleLbl name="asst1">
+    <dgm:fillClrLst meth="repeat">
+      <a:schemeClr val="accent3"/>
+    </dgm:fillClrLst>
+    <dgm:linClrLst meth="repeat">
+      <a:schemeClr val="lt1">
+        <a:shade val="80000"/>
+      </a:schemeClr>
+    </dgm:linClrLst>
+    <dgm:effectClrLst/>
+    <dgm:txLinClrLst/>
+    <dgm:txFillClrLst/>
+    <dgm:txEffectClrLst/>
+  </dgm:styleLbl>
+  <dgm:styleLbl name="asst2">
+    <dgm:fillClrLst>
+      <a:schemeClr val="accent4"/>
+    </dgm:fillClrLst>
+    <dgm:linClrLst meth="repeat">
+      <a:schemeClr val="lt1"/>
+    </dgm:linClrLst>
+    <dgm:effectClrLst/>
+    <dgm:txLinClrLst/>
+    <dgm:txFillClrLst/>
+    <dgm:txEffectClrLst/>
+  </dgm:styleLbl>
+  <dgm:styleLbl name="asst3">
+    <dgm:fillClrLst>
+      <a:schemeClr val="accent5"/>
+    </dgm:fillClrLst>
+    <dgm:linClrLst meth="repeat">
+      <a:schemeClr val="lt1"/>
+    </dgm:linClrLst>
+    <dgm:effectClrLst/>
+    <dgm:txLinClrLst/>
+    <dgm:txFillClrLst/>
+    <dgm:txEffectClrLst/>
+  </dgm:styleLbl>
+  <dgm:styleLbl name="asst4">
+    <dgm:fillClrLst>
+      <a:schemeClr val="accent6"/>
+    </dgm:fillClrLst>
+    <dgm:linClrLst meth="repeat">
+      <a:schemeClr val="lt1"/>
+    </dgm:linClrLst>
+    <dgm:effectClrLst/>
+    <dgm:txLinClrLst/>
+    <dgm:txFillClrLst/>
+    <dgm:txEffectClrLst/>
+  </dgm:styleLbl>
+  <dgm:styleLbl name="parChTrans2D1">
+    <dgm:fillClrLst meth="repeat">
+      <a:schemeClr val="accent2"/>
+    </dgm:fillClrLst>
+    <dgm:linClrLst meth="repeat">
+      <a:schemeClr val="lt1"/>
+    </dgm:linClrLst>
+    <dgm:effectClrLst/>
+    <dgm:txLinClrLst/>
+    <dgm:txFillClrLst meth="repeat">
+      <a:schemeClr val="lt1"/>
+    </dgm:txFillClrLst>
+    <dgm:txEffectClrLst/>
+  </dgm:styleLbl>
+  <dgm:styleLbl name="parChTrans2D2">
+    <dgm:fillClrLst meth="repeat">
+      <a:schemeClr val="accent3"/>
+    </dgm:fillClrLst>
+    <dgm:linClrLst meth="repeat">
+      <a:schemeClr val="lt1"/>
+    </dgm:linClrLst>
+    <dgm:effectClrLst/>
+    <dgm:txLinClrLst/>
+    <dgm:txFillClrLst/>
+    <dgm:txEffectClrLst/>
+  </dgm:styleLbl>
+  <dgm:styleLbl name="parChTrans2D3">
+    <dgm:fillClrLst meth="repeat">
+      <a:schemeClr val="accent4"/>
+    </dgm:fillClrLst>
+    <dgm:linClrLst meth="repeat">
+      <a:schemeClr val="lt1"/>
+    </dgm:linClrLst>
+    <dgm:effectClrLst/>
+    <dgm:txLinClrLst/>
+    <dgm:txFillClrLst/>
+    <dgm:txEffectClrLst/>
+  </dgm:styleLbl>
+  <dgm:styleLbl name="parChTrans2D4">
+    <dgm:fillClrLst meth="repeat">
+      <a:schemeClr val="accent5"/>
+    </dgm:fillClrLst>
+    <dgm:linClrLst meth="repeat">
+      <a:schemeClr val="lt1"/>
+    </dgm:linClrLst>
+    <dgm:effectClrLst/>
+    <dgm:txLinClrLst/>
+    <dgm:txFillClrLst meth="repeat">
+      <a:schemeClr val="lt1"/>
+    </dgm:txFillClrLst>
+    <dgm:txEffectClrLst/>
+  </dgm:styleLbl>
+  <dgm:styleLbl name="parChTrans1D1">
+    <dgm:fillClrLst meth="repeat">
+      <a:schemeClr val="accent2"/>
+    </dgm:fillClrLst>
+    <dgm:linClrLst meth="repeat">
+      <a:schemeClr val="accent2"/>
+    </dgm:linClrLst>
+    <dgm:effectClrLst/>
+    <dgm:txLinClrLst/>
+    <dgm:txFillClrLst meth="repeat">
+      <a:schemeClr val="tx1"/>
+    </dgm:txFillClrLst>
+    <dgm:txEffectClrLst/>
+  </dgm:styleLbl>
+  <dgm:styleLbl name="parChTrans1D2">
+    <dgm:fillClrLst meth="repeat">
+      <a:schemeClr val="accent2">
+        <a:tint val="90000"/>
+      </a:schemeClr>
+    </dgm:fillClrLst>
+    <dgm:linClrLst meth="repeat">
+      <a:schemeClr val="accent3"/>
+    </dgm:linClrLst>
+    <dgm:effectClrLst/>
+    <dgm:txLinClrLst/>
+    <dgm:txFillClrLst meth="repeat">
+      <a:schemeClr val="tx1"/>
+    </dgm:txFillClrLst>
+    <dgm:txEffectClrLst/>
+  </dgm:styleLbl>
+  <dgm:styleLbl name="parChTrans1D3">
+    <dgm:fillClrLst meth="repeat">
+      <a:schemeClr val="accent2">
+        <a:tint val="70000"/>
+      </a:schemeClr>
+    </dgm:fillClrLst>
+    <dgm:linClrLst meth="repeat">
+      <a:schemeClr val="accent4"/>
+    </dgm:linClrLst>
+    <dgm:effectClrLst/>
+    <dgm:txLinClrLst/>
+    <dgm:txFillClrLst meth="repeat">
+      <a:schemeClr val="tx1"/>
+    </dgm:txFillClrLst>
+    <dgm:txEffectClrLst/>
+  </dgm:styleLbl>
+  <dgm:styleLbl name="parChTrans1D4">
+    <dgm:fillClrLst meth="repeat">
+      <a:schemeClr val="accent2">
+        <a:tint val="50000"/>
+      </a:schemeClr>
+    </dgm:fillClrLst>
+    <dgm:linClrLst meth="repeat">
+      <a:schemeClr val="accent5"/>
+    </dgm:linClrLst>
+    <dgm:effectClrLst/>
+    <dgm:txLinClrLst/>
+    <dgm:txFillClrLst meth="repeat">
+      <a:schemeClr val="tx1"/>
+    </dgm:txFillClrLst>
+    <dgm:txEffectClrLst/>
+  </dgm:styleLbl>
+  <dgm:styleLbl name="fgAcc1">
+    <dgm:fillClrLst meth="repeat">
+      <a:schemeClr val="lt1">
+        <a:alpha val="90000"/>
+      </a:schemeClr>
+    </dgm:fillClrLst>
+    <dgm:linClrLst>
+      <a:schemeClr val="accent2"/>
+      <a:schemeClr val="accent3"/>
+    </dgm:linClrLst>
+    <dgm:effectClrLst/>
+    <dgm:txLinClrLst/>
+    <dgm:txFillClrLst meth="repeat">
+      <a:schemeClr val="dk1"/>
+    </dgm:txFillClrLst>
+    <dgm:txEffectClrLst/>
+  </dgm:styleLbl>
+  <dgm:styleLbl name="conFgAcc1">
+    <dgm:fillClrLst meth="repeat">
+      <a:schemeClr val="lt1">
+        <a:alpha val="90000"/>
+      </a:schemeClr>
+    </dgm:fillClrLst>
+    <dgm:linClrLst>
+      <a:schemeClr val="accent2"/>
+      <a:schemeClr val="accent3"/>
+    </dgm:linClrLst>
+    <dgm:effectClrLst/>
+    <dgm:txLinClrLst/>
+    <dgm:txFillClrLst meth="repeat">
+      <a:schemeClr val="dk1"/>
+    </dgm:txFillClrLst>
+    <dgm:txEffectClrLst/>
+  </dgm:styleLbl>
+  <dgm:styleLbl name="alignAcc1">
+    <dgm:fillClrLst meth="repeat">
+      <a:schemeClr val="lt1">
+        <a:alpha val="90000"/>
+      </a:schemeClr>
+    </dgm:fillClrLst>
+    <dgm:linClrLst>
+      <a:schemeClr val="accent2"/>
+      <a:schemeClr val="accent3"/>
+    </dgm:linClrLst>
+    <dgm:effectClrLst/>
+    <dgm:txLinClrLst/>
+    <dgm:txFillClrLst meth="repeat">
+      <a:schemeClr val="dk1"/>
+    </dgm:txFillClrLst>
+    <dgm:txEffectClrLst/>
+  </dgm:styleLbl>
+  <dgm:styleLbl name="trAlignAcc1">
+    <dgm:fillClrLst meth="repeat">
+      <a:schemeClr val="lt1">
+        <a:alpha val="40000"/>
+      </a:schemeClr>
+    </dgm:fillClrLst>
+    <dgm:linClrLst meth="repeat">
+      <a:schemeClr val="accent2"/>
+    </dgm:linClrLst>
+    <dgm:effectClrLst/>
+    <dgm:txLinClrLst/>
+    <dgm:txFillClrLst meth="repeat">
+      <a:schemeClr val="dk1"/>
+    </dgm:txFillClrLst>
+    <dgm:txEffectClrLst/>
+  </dgm:styleLbl>
+  <dgm:styleLbl name="bgAcc1">
+    <dgm:fillClrLst meth="repeat">
+      <a:schemeClr val="lt1">
+        <a:alpha val="90000"/>
+      </a:schemeClr>
+    </dgm:fillClrLst>
+    <dgm:linClrLst>
+      <a:schemeClr val="accent2"/>
+      <a:schemeClr val="accent3"/>
+    </dgm:linClrLst>
+    <dgm:effectClrLst/>
+    <dgm:txLinClrLst/>
+    <dgm:txFillClrLst meth="repeat">
+      <a:schemeClr val="dk1"/>
+    </dgm:txFillClrLst>
+    <dgm:txEffectClrLst/>
+  </dgm:styleLbl>
+  <dgm:styleLbl name="solidFgAcc1">
+    <dgm:fillClrLst meth="repeat">
+      <a:schemeClr val="lt1"/>
+    </dgm:fillClrLst>
+    <dgm:linClrLst>
+      <a:schemeClr val="accent2"/>
+      <a:schemeClr val="accent3"/>
+    </dgm:linClrLst>
+    <dgm:effectClrLst/>
+    <dgm:txLinClrLst/>
+    <dgm:txFillClrLst meth="repeat">
+      <a:schemeClr val="dk1"/>
+    </dgm:txFillClrLst>
+    <dgm:txEffectClrLst/>
+  </dgm:styleLbl>
+  <dgm:styleLbl name="solidAlignAcc1">
+    <dgm:fillClrLst meth="repeat">
+      <a:schemeClr val="lt1"/>
+    </dgm:fillClrLst>
+    <dgm:linClrLst>
+      <a:schemeClr val="accent2"/>
+      <a:schemeClr val="accent3"/>
+    </dgm:linClrLst>
+    <dgm:effectClrLst/>
+    <dgm:txLinClrLst/>
+    <dgm:txFillClrLst meth="repeat">
+      <a:schemeClr val="dk1"/>
+    </dgm:txFillClrLst>
+    <dgm:txEffectClrLst/>
+  </dgm:styleLbl>
+  <dgm:styleLbl name="solidBgAcc1">
+    <dgm:fillClrLst meth="repeat">
+      <a:schemeClr val="lt1"/>
+    </dgm:fillClrLst>
+    <dgm:linClrLst>
+      <a:schemeClr val="accent2"/>
+      <a:schemeClr val="accent3"/>
+    </dgm:linClrLst>
+    <dgm:effectClrLst/>
+    <dgm:txLinClrLst/>
+    <dgm:txFillClrLst meth="repeat">
+      <a:schemeClr val="dk1"/>
+    </dgm:txFillClrLst>
+    <dgm:txEffectClrLst/>
+  </dgm:styleLbl>
+  <dgm:styleLbl name="fgAccFollowNode1">
+    <dgm:fillClrLst>
+      <a:schemeClr val="accent2">
+        <a:tint val="40000"/>
+        <a:alpha val="90000"/>
+      </a:schemeClr>
+      <a:schemeClr val="accent3">
+        <a:tint val="40000"/>
+        <a:alpha val="90000"/>
+      </a:schemeClr>
+    </dgm:fillClrLst>
+    <dgm:linClrLst>
+      <a:schemeClr val="accent2">
+        <a:tint val="40000"/>
+        <a:alpha val="90000"/>
+      </a:schemeClr>
+      <a:schemeClr val="accent3">
+        <a:tint val="40000"/>
+        <a:alpha val="90000"/>
+      </a:schemeClr>
+    </dgm:linClrLst>
+    <dgm:effectClrLst/>
+    <dgm:txLinClrLst/>
+    <dgm:txFillClrLst meth="repeat">
+      <a:schemeClr val="dk1"/>
+    </dgm:txFillClrLst>
+    <dgm:txEffectClrLst/>
+  </dgm:styleLbl>
+  <dgm:styleLbl name="alignAccFollowNode1">
+    <dgm:fillClrLst>
+      <a:schemeClr val="accent2">
+        <a:tint val="40000"/>
+        <a:alpha val="90000"/>
+      </a:schemeClr>
+      <a:schemeClr val="accent3">
+        <a:tint val="40000"/>
+        <a:alpha val="90000"/>
+      </a:schemeClr>
+    </dgm:fillClrLst>
+    <dgm:linClrLst>
+      <a:schemeClr val="accent2">
+        <a:tint val="40000"/>
+        <a:alpha val="90000"/>
+      </a:schemeClr>
+      <a:schemeClr val="accent3">
+        <a:tint val="40000"/>
+        <a:alpha val="90000"/>
+      </a:schemeClr>
+    </dgm:linClrLst>
+    <dgm:effectClrLst/>
+    <dgm:txLinClrLst/>
+    <dgm:txFillClrLst meth="repeat">
+      <a:schemeClr val="dk1"/>
+    </dgm:txFillClrLst>
+    <dgm:txEffectClrLst/>
+  </dgm:styleLbl>
+  <dgm:styleLbl name="bgAccFollowNode1">
+    <dgm:fillClrLst>
+      <a:schemeClr val="accent2">
+        <a:tint val="40000"/>
+        <a:alpha val="90000"/>
+      </a:schemeClr>
+      <a:schemeClr val="accent3">
+        <a:tint val="40000"/>
+        <a:alpha val="90000"/>
+      </a:schemeClr>
+    </dgm:fillClrLst>
+    <dgm:linClrLst>
+      <a:schemeClr val="accent2">
+        <a:tint val="40000"/>
+        <a:alpha val="90000"/>
+      </a:schemeClr>
+      <a:schemeClr val="accent3">
+        <a:tint val="40000"/>
+        <a:alpha val="90000"/>
+      </a:schemeClr>
+    </dgm:linClrLst>
+    <dgm:effectClrLst/>
+    <dgm:txLinClrLst/>
+    <dgm:txFillClrLst meth="repeat">
+      <a:schemeClr val="dk1"/>
+    </dgm:txFillClrLst>
+    <dgm:txEffectClrLst/>
+  </dgm:styleLbl>
+  <dgm:styleLbl name="fgAcc0">
+    <dgm:fillClrLst meth="repeat">
+      <a:schemeClr val="lt1">
+        <a:alpha val="90000"/>
+      </a:schemeClr>
+    </dgm:fillClrLst>
+    <dgm:linClrLst>
+      <a:schemeClr val="accent1"/>
+    </dgm:linClrLst>
+    <dgm:effectClrLst/>
+    <dgm:txLinClrLst/>
+    <dgm:txFillClrLst meth="repeat">
+      <a:schemeClr val="dk1"/>
+    </dgm:txFillClrLst>
+    <dgm:txEffectClrLst/>
+  </dgm:styleLbl>
+  <dgm:styleLbl name="fgAcc2">
+    <dgm:fillClrLst meth="repeat">
+      <a:schemeClr val="lt1">
+        <a:alpha val="90000"/>
+      </a:schemeClr>
+    </dgm:fillClrLst>
+    <dgm:linClrLst>
+      <a:schemeClr val="accent3"/>
+    </dgm:linClrLst>
+    <dgm:effectClrLst/>
+    <dgm:txLinClrLst/>
+    <dgm:txFillClrLst meth="repeat">
+      <a:schemeClr val="dk1"/>
+    </dgm:txFillClrLst>
+    <dgm:txEffectClrLst/>
+  </dgm:styleLbl>
+  <dgm:styleLbl name="fgAcc3">
+    <dgm:fillClrLst meth="repeat">
+      <a:schemeClr val="lt1">
+        <a:alpha val="90000"/>
+      </a:schemeClr>
+    </dgm:fillClrLst>
+    <dgm:linClrLst>
+      <a:schemeClr val="accent4"/>
+    </dgm:linClrLst>
+    <dgm:effectClrLst/>
+    <dgm:txLinClrLst/>
+    <dgm:txFillClrLst meth="repeat">
+      <a:schemeClr val="dk1"/>
+    </dgm:txFillClrLst>
+    <dgm:txEffectClrLst/>
+  </dgm:styleLbl>
+  <dgm:styleLbl name="fgAcc4">
+    <dgm:fillClrLst meth="repeat">
+      <a:schemeClr val="lt1">
+        <a:alpha val="90000"/>
+      </a:schemeClr>
+    </dgm:fillClrLst>
+    <dgm:linClrLst>
+      <a:schemeClr val="accent5"/>
+    </dgm:linClrLst>
+    <dgm:effectClrLst/>
+    <dgm:txLinClrLst/>
+    <dgm:txFillClrLst meth="repeat">
+      <a:schemeClr val="dk1"/>
+    </dgm:txFillClrLst>
+    <dgm:txEffectClrLst/>
+  </dgm:styleLbl>
+  <dgm:styleLbl name="bgShp">
+    <dgm:fillClrLst meth="repeat">
+      <a:schemeClr val="accent2">
+        <a:tint val="40000"/>
+      </a:schemeClr>
+    </dgm:fillClrLst>
+    <dgm:linClrLst meth="repeat">
+      <a:schemeClr val="dk1"/>
+    </dgm:linClrLst>
+    <dgm:effectClrLst/>
+    <dgm:txLinClrLst/>
+    <dgm:txFillClrLst meth="repeat">
+      <a:schemeClr val="dk1"/>
+    </dgm:txFillClrLst>
+    <dgm:txEffectClrLst/>
+  </dgm:styleLbl>
+  <dgm:styleLbl name="dkBgShp">
+    <dgm:fillClrLst meth="repeat">
+      <a:schemeClr val="accent2">
+        <a:shade val="90000"/>
+      </a:schemeClr>
+    </dgm:fillClrLst>
+    <dgm:linClrLst meth="repeat">
+      <a:schemeClr val="dk1"/>
+    </dgm:linClrLst>
+    <dgm:effectClrLst/>
+    <dgm:txLinClrLst/>
+    <dgm:txFillClrLst meth="repeat">
+      <a:schemeClr val="lt1"/>
+    </dgm:txFillClrLst>
+    <dgm:txEffectClrLst/>
+  </dgm:styleLbl>
+  <dgm:styleLbl name="trBgShp">
+    <dgm:fillClrLst meth="repeat">
+      <a:schemeClr val="accent2">
+        <a:tint val="50000"/>
+        <a:alpha val="40000"/>
+      </a:schemeClr>
+    </dgm:fillClrLst>
+    <dgm:linClrLst meth="repeat">
+      <a:schemeClr val="accent2"/>
+    </dgm:linClrLst>
+    <dgm:effectClrLst/>
+    <dgm:txLinClrLst/>
+    <dgm:txFillClrLst meth="repeat">
+      <a:schemeClr val="lt1"/>
+    </dgm:txFillClrLst>
+    <dgm:txEffectClrLst/>
+  </dgm:styleLbl>
+  <dgm:styleLbl name="fgShp">
+    <dgm:fillClrLst meth="repeat">
+      <a:schemeClr val="accent2">
+        <a:tint val="40000"/>
+      </a:schemeClr>
+    </dgm:fillClrLst>
+    <dgm:linClrLst meth="repeat">
+      <a:schemeClr val="lt1"/>
+    </dgm:linClrLst>
+    <dgm:effectClrLst/>
+    <dgm:txLinClrLst/>
+    <dgm:txFillClrLst meth="repeat">
+      <a:schemeClr val="dk1"/>
+    </dgm:txFillClrLst>
+    <dgm:txEffectClrLst/>
+  </dgm:styleLbl>
+  <dgm:styleLbl name="revTx">
+    <dgm:fillClrLst meth="repeat">
+      <a:schemeClr val="lt1">
+        <a:alpha val="0"/>
+      </a:schemeClr>
+    </dgm:fillClrLst>
+    <dgm:linClrLst meth="repeat">
+      <a:schemeClr val="dk1">
+        <a:alpha val="0"/>
+      </a:schemeClr>
+    </dgm:linClrLst>
+    <dgm:effectClrLst/>
+    <dgm:txLinClrLst/>
+    <dgm:txFillClrLst meth="repeat">
+      <a:schemeClr val="tx1"/>
+    </dgm:txFillClrLst>
+    <dgm:txEffectClrLst/>
+  </dgm:styleLbl>
+</dgm:colorsDef>
+</file>
+
+<file path=ppt/diagrams/colors2.xml><?xml version="1.0" encoding="utf-8"?>
+<dgm:colorsDef xmlns:dgm="http://schemas.openxmlformats.org/drawingml/2006/diagram" xmlns:a="http://schemas.openxmlformats.org/drawingml/2006/main" uniqueId="urn:microsoft.com/office/officeart/2005/8/colors/colorful5">
+  <dgm:title val=""/>
+  <dgm:desc val=""/>
+  <dgm:catLst>
+    <dgm:cat type="colorful" pri="10500"/>
+  </dgm:catLst>
+  <dgm:styleLbl name="node0">
+    <dgm:fillClrLst meth="repeat">
+      <a:schemeClr val="accent4"/>
+    </dgm:fillClrLst>
+    <dgm:linClrLst meth="repeat">
+      <a:schemeClr val="lt1"/>
+    </dgm:linClrLst>
+    <dgm:effectClrLst/>
+    <dgm:txLinClrLst/>
+    <dgm:txFillClrLst/>
+    <dgm:txEffectClrLst/>
+  </dgm:styleLbl>
+  <dgm:styleLbl name="node1">
+    <dgm:fillClrLst>
+      <a:schemeClr val="accent5"/>
+      <a:schemeClr val="accent6"/>
+    </dgm:fillClrLst>
+    <dgm:linClrLst meth="repeat">
+      <a:schemeClr val="lt1"/>
+    </dgm:linClrLst>
+    <dgm:effectClrLst/>
+    <dgm:txLinClrLst/>
+    <dgm:txFillClrLst/>
+    <dgm:txEffectClrLst/>
+  </dgm:styleLbl>
+  <dgm:styleLbl name="alignNode1">
+    <dgm:fillClrLst>
+      <a:schemeClr val="accent5"/>
+      <a:schemeClr val="accent6"/>
+    </dgm:fillClrLst>
+    <dgm:linClrLst>
+      <a:schemeClr val="accent5"/>
+      <a:schemeClr val="accent6"/>
+    </dgm:linClrLst>
+    <dgm:effectClrLst/>
+    <dgm:txLinClrLst/>
+    <dgm:txFillClrLst/>
+    <dgm:txEffectClrLst/>
+  </dgm:styleLbl>
+  <dgm:styleLbl name="lnNode1">
+    <dgm:fillClrLst>
+      <a:schemeClr val="accent5"/>
+      <a:schemeClr val="accent6"/>
+    </dgm:fillClrLst>
+    <dgm:linClrLst meth="repeat">
+      <a:schemeClr val="lt1"/>
+    </dgm:linClrLst>
+    <dgm:effectClrLst/>
+    <dgm:txLinClrLst/>
+    <dgm:txFillClrLst/>
+    <dgm:txEffectClrLst/>
+  </dgm:styleLbl>
+  <dgm:styleLbl name="vennNode1">
+    <dgm:fillClrLst>
+      <a:schemeClr val="accent5">
+        <a:alpha val="50000"/>
+      </a:schemeClr>
+      <a:schemeClr val="accent6">
+        <a:alpha val="50000"/>
+      </a:schemeClr>
+    </dgm:fillClrLst>
+    <dgm:linClrLst meth="repeat">
+      <a:schemeClr val="lt1"/>
+    </dgm:linClrLst>
+    <dgm:effectClrLst/>
+    <dgm:txLinClrLst/>
+    <dgm:txFillClrLst/>
+    <dgm:txEffectClrLst/>
+  </dgm:styleLbl>
+  <dgm:styleLbl name="node2">
+    <dgm:fillClrLst>
+      <a:schemeClr val="accent6"/>
+    </dgm:fillClrLst>
+    <dgm:linClrLst meth="repeat">
+      <a:schemeClr val="lt1"/>
+    </dgm:linClrLst>
+    <dgm:effectClrLst/>
+    <dgm:txLinClrLst/>
+    <dgm:txFillClrLst/>
+    <dgm:txEffectClrLst/>
+  </dgm:styleLbl>
+  <dgm:styleLbl name="node3">
+    <dgm:fillClrLst>
+      <a:schemeClr val="accent1"/>
+    </dgm:fillClrLst>
+    <dgm:linClrLst meth="repeat">
+      <a:schemeClr val="lt1"/>
+    </dgm:linClrLst>
+    <dgm:effectClrLst/>
+    <dgm:txLinClrLst/>
+    <dgm:txFillClrLst/>
+    <dgm:txEffectClrLst/>
+  </dgm:styleLbl>
+  <dgm:styleLbl name="node4">
+    <dgm:fillClrLst>
+      <a:schemeClr val="accent2"/>
+    </dgm:fillClrLst>
+    <dgm:linClrLst meth="repeat">
+      <a:schemeClr val="lt1"/>
+    </dgm:linClrLst>
+    <dgm:effectClrLst/>
+    <dgm:txLinClrLst/>
+    <dgm:txFillClrLst/>
+    <dgm:txEffectClrLst/>
+  </dgm:styleLbl>
+  <dgm:styleLbl name="fgImgPlace1">
+    <dgm:fillClrLst>
+      <a:schemeClr val="accent5">
+        <a:tint val="50000"/>
+      </a:schemeClr>
+      <a:schemeClr val="accent6">
+        <a:tint val="50000"/>
+      </a:schemeClr>
+    </dgm:fillClrLst>
+    <dgm:linClrLst meth="repeat">
+      <a:schemeClr val="lt1"/>
+    </dgm:linClrLst>
+    <dgm:effectClrLst/>
+    <dgm:txLinClrLst/>
+    <dgm:txFillClrLst meth="repeat">
+      <a:schemeClr val="lt1"/>
+    </dgm:txFillClrLst>
+    <dgm:txEffectClrLst/>
+  </dgm:styleLbl>
+  <dgm:styleLbl name="alignImgPlace1">
+    <dgm:fillClrLst>
+      <a:schemeClr val="accent5">
+        <a:tint val="50000"/>
+      </a:schemeClr>
+      <a:schemeClr val="accent6">
+        <a:tint val="20000"/>
+      </a:schemeClr>
+    </dgm:fillClrLst>
+    <dgm:linClrLst meth="repeat">
+      <a:schemeClr val="lt1"/>
+    </dgm:linClrLst>
+    <dgm:effectClrLst/>
+    <dgm:txLinClrLst/>
+    <dgm:txFillClrLst meth="repeat">
+      <a:schemeClr val="lt1"/>
+    </dgm:txFillClrLst>
+    <dgm:txEffectClrLst/>
+  </dgm:styleLbl>
+  <dgm:styleLbl name="bgImgPlace1">
+    <dgm:fillClrLst>
+      <a:schemeClr val="accent5">
+        <a:tint val="50000"/>
+      </a:schemeClr>
+      <a:schemeClr val="accent6">
+        <a:tint val="20000"/>
+      </a:schemeClr>
+    </dgm:fillClrLst>
+    <dgm:linClrLst meth="repeat">
+      <a:schemeClr val="lt1"/>
+    </dgm:linClrLst>
+    <dgm:effectClrLst/>
+    <dgm:txLinClrLst/>
+    <dgm:txFillClrLst meth="repeat">
+      <a:schemeClr val="lt1"/>
+    </dgm:txFillClrLst>
+    <dgm:txEffectClrLst/>
+  </dgm:styleLbl>
+  <dgm:styleLbl name="sibTrans2D1">
+    <dgm:fillClrLst>
+      <a:schemeClr val="accent5"/>
+      <a:schemeClr val="accent6"/>
+    </dgm:fillClrLst>
+    <dgm:linClrLst meth="repeat">
+      <a:schemeClr val="lt1"/>
+    </dgm:linClrLst>
+    <dgm:effectClrLst/>
+    <dgm:txLinClrLst/>
+    <dgm:txFillClrLst/>
+    <dgm:txEffectClrLst/>
+  </dgm:styleLbl>
+  <dgm:styleLbl name="fgSibTrans2D1">
+    <dgm:fillClrLst>
+      <a:schemeClr val="accent5"/>
+      <a:schemeClr val="accent6"/>
+    </dgm:fillClrLst>
+    <dgm:linClrLst meth="repeat">
+      <a:schemeClr val="lt1"/>
+    </dgm:linClrLst>
+    <dgm:effectClrLst/>
+    <dgm:txLinClrLst/>
+    <dgm:txFillClrLst meth="repeat">
+      <a:schemeClr val="lt1"/>
+    </dgm:txFillClrLst>
+    <dgm:txEffectClrLst/>
+  </dgm:styleLbl>
+  <dgm:styleLbl name="bgSibTrans2D1">
+    <dgm:fillClrLst>
+      <a:schemeClr val="accent5"/>
+      <a:schemeClr val="accent6"/>
+    </dgm:fillClrLst>
+    <dgm:linClrLst meth="repeat">
+      <a:schemeClr val="lt1"/>
+    </dgm:linClrLst>
+    <dgm:effectClrLst/>
+    <dgm:txLinClrLst/>
+    <dgm:txFillClrLst meth="repeat">
+      <a:schemeClr val="lt1"/>
+    </dgm:txFillClrLst>
+    <dgm:txEffectClrLst/>
+  </dgm:styleLbl>
+  <dgm:styleLbl name="sibTrans1D1">
+    <dgm:fillClrLst/>
+    <dgm:linClrLst>
+      <a:schemeClr val="accent5"/>
+      <a:schemeClr val="accent6"/>
+    </dgm:linClrLst>
+    <dgm:effectClrLst/>
+    <dgm:txLinClrLst/>
+    <dgm:txFillClrLst meth="repeat">
+      <a:schemeClr val="tx1"/>
+    </dgm:txFillClrLst>
+    <dgm:txEffectClrLst/>
+  </dgm:styleLbl>
+  <dgm:styleLbl name="callout">
+    <dgm:fillClrLst meth="repeat">
+      <a:schemeClr val="accent5"/>
+    </dgm:fillClrLst>
+    <dgm:linClrLst meth="repeat">
+      <a:schemeClr val="accent5">
+        <a:tint val="50000"/>
+      </a:schemeClr>
+    </dgm:linClrLst>
+    <dgm:effectClrLst/>
+    <dgm:txLinClrLst/>
+    <dgm:txFillClrLst meth="repeat">
+      <a:schemeClr val="tx1"/>
+    </dgm:txFillClrLst>
+    <dgm:txEffectClrLst/>
+  </dgm:styleLbl>
+  <dgm:styleLbl name="asst0">
+    <dgm:fillClrLst meth="repeat">
+      <a:schemeClr val="accent5"/>
+    </dgm:fillClrLst>
+    <dgm:linClrLst meth="repeat">
+      <a:schemeClr val="lt1">
+        <a:shade val="80000"/>
+      </a:schemeClr>
+    </dgm:linClrLst>
+    <dgm:effectClrLst/>
+    <dgm:txLinClrLst/>
+    <dgm:txFillClrLst/>
+    <dgm:txEffectClrLst/>
+  </dgm:styleLbl>
+  <dgm:styleLbl name="asst1">
+    <dgm:fillClrLst meth="repeat">
+      <a:schemeClr val="accent6"/>
+    </dgm:fillClrLst>
+    <dgm:linClrLst meth="repeat">
+      <a:schemeClr val="lt1">
+        <a:shade val="80000"/>
+      </a:schemeClr>
+    </dgm:linClrLst>
+    <dgm:effectClrLst/>
+    <dgm:txLinClrLst/>
+    <dgm:txFillClrLst/>
+    <dgm:txEffectClrLst/>
+  </dgm:styleLbl>
+  <dgm:styleLbl name="asst2">
+    <dgm:fillClrLst>
+      <a:schemeClr val="accent1"/>
+    </dgm:fillClrLst>
+    <dgm:linClrLst meth="repeat">
+      <a:schemeClr val="lt1"/>
+    </dgm:linClrLst>
+    <dgm:effectClrLst/>
+    <dgm:txLinClrLst/>
+    <dgm:txFillClrLst/>
+    <dgm:txEffectClrLst/>
+  </dgm:styleLbl>
+  <dgm:styleLbl name="asst3">
+    <dgm:fillClrLst>
+      <a:schemeClr val="accent2"/>
+    </dgm:fillClrLst>
+    <dgm:linClrLst meth="repeat">
+      <a:schemeClr val="lt1"/>
+    </dgm:linClrLst>
+    <dgm:effectClrLst/>
+    <dgm:txLinClrLst/>
+    <dgm:txFillClrLst/>
+    <dgm:txEffectClrLst/>
+  </dgm:styleLbl>
+  <dgm:styleLbl name="asst4">
+    <dgm:fillClrLst>
+      <a:schemeClr val="accent3"/>
+    </dgm:fillClrLst>
+    <dgm:linClrLst meth="repeat">
+      <a:schemeClr val="lt1"/>
+    </dgm:linClrLst>
+    <dgm:effectClrLst/>
+    <dgm:txLinClrLst/>
+    <dgm:txFillClrLst/>
+    <dgm:txEffectClrLst/>
+  </dgm:styleLbl>
+  <dgm:styleLbl name="parChTrans2D1">
+    <dgm:fillClrLst meth="repeat">
+      <a:schemeClr val="accent5"/>
+    </dgm:fillClrLst>
+    <dgm:linClrLst meth="repeat">
+      <a:schemeClr val="lt1"/>
+    </dgm:linClrLst>
+    <dgm:effectClrLst/>
+    <dgm:txLinClrLst/>
+    <dgm:txFillClrLst meth="repeat">
+      <a:schemeClr val="lt1"/>
+    </dgm:txFillClrLst>
+    <dgm:txEffectClrLst/>
+  </dgm:styleLbl>
+  <dgm:styleLbl name="parChTrans2D2">
+    <dgm:fillClrLst meth="repeat">
+      <a:schemeClr val="accent6"/>
+    </dgm:fillClrLst>
+    <dgm:linClrLst meth="repeat">
+      <a:schemeClr val="lt1"/>
+    </dgm:linClrLst>
+    <dgm:effectClrLst/>
+    <dgm:txLinClrLst/>
+    <dgm:txFillClrLst/>
+    <dgm:txEffectClrLst/>
+  </dgm:styleLbl>
+  <dgm:styleLbl name="parChTrans2D3">
+    <dgm:fillClrLst meth="repeat">
+      <a:schemeClr val="accent6"/>
+    </dgm:fillClrLst>
+    <dgm:linClrLst meth="repeat">
+      <a:schemeClr val="lt1"/>
+    </dgm:linClrLst>
+    <dgm:effectClrLst/>
+    <dgm:txLinClrLst/>
+    <dgm:txFillClrLst/>
+    <dgm:txEffectClrLst/>
+  </dgm:styleLbl>
+  <dgm:styleLbl name="parChTrans2D4">
+    <dgm:fillClrLst meth="repeat">
+      <a:schemeClr val="accent1"/>
+    </dgm:fillClrLst>
+    <dgm:linClrLst meth="repeat">
+      <a:schemeClr val="lt1"/>
+    </dgm:linClrLst>
+    <dgm:effectClrLst/>
+    <dgm:txLinClrLst/>
+    <dgm:txFillClrLst meth="repeat">
+      <a:schemeClr val="lt1"/>
+    </dgm:txFillClrLst>
+    <dgm:txEffectClrLst/>
+  </dgm:styleLbl>
+  <dgm:styleLbl name="parChTrans1D1">
+    <dgm:fillClrLst meth="repeat">
+      <a:schemeClr val="accent5"/>
+    </dgm:fillClrLst>
+    <dgm:linClrLst meth="repeat">
+      <a:schemeClr val="accent5"/>
+    </dgm:linClrLst>
+    <dgm:effectClrLst/>
+    <dgm:txLinClrLst/>
+    <dgm:txFillClrLst meth="repeat">
+      <a:schemeClr val="tx1"/>
+    </dgm:txFillClrLst>
+    <dgm:txEffectClrLst/>
+  </dgm:styleLbl>
+  <dgm:styleLbl name="parChTrans1D2">
+    <dgm:fillClrLst meth="repeat">
+      <a:schemeClr val="accent6">
+        <a:tint val="90000"/>
+      </a:schemeClr>
+    </dgm:fillClrLst>
+    <dgm:linClrLst meth="repeat">
+      <a:schemeClr val="accent6"/>
+    </dgm:linClrLst>
+    <dgm:effectClrLst/>
+    <dgm:txLinClrLst/>
+    <dgm:txFillClrLst meth="repeat">
+      <a:schemeClr val="tx1"/>
+    </dgm:txFillClrLst>
+    <dgm:txEffectClrLst/>
+  </dgm:styleLbl>
+  <dgm:styleLbl name="parChTrans1D3">
+    <dgm:fillClrLst meth="repeat">
+      <a:schemeClr val="accent6">
+        <a:tint val="70000"/>
+      </a:schemeClr>
+    </dgm:fillClrLst>
+    <dgm:linClrLst meth="repeat">
+      <a:schemeClr val="accent1"/>
+    </dgm:linClrLst>
+    <dgm:effectClrLst/>
+    <dgm:txLinClrLst/>
+    <dgm:txFillClrLst meth="repeat">
+      <a:schemeClr val="tx1"/>
+    </dgm:txFillClrLst>
+    <dgm:txEffectClrLst/>
+  </dgm:styleLbl>
+  <dgm:styleLbl name="parChTrans1D4">
+    <dgm:fillClrLst meth="repeat">
+      <a:schemeClr val="accent6">
+        <a:tint val="50000"/>
+      </a:schemeClr>
+    </dgm:fillClrLst>
+    <dgm:linClrLst meth="repeat">
+      <a:schemeClr val="accent2"/>
+    </dgm:linClrLst>
+    <dgm:effectClrLst/>
+    <dgm:txLinClrLst/>
+    <dgm:txFillClrLst meth="repeat">
+      <a:schemeClr val="tx1"/>
+    </dgm:txFillClrLst>
+    <dgm:txEffectClrLst/>
+  </dgm:styleLbl>
+  <dgm:styleLbl name="fgAcc1">
+    <dgm:fillClrLst meth="repeat">
+      <a:schemeClr val="lt1">
+        <a:alpha val="90000"/>
+      </a:schemeClr>
+    </dgm:fillClrLst>
+    <dgm:linClrLst>
+      <a:schemeClr val="accent5"/>
+      <a:schemeClr val="accent6"/>
+    </dgm:linClrLst>
+    <dgm:effectClrLst/>
+    <dgm:txLinClrLst/>
+    <dgm:txFillClrLst meth="repeat">
+      <a:schemeClr val="dk1"/>
+    </dgm:txFillClrLst>
+    <dgm:txEffectClrLst/>
+  </dgm:styleLbl>
+  <dgm:styleLbl name="conFgAcc1">
+    <dgm:fillClrLst meth="repeat">
+      <a:schemeClr val="lt1">
+        <a:alpha val="90000"/>
+      </a:schemeClr>
+    </dgm:fillClrLst>
+    <dgm:linClrLst>
+      <a:schemeClr val="accent5"/>
+      <a:schemeClr val="accent6"/>
+    </dgm:linClrLst>
+    <dgm:effectClrLst/>
+    <dgm:txLinClrLst/>
+    <dgm:txFillClrLst meth="repeat">
+      <a:schemeClr val="dk1"/>
+    </dgm:txFillClrLst>
+    <dgm:txEffectClrLst/>
+  </dgm:styleLbl>
+  <dgm:styleLbl name="alignAcc1">
+    <dgm:fillClrLst meth="repeat">
+      <a:schemeClr val="lt1">
+        <a:alpha val="90000"/>
+      </a:schemeClr>
+    </dgm:fillClrLst>
+    <dgm:linClrLst>
+      <a:schemeClr val="accent5"/>
+      <a:schemeClr val="accent6"/>
+    </dgm:linClrLst>
+    <dgm:effectClrLst/>
+    <dgm:txLinClrLst/>
+    <dgm:txFillClrLst meth="repeat">
+      <a:schemeClr val="dk1"/>
+    </dgm:txFillClrLst>
+    <dgm:txEffectClrLst/>
+  </dgm:styleLbl>
+  <dgm:styleLbl name="trAlignAcc1">
+    <dgm:fillClrLst meth="repeat">
+      <a:schemeClr val="lt1">
+        <a:alpha val="40000"/>
+      </a:schemeClr>
+    </dgm:fillClrLst>
+    <dgm:linClrLst meth="repeat">
+      <a:schemeClr val="accent5"/>
+    </dgm:linClrLst>
+    <dgm:effectClrLst/>
+    <dgm:txLinClrLst/>
+    <dgm:txFillClrLst meth="repeat">
+      <a:schemeClr val="dk1"/>
+    </dgm:txFillClrLst>
+    <dgm:txEffectClrLst/>
+  </dgm:styleLbl>
+  <dgm:styleLbl name="bgAcc1">
+    <dgm:fillClrLst meth="repeat">
+      <a:schemeClr val="lt1">
+        <a:alpha val="90000"/>
+      </a:schemeClr>
+    </dgm:fillClrLst>
+    <dgm:linClrLst>
+      <a:schemeClr val="accent5"/>
+      <a:schemeClr val="accent6"/>
+    </dgm:linClrLst>
+    <dgm:effectClrLst/>
+    <dgm:txLinClrLst/>
+    <dgm:txFillClrLst meth="repeat">
+      <a:schemeClr val="dk1"/>
+    </dgm:txFillClrLst>
+    <dgm:txEffectClrLst/>
+  </dgm:styleLbl>
+  <dgm:styleLbl name="solidFgAcc1">
+    <dgm:fillClrLst meth="repeat">
+      <a:schemeClr val="lt1"/>
+    </dgm:fillClrLst>
+    <dgm:linClrLst>
+      <a:schemeClr val="accent5"/>
+      <a:schemeClr val="accent6"/>
+    </dgm:linClrLst>
+    <dgm:effectClrLst/>
+    <dgm:txLinClrLst/>
+    <dgm:txFillClrLst meth="repeat">
+      <a:schemeClr val="dk1"/>
+    </dgm:txFillClrLst>
+    <dgm:txEffectClrLst/>
+  </dgm:styleLbl>
+  <dgm:styleLbl name="solidAlignAcc1">
+    <dgm:fillClrLst meth="repeat">
+      <a:schemeClr val="lt1"/>
+    </dgm:fillClrLst>
+    <dgm:linClrLst>
+      <a:schemeClr val="accent5"/>
+      <a:schemeClr val="accent6"/>
+    </dgm:linClrLst>
+    <dgm:effectClrLst/>
+    <dgm:txLinClrLst/>
+    <dgm:txFillClrLst meth="repeat">
+      <a:schemeClr val="dk1"/>
+    </dgm:txFillClrLst>
+    <dgm:txEffectClrLst/>
+  </dgm:styleLbl>
+  <dgm:styleLbl name="solidBgAcc1">
+    <dgm:fillClrLst meth="repeat">
+      <a:schemeClr val="lt1"/>
+    </dgm:fillClrLst>
+    <dgm:linClrLst>
+      <a:schemeClr val="accent5"/>
+      <a:schemeClr val="accent6"/>
+    </dgm:linClrLst>
+    <dgm:effectClrLst/>
+    <dgm:txLinClrLst/>
+    <dgm:txFillClrLst meth="repeat">
+      <a:schemeClr val="dk1"/>
+    </dgm:txFillClrLst>
+    <dgm:txEffectClrLst/>
+  </dgm:styleLbl>
+  <dgm:styleLbl name="fgAccFollowNode1">
+    <dgm:fillClrLst>
+      <a:schemeClr val="accent5">
+        <a:tint val="40000"/>
+        <a:alpha val="90000"/>
+      </a:schemeClr>
+      <a:schemeClr val="accent6">
+        <a:tint val="40000"/>
+        <a:alpha val="90000"/>
+      </a:schemeClr>
+    </dgm:fillClrLst>
+    <dgm:linClrLst>
+      <a:schemeClr val="accent5">
+        <a:tint val="40000"/>
+        <a:alpha val="90000"/>
+      </a:schemeClr>
+      <a:schemeClr val="accent5">
+        <a:tint val="40000"/>
+        <a:alpha val="90000"/>
+      </a:schemeClr>
+    </dgm:linClrLst>
+    <dgm:effectClrLst/>
+    <dgm:txLinClrLst/>
+    <dgm:txFillClrLst meth="repeat">
+      <a:schemeClr val="dk1"/>
+    </dgm:txFillClrLst>
+    <dgm:txEffectClrLst/>
+  </dgm:styleLbl>
+  <dgm:styleLbl name="alignAccFollowNode1">
+    <dgm:fillClrLst>
+      <a:schemeClr val="accent5">
+        <a:tint val="40000"/>
+        <a:alpha val="90000"/>
+      </a:schemeClr>
+      <a:schemeClr val="accent6">
+        <a:tint val="40000"/>
+        <a:alpha val="90000"/>
+      </a:schemeClr>
+    </dgm:fillClrLst>
+    <dgm:linClrLst>
+      <a:schemeClr val="accent5">
+        <a:tint val="40000"/>
+        <a:alpha val="90000"/>
+      </a:schemeClr>
+      <a:schemeClr val="accent6">
+        <a:tint val="40000"/>
+        <a:alpha val="90000"/>
+      </a:schemeClr>
+    </dgm:linClrLst>
+    <dgm:effectClrLst/>
+    <dgm:txLinClrLst/>
+    <dgm:txFillClrLst meth="repeat">
+      <a:schemeClr val="dk1"/>
+    </dgm:txFillClrLst>
+    <dgm:txEffectClrLst/>
+  </dgm:styleLbl>
+  <dgm:styleLbl name="bgAccFollowNode1">
+    <dgm:fillClrLst>
+      <a:schemeClr val="accent5">
+        <a:tint val="40000"/>
+        <a:alpha val="90000"/>
+      </a:schemeClr>
+      <a:schemeClr val="accent6">
+        <a:tint val="40000"/>
+        <a:alpha val="90000"/>
+      </a:schemeClr>
+    </dgm:fillClrLst>
+    <dgm:linClrLst>
+      <a:schemeClr val="accent5">
+        <a:tint val="40000"/>
+        <a:alpha val="90000"/>
+      </a:schemeClr>
+      <a:schemeClr val="accent6">
+        <a:tint val="40000"/>
+        <a:alpha val="90000"/>
+      </a:schemeClr>
+    </dgm:linClrLst>
+    <dgm:effectClrLst/>
+    <dgm:txLinClrLst/>
+    <dgm:txFillClrLst meth="repeat">
+      <a:schemeClr val="dk1"/>
+    </dgm:txFillClrLst>
+    <dgm:txEffectClrLst/>
+  </dgm:styleLbl>
+  <dgm:styleLbl name="fgAcc0">
+    <dgm:fillClrLst meth="repeat">
+      <a:schemeClr val="lt1">
+        <a:alpha val="90000"/>
+      </a:schemeClr>
+    </dgm:fillClrLst>
+    <dgm:linClrLst>
+      <a:schemeClr val="accent4"/>
+    </dgm:linClrLst>
+    <dgm:effectClrLst/>
+    <dgm:txLinClrLst/>
+    <dgm:txFillClrLst meth="repeat">
+      <a:schemeClr val="dk1"/>
+    </dgm:txFillClrLst>
+    <dgm:txEffectClrLst/>
+  </dgm:styleLbl>
+  <dgm:styleLbl name="fgAcc2">
+    <dgm:fillClrLst meth="repeat">
+      <a:schemeClr val="lt1">
+        <a:alpha val="90000"/>
+      </a:schemeClr>
+    </dgm:fillClrLst>
+    <dgm:linClrLst>
+      <a:schemeClr val="accent6"/>
+    </dgm:linClrLst>
+    <dgm:effectClrLst/>
+    <dgm:txLinClrLst/>
+    <dgm:txFillClrLst meth="repeat">
+      <a:schemeClr val="dk1"/>
+    </dgm:txFillClrLst>
+    <dgm:txEffectClrLst/>
+  </dgm:styleLbl>
+  <dgm:styleLbl name="fgAcc3">
+    <dgm:fillClrLst meth="repeat">
+      <a:schemeClr val="lt1">
+        <a:alpha val="90000"/>
+      </a:schemeClr>
+    </dgm:fillClrLst>
+    <dgm:linClrLst>
+      <a:schemeClr val="accent1"/>
+    </dgm:linClrLst>
+    <dgm:effectClrLst/>
+    <dgm:txLinClrLst/>
+    <dgm:txFillClrLst meth="repeat">
+      <a:schemeClr val="dk1"/>
+    </dgm:txFillClrLst>
+    <dgm:txEffectClrLst/>
+  </dgm:styleLbl>
+  <dgm:styleLbl name="fgAcc4">
+    <dgm:fillClrLst meth="repeat">
+      <a:schemeClr val="lt1">
+        <a:alpha val="90000"/>
+      </a:schemeClr>
+    </dgm:fillClrLst>
+    <dgm:linClrLst>
+      <a:schemeClr val="accent2"/>
+    </dgm:linClrLst>
+    <dgm:effectClrLst/>
+    <dgm:txLinClrLst/>
+    <dgm:txFillClrLst meth="repeat">
+      <a:schemeClr val="dk1"/>
+    </dgm:txFillClrLst>
+    <dgm:txEffectClrLst/>
+  </dgm:styleLbl>
+  <dgm:styleLbl name="bgShp">
+    <dgm:fillClrLst meth="repeat">
+      <a:schemeClr val="accent5">
+        <a:tint val="40000"/>
+      </a:schemeClr>
+    </dgm:fillClrLst>
+    <dgm:linClrLst meth="repeat">
+      <a:schemeClr val="dk1"/>
+    </dgm:linClrLst>
+    <dgm:effectClrLst/>
+    <dgm:txLinClrLst/>
+    <dgm:txFillClrLst meth="repeat">
+      <a:schemeClr val="dk1"/>
+    </dgm:txFillClrLst>
+    <dgm:txEffectClrLst/>
+  </dgm:styleLbl>
+  <dgm:styleLbl name="dkBgShp">
+    <dgm:fillClrLst meth="repeat">
+      <a:schemeClr val="accent5">
+        <a:shade val="90000"/>
+      </a:schemeClr>
+    </dgm:fillClrLst>
+    <dgm:linClrLst meth="repeat">
+      <a:schemeClr val="dk1"/>
+    </dgm:linClrLst>
+    <dgm:effectClrLst/>
+    <dgm:txLinClrLst/>
+    <dgm:txFillClrLst meth="repeat">
+      <a:schemeClr val="lt1"/>
+    </dgm:txFillClrLst>
+    <dgm:txEffectClrLst/>
+  </dgm:styleLbl>
+  <dgm:styleLbl name="trBgShp">
+    <dgm:fillClrLst meth="repeat">
+      <a:schemeClr val="accent5">
+        <a:tint val="50000"/>
+        <a:alpha val="40000"/>
+      </a:schemeClr>
+    </dgm:fillClrLst>
+    <dgm:linClrLst meth="repeat">
+      <a:schemeClr val="accent5"/>
+    </dgm:linClrLst>
+    <dgm:effectClrLst/>
+    <dgm:txLinClrLst/>
+    <dgm:txFillClrLst meth="repeat">
+      <a:schemeClr val="lt1"/>
+    </dgm:txFillClrLst>
+    <dgm:txEffectClrLst/>
+  </dgm:styleLbl>
+  <dgm:styleLbl name="fgShp">
+    <dgm:fillClrLst meth="repeat">
+      <a:schemeClr val="accent5">
+        <a:tint val="40000"/>
+      </a:schemeClr>
+    </dgm:fillClrLst>
+    <dgm:linClrLst meth="repeat">
+      <a:schemeClr val="lt1"/>
+    </dgm:linClrLst>
+    <dgm:effectClrLst/>
+    <dgm:txLinClrLst/>
+    <dgm:txFillClrLst meth="repeat">
+      <a:schemeClr val="dk1"/>
+    </dgm:txFillClrLst>
+    <dgm:txEffectClrLst/>
+  </dgm:styleLbl>
+  <dgm:styleLbl name="revTx">
+    <dgm:fillClrLst meth="repeat">
+      <a:schemeClr val="lt1">
+        <a:alpha val="0"/>
+      </a:schemeClr>
+    </dgm:fillClrLst>
+    <dgm:linClrLst meth="repeat">
+      <a:schemeClr val="dk1">
+        <a:alpha val="0"/>
+      </a:schemeClr>
+    </dgm:linClrLst>
+    <dgm:effectClrLst/>
+    <dgm:txLinClrLst/>
+    <dgm:txFillClrLst meth="repeat">
+      <a:schemeClr val="tx1"/>
+    </dgm:txFillClrLst>
+    <dgm:txEffectClrLst/>
+  </dgm:styleLbl>
+</dgm:colorsDef>
+</file>
+
+<file path=ppt/diagrams/data1.xml><?xml version="1.0" encoding="utf-8"?>
+<dgm:dataModel xmlns:dgm="http://schemas.openxmlformats.org/drawingml/2006/diagram" xmlns:a="http://schemas.openxmlformats.org/drawingml/2006/main">
+  <dgm:ptLst>
+    <dgm:pt modelId="{776B4F69-7DBF-448A-BAF5-DC307DBCC548}" type="doc">
+      <dgm:prSet loTypeId="urn:microsoft.com/office/officeart/2016/7/layout/RepeatingBendingProcessNew" loCatId="process" qsTypeId="urn:microsoft.com/office/officeart/2005/8/quickstyle/simple1" qsCatId="simple" csTypeId="urn:microsoft.com/office/officeart/2005/8/colors/colorful2" csCatId="colorful" phldr="1"/>
+      <dgm:spPr/>
+      <dgm:t>
+        <a:bodyPr/>
+        <a:lstStyle/>
+        <a:p>
+          <a:endParaRPr lang="en-US"/>
+        </a:p>
+      </dgm:t>
+    </dgm:pt>
+    <dgm:pt modelId="{39A45C86-3370-4E24-A1AB-A47C4838817C}">
+      <dgm:prSet/>
+      <dgm:spPr/>
+      <dgm:t>
+        <a:bodyPr/>
+        <a:lstStyle/>
+        <a:p>
+          <a:r>
+            <a:rPr lang="en-CA" dirty="0"/>
+            <a:t>Data collection</a:t>
+          </a:r>
+          <a:endParaRPr lang="en-US" dirty="0"/>
+        </a:p>
+      </dgm:t>
+    </dgm:pt>
+    <dgm:pt modelId="{A14A4993-EB39-4009-8870-96C23DAC2A0B}" type="parTrans" cxnId="{1B3A125E-C6F6-4D0F-9DAE-D5E9EEE51841}">
+      <dgm:prSet/>
+      <dgm:spPr/>
+      <dgm:t>
+        <a:bodyPr/>
+        <a:lstStyle/>
+        <a:p>
+          <a:endParaRPr lang="en-US"/>
+        </a:p>
+      </dgm:t>
+    </dgm:pt>
+    <dgm:pt modelId="{6520F21F-F2A9-47F8-8488-EDFB149BDC0E}" type="sibTrans" cxnId="{1B3A125E-C6F6-4D0F-9DAE-D5E9EEE51841}">
+      <dgm:prSet/>
+      <dgm:spPr/>
+      <dgm:t>
+        <a:bodyPr/>
+        <a:lstStyle/>
+        <a:p>
+          <a:endParaRPr lang="en-US"/>
+        </a:p>
+      </dgm:t>
+    </dgm:pt>
+    <dgm:pt modelId="{57CDB1F4-85BD-407A-92D2-3A6DA188D3EA}">
+      <dgm:prSet/>
+      <dgm:spPr/>
+      <dgm:t>
+        <a:bodyPr/>
+        <a:lstStyle/>
+        <a:p>
+          <a:r>
+            <a:rPr lang="en-CA"/>
+            <a:t>Data preprocessing/cleaning</a:t>
+          </a:r>
+          <a:endParaRPr lang="en-US"/>
+        </a:p>
+      </dgm:t>
+    </dgm:pt>
+    <dgm:pt modelId="{BB460012-4103-43E7-8048-859E13B76320}" type="parTrans" cxnId="{7A3C3169-9A07-4A8F-A275-C3175A4BA925}">
+      <dgm:prSet/>
+      <dgm:spPr/>
+      <dgm:t>
+        <a:bodyPr/>
+        <a:lstStyle/>
+        <a:p>
+          <a:endParaRPr lang="en-US"/>
+        </a:p>
+      </dgm:t>
+    </dgm:pt>
+    <dgm:pt modelId="{2EAF687F-3001-49F4-A80A-ACD4E0A87628}" type="sibTrans" cxnId="{7A3C3169-9A07-4A8F-A275-C3175A4BA925}">
+      <dgm:prSet/>
+      <dgm:spPr/>
+      <dgm:t>
+        <a:bodyPr/>
+        <a:lstStyle/>
+        <a:p>
+          <a:endParaRPr lang="en-US"/>
+        </a:p>
+      </dgm:t>
+    </dgm:pt>
+    <dgm:pt modelId="{15A0B4F3-4B2F-4CCB-8787-7D0C41770907}">
+      <dgm:prSet/>
+      <dgm:spPr/>
+      <dgm:t>
+        <a:bodyPr/>
+        <a:lstStyle/>
+        <a:p>
+          <a:r>
+            <a:rPr lang="en-CA" dirty="0"/>
+            <a:t>Exploratory data analysis (EDA)</a:t>
+          </a:r>
+          <a:endParaRPr lang="en-US" dirty="0"/>
+        </a:p>
+      </dgm:t>
+    </dgm:pt>
+    <dgm:pt modelId="{4AB458BF-C9C7-4C17-A5BF-6DA39F79B581}" type="parTrans" cxnId="{B8443CC2-EBCC-4A54-9F73-AF95784C42DA}">
+      <dgm:prSet/>
+      <dgm:spPr/>
+      <dgm:t>
+        <a:bodyPr/>
+        <a:lstStyle/>
+        <a:p>
+          <a:endParaRPr lang="en-US"/>
+        </a:p>
+      </dgm:t>
+    </dgm:pt>
+    <dgm:pt modelId="{972618F2-E0DD-4B49-98D3-357EAFA40D16}" type="sibTrans" cxnId="{B8443CC2-EBCC-4A54-9F73-AF95784C42DA}">
+      <dgm:prSet/>
+      <dgm:spPr/>
+      <dgm:t>
+        <a:bodyPr/>
+        <a:lstStyle/>
+        <a:p>
+          <a:endParaRPr lang="en-US"/>
+        </a:p>
+      </dgm:t>
+    </dgm:pt>
+    <dgm:pt modelId="{DB13FA1F-CA9D-4809-B975-4CCBF6141189}">
+      <dgm:prSet/>
+      <dgm:spPr/>
+      <dgm:t>
+        <a:bodyPr/>
+        <a:lstStyle/>
+        <a:p>
+          <a:r>
+            <a:rPr lang="en-CA"/>
+            <a:t>Feature engineering</a:t>
+          </a:r>
+          <a:endParaRPr lang="en-US"/>
+        </a:p>
+      </dgm:t>
+    </dgm:pt>
+    <dgm:pt modelId="{3EAEA3D8-D576-42F6-9D73-9C757D2A33EE}" type="parTrans" cxnId="{65CC81B9-7089-459A-A351-85CC7E8AD308}">
+      <dgm:prSet/>
+      <dgm:spPr/>
+      <dgm:t>
+        <a:bodyPr/>
+        <a:lstStyle/>
+        <a:p>
+          <a:endParaRPr lang="en-US"/>
+        </a:p>
+      </dgm:t>
+    </dgm:pt>
+    <dgm:pt modelId="{C5899DD9-AC09-4FFE-ABDF-8B352774768B}" type="sibTrans" cxnId="{65CC81B9-7089-459A-A351-85CC7E8AD308}">
+      <dgm:prSet/>
+      <dgm:spPr/>
+      <dgm:t>
+        <a:bodyPr/>
+        <a:lstStyle/>
+        <a:p>
+          <a:endParaRPr lang="en-US"/>
+        </a:p>
+      </dgm:t>
+    </dgm:pt>
+    <dgm:pt modelId="{D730B72F-83A6-4287-8296-F688BA891DE9}">
+      <dgm:prSet/>
+      <dgm:spPr/>
+      <dgm:t>
+        <a:bodyPr/>
+        <a:lstStyle/>
+        <a:p>
+          <a:r>
+            <a:rPr lang="en-CA" dirty="0"/>
+            <a:t>Model selection, training, and validation</a:t>
+          </a:r>
+          <a:endParaRPr lang="en-US" dirty="0"/>
+        </a:p>
+      </dgm:t>
+    </dgm:pt>
+    <dgm:pt modelId="{6FE3674C-8283-48B9-BABB-FF1B1148235E}" type="parTrans" cxnId="{71D7DDE8-0E84-4F53-B3A4-8D132A0A2DBC}">
+      <dgm:prSet/>
+      <dgm:spPr/>
+      <dgm:t>
+        <a:bodyPr/>
+        <a:lstStyle/>
+        <a:p>
+          <a:endParaRPr lang="en-US"/>
+        </a:p>
+      </dgm:t>
+    </dgm:pt>
+    <dgm:pt modelId="{5BB6A566-C9B6-4C0E-AE0D-EB8A2FEA31EA}" type="sibTrans" cxnId="{71D7DDE8-0E84-4F53-B3A4-8D132A0A2DBC}">
+      <dgm:prSet/>
+      <dgm:spPr/>
+      <dgm:t>
+        <a:bodyPr/>
+        <a:lstStyle/>
+        <a:p>
+          <a:endParaRPr lang="en-US"/>
+        </a:p>
+      </dgm:t>
+    </dgm:pt>
+    <dgm:pt modelId="{EFD077C5-661F-4C88-8AD6-E6F8CA183238}">
+      <dgm:prSet/>
+      <dgm:spPr/>
+      <dgm:t>
+        <a:bodyPr/>
+        <a:lstStyle/>
+        <a:p>
+          <a:r>
+            <a:rPr lang="en-CA" dirty="0"/>
+            <a:t>Emissions forecasting</a:t>
+          </a:r>
+          <a:endParaRPr lang="en-US" dirty="0"/>
+        </a:p>
+      </dgm:t>
+    </dgm:pt>
+    <dgm:pt modelId="{12E147FC-1C85-417A-BECB-F9BB25D55F10}" type="parTrans" cxnId="{B55259DC-1C27-4D8B-A711-490B64A8DE8E}">
+      <dgm:prSet/>
+      <dgm:spPr/>
+      <dgm:t>
+        <a:bodyPr/>
+        <a:lstStyle/>
+        <a:p>
+          <a:endParaRPr lang="en-US"/>
+        </a:p>
+      </dgm:t>
+    </dgm:pt>
+    <dgm:pt modelId="{F4E82CBB-6751-46DC-8161-A61588FFF0BB}" type="sibTrans" cxnId="{B55259DC-1C27-4D8B-A711-490B64A8DE8E}">
+      <dgm:prSet/>
+      <dgm:spPr/>
+      <dgm:t>
+        <a:bodyPr/>
+        <a:lstStyle/>
+        <a:p>
+          <a:endParaRPr lang="en-US"/>
+        </a:p>
+      </dgm:t>
+    </dgm:pt>
+    <dgm:pt modelId="{A020FB51-6F67-4979-A87F-05FE81EC296F}" type="pres">
+      <dgm:prSet presAssocID="{776B4F69-7DBF-448A-BAF5-DC307DBCC548}" presName="Name0" presStyleCnt="0">
+        <dgm:presLayoutVars>
+          <dgm:dir/>
+          <dgm:resizeHandles val="exact"/>
+        </dgm:presLayoutVars>
+      </dgm:prSet>
+      <dgm:spPr/>
+    </dgm:pt>
+    <dgm:pt modelId="{FE24A9BF-CA70-4DF5-BFC7-6EAEE00821E3}" type="pres">
+      <dgm:prSet presAssocID="{39A45C86-3370-4E24-A1AB-A47C4838817C}" presName="node" presStyleLbl="node1" presStyleIdx="0" presStyleCnt="6">
+        <dgm:presLayoutVars>
+          <dgm:bulletEnabled val="1"/>
+        </dgm:presLayoutVars>
+      </dgm:prSet>
+      <dgm:spPr/>
+    </dgm:pt>
+    <dgm:pt modelId="{C334C23E-E181-4D48-9090-73186D195975}" type="pres">
+      <dgm:prSet presAssocID="{6520F21F-F2A9-47F8-8488-EDFB149BDC0E}" presName="sibTrans" presStyleLbl="sibTrans1D1" presStyleIdx="0" presStyleCnt="5"/>
+      <dgm:spPr/>
+    </dgm:pt>
+    <dgm:pt modelId="{F12D0712-7DCF-4698-AB85-D0DA437F7C8C}" type="pres">
+      <dgm:prSet presAssocID="{6520F21F-F2A9-47F8-8488-EDFB149BDC0E}" presName="connectorText" presStyleLbl="sibTrans1D1" presStyleIdx="0" presStyleCnt="5"/>
+      <dgm:spPr/>
+    </dgm:pt>
+    <dgm:pt modelId="{FB76B923-36C2-479E-8C6B-81D03FF88138}" type="pres">
+      <dgm:prSet presAssocID="{57CDB1F4-85BD-407A-92D2-3A6DA188D3EA}" presName="node" presStyleLbl="node1" presStyleIdx="1" presStyleCnt="6">
+        <dgm:presLayoutVars>
+          <dgm:bulletEnabled val="1"/>
+        </dgm:presLayoutVars>
+      </dgm:prSet>
+      <dgm:spPr/>
+    </dgm:pt>
+    <dgm:pt modelId="{F7FF8F34-C769-48BF-B326-833AEA6CE510}" type="pres">
+      <dgm:prSet presAssocID="{2EAF687F-3001-49F4-A80A-ACD4E0A87628}" presName="sibTrans" presStyleLbl="sibTrans1D1" presStyleIdx="1" presStyleCnt="5"/>
+      <dgm:spPr/>
+    </dgm:pt>
+    <dgm:pt modelId="{39E20FA8-6BEA-4F4F-B4C9-D8EA34031463}" type="pres">
+      <dgm:prSet presAssocID="{2EAF687F-3001-49F4-A80A-ACD4E0A87628}" presName="connectorText" presStyleLbl="sibTrans1D1" presStyleIdx="1" presStyleCnt="5"/>
+      <dgm:spPr/>
+    </dgm:pt>
+    <dgm:pt modelId="{1F65C856-808E-4D38-A735-94AD5FED9C12}" type="pres">
+      <dgm:prSet presAssocID="{15A0B4F3-4B2F-4CCB-8787-7D0C41770907}" presName="node" presStyleLbl="node1" presStyleIdx="2" presStyleCnt="6">
+        <dgm:presLayoutVars>
+          <dgm:bulletEnabled val="1"/>
+        </dgm:presLayoutVars>
+      </dgm:prSet>
+      <dgm:spPr/>
+    </dgm:pt>
+    <dgm:pt modelId="{D77BA5E0-9C92-4A1C-B7E3-B1EC4D148CE0}" type="pres">
+      <dgm:prSet presAssocID="{972618F2-E0DD-4B49-98D3-357EAFA40D16}" presName="sibTrans" presStyleLbl="sibTrans1D1" presStyleIdx="2" presStyleCnt="5"/>
+      <dgm:spPr/>
+    </dgm:pt>
+    <dgm:pt modelId="{F23AA199-3626-44C5-BECE-A5ABF111A1A3}" type="pres">
+      <dgm:prSet presAssocID="{972618F2-E0DD-4B49-98D3-357EAFA40D16}" presName="connectorText" presStyleLbl="sibTrans1D1" presStyleIdx="2" presStyleCnt="5"/>
+      <dgm:spPr/>
+    </dgm:pt>
+    <dgm:pt modelId="{254262CB-5002-4505-8FFB-96D61EEB535D}" type="pres">
+      <dgm:prSet presAssocID="{DB13FA1F-CA9D-4809-B975-4CCBF6141189}" presName="node" presStyleLbl="node1" presStyleIdx="3" presStyleCnt="6">
+        <dgm:presLayoutVars>
+          <dgm:bulletEnabled val="1"/>
+        </dgm:presLayoutVars>
+      </dgm:prSet>
+      <dgm:spPr/>
+    </dgm:pt>
+    <dgm:pt modelId="{5653FACC-6EBE-4FE5-BB65-23734BF2A6CC}" type="pres">
+      <dgm:prSet presAssocID="{C5899DD9-AC09-4FFE-ABDF-8B352774768B}" presName="sibTrans" presStyleLbl="sibTrans1D1" presStyleIdx="3" presStyleCnt="5"/>
+      <dgm:spPr/>
+    </dgm:pt>
+    <dgm:pt modelId="{BD936975-26A1-474B-95E2-C89F09542F63}" type="pres">
+      <dgm:prSet presAssocID="{C5899DD9-AC09-4FFE-ABDF-8B352774768B}" presName="connectorText" presStyleLbl="sibTrans1D1" presStyleIdx="3" presStyleCnt="5"/>
+      <dgm:spPr/>
+    </dgm:pt>
+    <dgm:pt modelId="{76738070-8B14-4A56-B148-965AA3EBFCAD}" type="pres">
+      <dgm:prSet presAssocID="{D730B72F-83A6-4287-8296-F688BA891DE9}" presName="node" presStyleLbl="node1" presStyleIdx="4" presStyleCnt="6">
+        <dgm:presLayoutVars>
+          <dgm:bulletEnabled val="1"/>
+        </dgm:presLayoutVars>
+      </dgm:prSet>
+      <dgm:spPr/>
+    </dgm:pt>
+    <dgm:pt modelId="{F2FD5941-6DF3-4D30-8776-3E0511AC825E}" type="pres">
+      <dgm:prSet presAssocID="{5BB6A566-C9B6-4C0E-AE0D-EB8A2FEA31EA}" presName="sibTrans" presStyleLbl="sibTrans1D1" presStyleIdx="4" presStyleCnt="5"/>
+      <dgm:spPr/>
+    </dgm:pt>
+    <dgm:pt modelId="{706235B5-879C-4507-BCAC-E87694C5FD1E}" type="pres">
+      <dgm:prSet presAssocID="{5BB6A566-C9B6-4C0E-AE0D-EB8A2FEA31EA}" presName="connectorText" presStyleLbl="sibTrans1D1" presStyleIdx="4" presStyleCnt="5"/>
+      <dgm:spPr/>
+    </dgm:pt>
+    <dgm:pt modelId="{06A5983C-3079-4441-95B7-6A21D5818F48}" type="pres">
+      <dgm:prSet presAssocID="{EFD077C5-661F-4C88-8AD6-E6F8CA183238}" presName="node" presStyleLbl="node1" presStyleIdx="5" presStyleCnt="6">
+        <dgm:presLayoutVars>
+          <dgm:bulletEnabled val="1"/>
+        </dgm:presLayoutVars>
+      </dgm:prSet>
+      <dgm:spPr/>
+    </dgm:pt>
+  </dgm:ptLst>
+  <dgm:cxnLst>
+    <dgm:cxn modelId="{E6ACE11B-44FE-44B4-A833-54C27619FD6F}" type="presOf" srcId="{DB13FA1F-CA9D-4809-B975-4CCBF6141189}" destId="{254262CB-5002-4505-8FFB-96D61EEB535D}" srcOrd="0" destOrd="0" presId="urn:microsoft.com/office/officeart/2016/7/layout/RepeatingBendingProcessNew"/>
+    <dgm:cxn modelId="{46397421-AA3C-45D9-90D0-E7A64E8D747C}" type="presOf" srcId="{5BB6A566-C9B6-4C0E-AE0D-EB8A2FEA31EA}" destId="{706235B5-879C-4507-BCAC-E87694C5FD1E}" srcOrd="1" destOrd="0" presId="urn:microsoft.com/office/officeart/2016/7/layout/RepeatingBendingProcessNew"/>
+    <dgm:cxn modelId="{03942A24-A190-4231-93A8-2626A140A09B}" type="presOf" srcId="{15A0B4F3-4B2F-4CCB-8787-7D0C41770907}" destId="{1F65C856-808E-4D38-A735-94AD5FED9C12}" srcOrd="0" destOrd="0" presId="urn:microsoft.com/office/officeart/2016/7/layout/RepeatingBendingProcessNew"/>
+    <dgm:cxn modelId="{7885F527-A587-47D9-8B95-7B93EB568428}" type="presOf" srcId="{5BB6A566-C9B6-4C0E-AE0D-EB8A2FEA31EA}" destId="{F2FD5941-6DF3-4D30-8776-3E0511AC825E}" srcOrd="0" destOrd="0" presId="urn:microsoft.com/office/officeart/2016/7/layout/RepeatingBendingProcessNew"/>
+    <dgm:cxn modelId="{99288C2C-9C44-48ED-916D-22A637D3775F}" type="presOf" srcId="{D730B72F-83A6-4287-8296-F688BA891DE9}" destId="{76738070-8B14-4A56-B148-965AA3EBFCAD}" srcOrd="0" destOrd="0" presId="urn:microsoft.com/office/officeart/2016/7/layout/RepeatingBendingProcessNew"/>
+    <dgm:cxn modelId="{1B3A125E-C6F6-4D0F-9DAE-D5E9EEE51841}" srcId="{776B4F69-7DBF-448A-BAF5-DC307DBCC548}" destId="{39A45C86-3370-4E24-A1AB-A47C4838817C}" srcOrd="0" destOrd="0" parTransId="{A14A4993-EB39-4009-8870-96C23DAC2A0B}" sibTransId="{6520F21F-F2A9-47F8-8488-EDFB149BDC0E}"/>
+    <dgm:cxn modelId="{1320F35E-D3E1-4522-AB2F-CD6A2B58BB92}" type="presOf" srcId="{2EAF687F-3001-49F4-A80A-ACD4E0A87628}" destId="{F7FF8F34-C769-48BF-B326-833AEA6CE510}" srcOrd="0" destOrd="0" presId="urn:microsoft.com/office/officeart/2016/7/layout/RepeatingBendingProcessNew"/>
+    <dgm:cxn modelId="{6BD7E263-1927-40CF-AC52-D36027F18325}" type="presOf" srcId="{57CDB1F4-85BD-407A-92D2-3A6DA188D3EA}" destId="{FB76B923-36C2-479E-8C6B-81D03FF88138}" srcOrd="0" destOrd="0" presId="urn:microsoft.com/office/officeart/2016/7/layout/RepeatingBendingProcessNew"/>
+    <dgm:cxn modelId="{F954FE44-730A-44E9-B9B9-6723E56D4805}" type="presOf" srcId="{776B4F69-7DBF-448A-BAF5-DC307DBCC548}" destId="{A020FB51-6F67-4979-A87F-05FE81EC296F}" srcOrd="0" destOrd="0" presId="urn:microsoft.com/office/officeart/2016/7/layout/RepeatingBendingProcessNew"/>
+    <dgm:cxn modelId="{7A3C3169-9A07-4A8F-A275-C3175A4BA925}" srcId="{776B4F69-7DBF-448A-BAF5-DC307DBCC548}" destId="{57CDB1F4-85BD-407A-92D2-3A6DA188D3EA}" srcOrd="1" destOrd="0" parTransId="{BB460012-4103-43E7-8048-859E13B76320}" sibTransId="{2EAF687F-3001-49F4-A80A-ACD4E0A87628}"/>
+    <dgm:cxn modelId="{E4F74071-3676-48CA-B8EB-2EB7F67B8AF0}" type="presOf" srcId="{39A45C86-3370-4E24-A1AB-A47C4838817C}" destId="{FE24A9BF-CA70-4DF5-BFC7-6EAEE00821E3}" srcOrd="0" destOrd="0" presId="urn:microsoft.com/office/officeart/2016/7/layout/RepeatingBendingProcessNew"/>
+    <dgm:cxn modelId="{3DA4F751-CB12-4F14-A8AB-93CACDAACFBB}" type="presOf" srcId="{EFD077C5-661F-4C88-8AD6-E6F8CA183238}" destId="{06A5983C-3079-4441-95B7-6A21D5818F48}" srcOrd="0" destOrd="0" presId="urn:microsoft.com/office/officeart/2016/7/layout/RepeatingBendingProcessNew"/>
+    <dgm:cxn modelId="{FCA9ED79-1CCE-40EC-8C72-2B0C75EF7240}" type="presOf" srcId="{972618F2-E0DD-4B49-98D3-357EAFA40D16}" destId="{F23AA199-3626-44C5-BECE-A5ABF111A1A3}" srcOrd="1" destOrd="0" presId="urn:microsoft.com/office/officeart/2016/7/layout/RepeatingBendingProcessNew"/>
+    <dgm:cxn modelId="{D855537C-1F31-4716-866F-468A8B6BD695}" type="presOf" srcId="{C5899DD9-AC09-4FFE-ABDF-8B352774768B}" destId="{5653FACC-6EBE-4FE5-BB65-23734BF2A6CC}" srcOrd="0" destOrd="0" presId="urn:microsoft.com/office/officeart/2016/7/layout/RepeatingBendingProcessNew"/>
+    <dgm:cxn modelId="{22254185-AD60-4DFD-B294-4E0F44BDF5E4}" type="presOf" srcId="{972618F2-E0DD-4B49-98D3-357EAFA40D16}" destId="{D77BA5E0-9C92-4A1C-B7E3-B1EC4D148CE0}" srcOrd="0" destOrd="0" presId="urn:microsoft.com/office/officeart/2016/7/layout/RepeatingBendingProcessNew"/>
+    <dgm:cxn modelId="{81B7AC9F-D746-4C0B-8EB6-8AF21AD9BDE0}" type="presOf" srcId="{2EAF687F-3001-49F4-A80A-ACD4E0A87628}" destId="{39E20FA8-6BEA-4F4F-B4C9-D8EA34031463}" srcOrd="1" destOrd="0" presId="urn:microsoft.com/office/officeart/2016/7/layout/RepeatingBendingProcessNew"/>
+    <dgm:cxn modelId="{F2E06EB8-224D-4AF4-B025-1A613FAF2E40}" type="presOf" srcId="{6520F21F-F2A9-47F8-8488-EDFB149BDC0E}" destId="{C334C23E-E181-4D48-9090-73186D195975}" srcOrd="0" destOrd="0" presId="urn:microsoft.com/office/officeart/2016/7/layout/RepeatingBendingProcessNew"/>
+    <dgm:cxn modelId="{65CC81B9-7089-459A-A351-85CC7E8AD308}" srcId="{776B4F69-7DBF-448A-BAF5-DC307DBCC548}" destId="{DB13FA1F-CA9D-4809-B975-4CCBF6141189}" srcOrd="3" destOrd="0" parTransId="{3EAEA3D8-D576-42F6-9D73-9C757D2A33EE}" sibTransId="{C5899DD9-AC09-4FFE-ABDF-8B352774768B}"/>
+    <dgm:cxn modelId="{B8443CC2-EBCC-4A54-9F73-AF95784C42DA}" srcId="{776B4F69-7DBF-448A-BAF5-DC307DBCC548}" destId="{15A0B4F3-4B2F-4CCB-8787-7D0C41770907}" srcOrd="2" destOrd="0" parTransId="{4AB458BF-C9C7-4C17-A5BF-6DA39F79B581}" sibTransId="{972618F2-E0DD-4B49-98D3-357EAFA40D16}"/>
+    <dgm:cxn modelId="{A435A7D3-59F9-47B3-8ECB-228CDD3E0E19}" type="presOf" srcId="{C5899DD9-AC09-4FFE-ABDF-8B352774768B}" destId="{BD936975-26A1-474B-95E2-C89F09542F63}" srcOrd="1" destOrd="0" presId="urn:microsoft.com/office/officeart/2016/7/layout/RepeatingBendingProcessNew"/>
+    <dgm:cxn modelId="{B55259DC-1C27-4D8B-A711-490B64A8DE8E}" srcId="{776B4F69-7DBF-448A-BAF5-DC307DBCC548}" destId="{EFD077C5-661F-4C88-8AD6-E6F8CA183238}" srcOrd="5" destOrd="0" parTransId="{12E147FC-1C85-417A-BECB-F9BB25D55F10}" sibTransId="{F4E82CBB-6751-46DC-8161-A61588FFF0BB}"/>
+    <dgm:cxn modelId="{3D3C95E8-75ED-4F23-8CDF-140D19CDE987}" type="presOf" srcId="{6520F21F-F2A9-47F8-8488-EDFB149BDC0E}" destId="{F12D0712-7DCF-4698-AB85-D0DA437F7C8C}" srcOrd="1" destOrd="0" presId="urn:microsoft.com/office/officeart/2016/7/layout/RepeatingBendingProcessNew"/>
+    <dgm:cxn modelId="{71D7DDE8-0E84-4F53-B3A4-8D132A0A2DBC}" srcId="{776B4F69-7DBF-448A-BAF5-DC307DBCC548}" destId="{D730B72F-83A6-4287-8296-F688BA891DE9}" srcOrd="4" destOrd="0" parTransId="{6FE3674C-8283-48B9-BABB-FF1B1148235E}" sibTransId="{5BB6A566-C9B6-4C0E-AE0D-EB8A2FEA31EA}"/>
+    <dgm:cxn modelId="{459C309D-7BA2-4096-85EC-69EF489EAC2E}" type="presParOf" srcId="{A020FB51-6F67-4979-A87F-05FE81EC296F}" destId="{FE24A9BF-CA70-4DF5-BFC7-6EAEE00821E3}" srcOrd="0" destOrd="0" presId="urn:microsoft.com/office/officeart/2016/7/layout/RepeatingBendingProcessNew"/>
+    <dgm:cxn modelId="{385819F9-B0E7-479E-904B-D7A211C4DD1F}" type="presParOf" srcId="{A020FB51-6F67-4979-A87F-05FE81EC296F}" destId="{C334C23E-E181-4D48-9090-73186D195975}" srcOrd="1" destOrd="0" presId="urn:microsoft.com/office/officeart/2016/7/layout/RepeatingBendingProcessNew"/>
+    <dgm:cxn modelId="{7187F881-746B-476D-A280-C3F1E53F9F23}" type="presParOf" srcId="{C334C23E-E181-4D48-9090-73186D195975}" destId="{F12D0712-7DCF-4698-AB85-D0DA437F7C8C}" srcOrd="0" destOrd="0" presId="urn:microsoft.com/office/officeart/2016/7/layout/RepeatingBendingProcessNew"/>
+    <dgm:cxn modelId="{420857B9-D5A4-41AB-861E-14D2BD168262}" type="presParOf" srcId="{A020FB51-6F67-4979-A87F-05FE81EC296F}" destId="{FB76B923-36C2-479E-8C6B-81D03FF88138}" srcOrd="2" destOrd="0" presId="urn:microsoft.com/office/officeart/2016/7/layout/RepeatingBendingProcessNew"/>
+    <dgm:cxn modelId="{4D01684A-6501-4C02-9EC2-E111471FF47D}" type="presParOf" srcId="{A020FB51-6F67-4979-A87F-05FE81EC296F}" destId="{F7FF8F34-C769-48BF-B326-833AEA6CE510}" srcOrd="3" destOrd="0" presId="urn:microsoft.com/office/officeart/2016/7/layout/RepeatingBendingProcessNew"/>
+    <dgm:cxn modelId="{477F4606-C6F4-43BF-A4F7-5FD25C502A13}" type="presParOf" srcId="{F7FF8F34-C769-48BF-B326-833AEA6CE510}" destId="{39E20FA8-6BEA-4F4F-B4C9-D8EA34031463}" srcOrd="0" destOrd="0" presId="urn:microsoft.com/office/officeart/2016/7/layout/RepeatingBendingProcessNew"/>
+    <dgm:cxn modelId="{67557E64-6B5C-45CD-B865-13BA1673BB06}" type="presParOf" srcId="{A020FB51-6F67-4979-A87F-05FE81EC296F}" destId="{1F65C856-808E-4D38-A735-94AD5FED9C12}" srcOrd="4" destOrd="0" presId="urn:microsoft.com/office/officeart/2016/7/layout/RepeatingBendingProcessNew"/>
+    <dgm:cxn modelId="{1E0101F1-2FF6-43F7-9039-1CD5E73D3000}" type="presParOf" srcId="{A020FB51-6F67-4979-A87F-05FE81EC296F}" destId="{D77BA5E0-9C92-4A1C-B7E3-B1EC4D148CE0}" srcOrd="5" destOrd="0" presId="urn:microsoft.com/office/officeart/2016/7/layout/RepeatingBendingProcessNew"/>
+    <dgm:cxn modelId="{81581C7A-2C2D-43F2-95D5-FCF3B57ED54A}" type="presParOf" srcId="{D77BA5E0-9C92-4A1C-B7E3-B1EC4D148CE0}" destId="{F23AA199-3626-44C5-BECE-A5ABF111A1A3}" srcOrd="0" destOrd="0" presId="urn:microsoft.com/office/officeart/2016/7/layout/RepeatingBendingProcessNew"/>
+    <dgm:cxn modelId="{8E212D5E-ABEF-4201-BD99-D739E8A712CA}" type="presParOf" srcId="{A020FB51-6F67-4979-A87F-05FE81EC296F}" destId="{254262CB-5002-4505-8FFB-96D61EEB535D}" srcOrd="6" destOrd="0" presId="urn:microsoft.com/office/officeart/2016/7/layout/RepeatingBendingProcessNew"/>
+    <dgm:cxn modelId="{6459A88D-67FB-4A0A-9B0A-CF6F4753DA90}" type="presParOf" srcId="{A020FB51-6F67-4979-A87F-05FE81EC296F}" destId="{5653FACC-6EBE-4FE5-BB65-23734BF2A6CC}" srcOrd="7" destOrd="0" presId="urn:microsoft.com/office/officeart/2016/7/layout/RepeatingBendingProcessNew"/>
+    <dgm:cxn modelId="{3823D50A-E70A-4849-B3A1-34009B8AE81F}" type="presParOf" srcId="{5653FACC-6EBE-4FE5-BB65-23734BF2A6CC}" destId="{BD936975-26A1-474B-95E2-C89F09542F63}" srcOrd="0" destOrd="0" presId="urn:microsoft.com/office/officeart/2016/7/layout/RepeatingBendingProcessNew"/>
+    <dgm:cxn modelId="{1722ED38-48F4-49E2-8EE3-304942A4F7F0}" type="presParOf" srcId="{A020FB51-6F67-4979-A87F-05FE81EC296F}" destId="{76738070-8B14-4A56-B148-965AA3EBFCAD}" srcOrd="8" destOrd="0" presId="urn:microsoft.com/office/officeart/2016/7/layout/RepeatingBendingProcessNew"/>
+    <dgm:cxn modelId="{D70BE31F-4202-4273-8527-F74C6F7F0634}" type="presParOf" srcId="{A020FB51-6F67-4979-A87F-05FE81EC296F}" destId="{F2FD5941-6DF3-4D30-8776-3E0511AC825E}" srcOrd="9" destOrd="0" presId="urn:microsoft.com/office/officeart/2016/7/layout/RepeatingBendingProcessNew"/>
+    <dgm:cxn modelId="{21CD307B-DA93-4CE2-969D-BB5A2F439DD6}" type="presParOf" srcId="{F2FD5941-6DF3-4D30-8776-3E0511AC825E}" destId="{706235B5-879C-4507-BCAC-E87694C5FD1E}" srcOrd="0" destOrd="0" presId="urn:microsoft.com/office/officeart/2016/7/layout/RepeatingBendingProcessNew"/>
+    <dgm:cxn modelId="{9A306D43-004D-4C99-954F-472F6E073012}" type="presParOf" srcId="{A020FB51-6F67-4979-A87F-05FE81EC296F}" destId="{06A5983C-3079-4441-95B7-6A21D5818F48}" srcOrd="10" destOrd="0" presId="urn:microsoft.com/office/officeart/2016/7/layout/RepeatingBendingProcessNew"/>
+  </dgm:cxnLst>
+  <dgm:bg/>
+  <dgm:whole/>
+  <dgm:extLst>
+    <a:ext uri="http://schemas.microsoft.com/office/drawing/2008/diagram">
+      <dsp:dataModelExt xmlns:dsp="http://schemas.microsoft.com/office/drawing/2008/diagram" relId="rId7" minVer="http://schemas.openxmlformats.org/drawingml/2006/diagram"/>
+    </a:ext>
+  </dgm:extLst>
+</dgm:dataModel>
+</file>
+
+<file path=ppt/diagrams/data2.xml><?xml version="1.0" encoding="utf-8"?>
+<dgm:dataModel xmlns:dgm="http://schemas.openxmlformats.org/drawingml/2006/diagram" xmlns:a="http://schemas.openxmlformats.org/drawingml/2006/main">
+  <dgm:ptLst>
+    <dgm:pt modelId="{80ED79CB-9600-400A-9AAB-18A62D159397}" type="doc">
+      <dgm:prSet loTypeId="urn:microsoft.com/office/officeart/2005/8/layout/default" loCatId="list" qsTypeId="urn:microsoft.com/office/officeart/2005/8/quickstyle/simple1" qsCatId="simple" csTypeId="urn:microsoft.com/office/officeart/2005/8/colors/colorful5" csCatId="colorful" phldr="1"/>
+      <dgm:spPr/>
+      <dgm:t>
+        <a:bodyPr/>
+        <a:lstStyle/>
+        <a:p>
+          <a:endParaRPr lang="en-US"/>
+        </a:p>
+      </dgm:t>
+    </dgm:pt>
+    <dgm:pt modelId="{DAC5689B-BAC7-485A-A350-33E1503D1CF5}">
+      <dgm:prSet/>
+      <dgm:spPr/>
+      <dgm:t>
+        <a:bodyPr/>
+        <a:lstStyle/>
+        <a:p>
+          <a:r>
+            <a:rPr lang="en-CA"/>
+            <a:t>Showcase the differences in carbon emissions and  fuel consumption between different car makes, models, and other features</a:t>
+          </a:r>
+          <a:endParaRPr lang="en-US" dirty="0"/>
+        </a:p>
+      </dgm:t>
+    </dgm:pt>
+    <dgm:pt modelId="{D96D8334-C124-4199-9900-58917D4541F3}" type="parTrans" cxnId="{9F226700-6931-4AC4-8632-F33B5E9098FD}">
+      <dgm:prSet/>
+      <dgm:spPr/>
+      <dgm:t>
+        <a:bodyPr/>
+        <a:lstStyle/>
+        <a:p>
+          <a:endParaRPr lang="en-US"/>
+        </a:p>
+      </dgm:t>
+    </dgm:pt>
+    <dgm:pt modelId="{85B86F39-B56C-4D9B-B17F-06E3188728C1}" type="sibTrans" cxnId="{9F226700-6931-4AC4-8632-F33B5E9098FD}">
+      <dgm:prSet/>
+      <dgm:spPr/>
+      <dgm:t>
+        <a:bodyPr/>
+        <a:lstStyle/>
+        <a:p>
+          <a:endParaRPr lang="en-US"/>
+        </a:p>
+      </dgm:t>
+    </dgm:pt>
+    <dgm:pt modelId="{6D810695-DFC0-4319-B728-88B9D51DBC64}">
+      <dgm:prSet/>
+      <dgm:spPr/>
+      <dgm:t>
+        <a:bodyPr/>
+        <a:lstStyle/>
+        <a:p>
+          <a:r>
+            <a:rPr lang="en-CA"/>
+            <a:t>Show how fuel efficiency (in terms of CO</a:t>
+          </a:r>
+          <a:r>
+            <a:rPr lang="en-CA" baseline="-25000"/>
+            <a:t>2</a:t>
+          </a:r>
+          <a:r>
+            <a:rPr lang="en-CA"/>
+            <a:t> emissions) has changed over time</a:t>
+          </a:r>
+          <a:endParaRPr lang="en-US"/>
+        </a:p>
+      </dgm:t>
+    </dgm:pt>
+    <dgm:pt modelId="{7A428E38-0ED2-446E-80F7-9B436DDC687E}" type="parTrans" cxnId="{D19C8BD2-5EEB-4EB4-8600-2CF8DEDD8E57}">
+      <dgm:prSet/>
+      <dgm:spPr/>
+      <dgm:t>
+        <a:bodyPr/>
+        <a:lstStyle/>
+        <a:p>
+          <a:endParaRPr lang="en-US"/>
+        </a:p>
+      </dgm:t>
+    </dgm:pt>
+    <dgm:pt modelId="{64650D11-F073-410F-A3A3-A6A1B62E55DE}" type="sibTrans" cxnId="{D19C8BD2-5EEB-4EB4-8600-2CF8DEDD8E57}">
+      <dgm:prSet/>
+      <dgm:spPr/>
+      <dgm:t>
+        <a:bodyPr/>
+        <a:lstStyle/>
+        <a:p>
+          <a:endParaRPr lang="en-US"/>
+        </a:p>
+      </dgm:t>
+    </dgm:pt>
+    <dgm:pt modelId="{1B22F356-8E2F-4CB3-9F4B-BED6D0763FC5}">
+      <dgm:prSet/>
+      <dgm:spPr/>
+      <dgm:t>
+        <a:bodyPr/>
+        <a:lstStyle/>
+        <a:p>
+          <a:r>
+            <a:rPr lang="en-CA"/>
+            <a:t>Predicting fuel consumption and CO</a:t>
+          </a:r>
+          <a:r>
+            <a:rPr lang="en-CA" baseline="-25000"/>
+            <a:t>2</a:t>
+          </a:r>
+          <a:r>
+            <a:rPr lang="en-CA"/>
+            <a:t> emissions based on car features and driving conditions/patterns</a:t>
+          </a:r>
+          <a:endParaRPr lang="en-US" dirty="0"/>
+        </a:p>
+      </dgm:t>
+    </dgm:pt>
+    <dgm:pt modelId="{B33735BB-9D87-4AA6-8BFA-BF7FCB2122E6}" type="parTrans" cxnId="{BCE0782B-449E-473E-A0AA-D7B515BF4FFB}">
+      <dgm:prSet/>
+      <dgm:spPr/>
+      <dgm:t>
+        <a:bodyPr/>
+        <a:lstStyle/>
+        <a:p>
+          <a:endParaRPr lang="en-US"/>
+        </a:p>
+      </dgm:t>
+    </dgm:pt>
+    <dgm:pt modelId="{1F1EF222-7036-4B76-9B8E-CA570F375A79}" type="sibTrans" cxnId="{BCE0782B-449E-473E-A0AA-D7B515BF4FFB}">
+      <dgm:prSet/>
+      <dgm:spPr/>
+      <dgm:t>
+        <a:bodyPr/>
+        <a:lstStyle/>
+        <a:p>
+          <a:endParaRPr lang="en-US"/>
+        </a:p>
+      </dgm:t>
+    </dgm:pt>
+    <dgm:pt modelId="{AECE7F22-A479-49C6-B3E5-25DE090BF596}" type="pres">
+      <dgm:prSet presAssocID="{80ED79CB-9600-400A-9AAB-18A62D159397}" presName="diagram" presStyleCnt="0">
+        <dgm:presLayoutVars>
+          <dgm:dir/>
+          <dgm:resizeHandles val="exact"/>
+        </dgm:presLayoutVars>
+      </dgm:prSet>
+      <dgm:spPr/>
+    </dgm:pt>
+    <dgm:pt modelId="{1097F2B3-CCE6-4393-A9C2-E854E86678F5}" type="pres">
+      <dgm:prSet presAssocID="{DAC5689B-BAC7-485A-A350-33E1503D1CF5}" presName="node" presStyleLbl="node1" presStyleIdx="0" presStyleCnt="3">
+        <dgm:presLayoutVars>
+          <dgm:bulletEnabled val="1"/>
+        </dgm:presLayoutVars>
+      </dgm:prSet>
+      <dgm:spPr/>
+    </dgm:pt>
+    <dgm:pt modelId="{9C309091-3EE9-4A1F-B7C6-07B5BE2C9E32}" type="pres">
+      <dgm:prSet presAssocID="{85B86F39-B56C-4D9B-B17F-06E3188728C1}" presName="sibTrans" presStyleCnt="0"/>
+      <dgm:spPr/>
+    </dgm:pt>
+    <dgm:pt modelId="{AE90030D-B932-48EC-8AEA-9C5E1192707E}" type="pres">
+      <dgm:prSet presAssocID="{6D810695-DFC0-4319-B728-88B9D51DBC64}" presName="node" presStyleLbl="node1" presStyleIdx="1" presStyleCnt="3">
+        <dgm:presLayoutVars>
+          <dgm:bulletEnabled val="1"/>
+        </dgm:presLayoutVars>
+      </dgm:prSet>
+      <dgm:spPr/>
+    </dgm:pt>
+    <dgm:pt modelId="{802AAB6B-31ED-444D-ACF7-EFC9D4A7CAE6}" type="pres">
+      <dgm:prSet presAssocID="{64650D11-F073-410F-A3A3-A6A1B62E55DE}" presName="sibTrans" presStyleCnt="0"/>
+      <dgm:spPr/>
+    </dgm:pt>
+    <dgm:pt modelId="{54C5DA43-6C3B-44DB-B337-42FCA1C7DE04}" type="pres">
+      <dgm:prSet presAssocID="{1B22F356-8E2F-4CB3-9F4B-BED6D0763FC5}" presName="node" presStyleLbl="node1" presStyleIdx="2" presStyleCnt="3">
+        <dgm:presLayoutVars>
+          <dgm:bulletEnabled val="1"/>
+        </dgm:presLayoutVars>
+      </dgm:prSet>
+      <dgm:spPr/>
+    </dgm:pt>
+  </dgm:ptLst>
+  <dgm:cxnLst>
+    <dgm:cxn modelId="{9F226700-6931-4AC4-8632-F33B5E9098FD}" srcId="{80ED79CB-9600-400A-9AAB-18A62D159397}" destId="{DAC5689B-BAC7-485A-A350-33E1503D1CF5}" srcOrd="0" destOrd="0" parTransId="{D96D8334-C124-4199-9900-58917D4541F3}" sibTransId="{85B86F39-B56C-4D9B-B17F-06E3188728C1}"/>
+    <dgm:cxn modelId="{BCE0782B-449E-473E-A0AA-D7B515BF4FFB}" srcId="{80ED79CB-9600-400A-9AAB-18A62D159397}" destId="{1B22F356-8E2F-4CB3-9F4B-BED6D0763FC5}" srcOrd="2" destOrd="0" parTransId="{B33735BB-9D87-4AA6-8BFA-BF7FCB2122E6}" sibTransId="{1F1EF222-7036-4B76-9B8E-CA570F375A79}"/>
+    <dgm:cxn modelId="{4D729D8C-E363-4451-89EE-6355416B602D}" type="presOf" srcId="{80ED79CB-9600-400A-9AAB-18A62D159397}" destId="{AECE7F22-A479-49C6-B3E5-25DE090BF596}" srcOrd="0" destOrd="0" presId="urn:microsoft.com/office/officeart/2005/8/layout/default"/>
+    <dgm:cxn modelId="{4D144EC5-1256-4FBA-964D-5270D0F6D09A}" type="presOf" srcId="{DAC5689B-BAC7-485A-A350-33E1503D1CF5}" destId="{1097F2B3-CCE6-4393-A9C2-E854E86678F5}" srcOrd="0" destOrd="0" presId="urn:microsoft.com/office/officeart/2005/8/layout/default"/>
+    <dgm:cxn modelId="{67ECB2C8-1BF5-41C4-BA05-E28CCE9571A2}" type="presOf" srcId="{6D810695-DFC0-4319-B728-88B9D51DBC64}" destId="{AE90030D-B932-48EC-8AEA-9C5E1192707E}" srcOrd="0" destOrd="0" presId="urn:microsoft.com/office/officeart/2005/8/layout/default"/>
+    <dgm:cxn modelId="{D19C8BD2-5EEB-4EB4-8600-2CF8DEDD8E57}" srcId="{80ED79CB-9600-400A-9AAB-18A62D159397}" destId="{6D810695-DFC0-4319-B728-88B9D51DBC64}" srcOrd="1" destOrd="0" parTransId="{7A428E38-0ED2-446E-80F7-9B436DDC687E}" sibTransId="{64650D11-F073-410F-A3A3-A6A1B62E55DE}"/>
+    <dgm:cxn modelId="{A32F0FDC-76AE-45FB-BD8B-78121E0A91D3}" type="presOf" srcId="{1B22F356-8E2F-4CB3-9F4B-BED6D0763FC5}" destId="{54C5DA43-6C3B-44DB-B337-42FCA1C7DE04}" srcOrd="0" destOrd="0" presId="urn:microsoft.com/office/officeart/2005/8/layout/default"/>
+    <dgm:cxn modelId="{E9846298-7335-465E-AEFB-9C7B32502A4C}" type="presParOf" srcId="{AECE7F22-A479-49C6-B3E5-25DE090BF596}" destId="{1097F2B3-CCE6-4393-A9C2-E854E86678F5}" srcOrd="0" destOrd="0" presId="urn:microsoft.com/office/officeart/2005/8/layout/default"/>
+    <dgm:cxn modelId="{FBC31D31-7FE2-498A-A6AE-6200BC72D688}" type="presParOf" srcId="{AECE7F22-A479-49C6-B3E5-25DE090BF596}" destId="{9C309091-3EE9-4A1F-B7C6-07B5BE2C9E32}" srcOrd="1" destOrd="0" presId="urn:microsoft.com/office/officeart/2005/8/layout/default"/>
+    <dgm:cxn modelId="{38D51A3E-F4CC-4DB2-99A8-47E530E0CC14}" type="presParOf" srcId="{AECE7F22-A479-49C6-B3E5-25DE090BF596}" destId="{AE90030D-B932-48EC-8AEA-9C5E1192707E}" srcOrd="2" destOrd="0" presId="urn:microsoft.com/office/officeart/2005/8/layout/default"/>
+    <dgm:cxn modelId="{6CE08DB4-912C-445B-9D3D-D9C923B71100}" type="presParOf" srcId="{AECE7F22-A479-49C6-B3E5-25DE090BF596}" destId="{802AAB6B-31ED-444D-ACF7-EFC9D4A7CAE6}" srcOrd="3" destOrd="0" presId="urn:microsoft.com/office/officeart/2005/8/layout/default"/>
+    <dgm:cxn modelId="{3E39FA35-749F-4478-8C03-03896C9214D7}" type="presParOf" srcId="{AECE7F22-A479-49C6-B3E5-25DE090BF596}" destId="{54C5DA43-6C3B-44DB-B337-42FCA1C7DE04}" srcOrd="4" destOrd="0" presId="urn:microsoft.com/office/officeart/2005/8/layout/default"/>
+  </dgm:cxnLst>
+  <dgm:bg/>
+  <dgm:whole/>
+  <dgm:extLst>
+    <a:ext uri="http://schemas.microsoft.com/office/drawing/2008/diagram">
+      <dsp:dataModelExt xmlns:dsp="http://schemas.microsoft.com/office/drawing/2008/diagram" relId="rId7" minVer="http://schemas.openxmlformats.org/drawingml/2006/diagram"/>
+    </a:ext>
+  </dgm:extLst>
+</dgm:dataModel>
+</file>
+
+<file path=ppt/diagrams/drawing1.xml><?xml version="1.0" encoding="utf-8"?>
+<dsp:drawing xmlns:dgm="http://schemas.openxmlformats.org/drawingml/2006/diagram" xmlns:dsp="http://schemas.microsoft.com/office/drawing/2008/diagram" xmlns:a="http://schemas.openxmlformats.org/drawingml/2006/main">
+  <dsp:spTree>
+    <dsp:nvGrpSpPr>
+      <dsp:cNvPr id="0" name=""/>
+      <dsp:cNvGrpSpPr/>
+    </dsp:nvGrpSpPr>
+    <dsp:grpSpPr/>
+    <dsp:sp modelId="{C334C23E-E181-4D48-9090-73186D195975}">
+      <dsp:nvSpPr>
+        <dsp:cNvPr id="0" name=""/>
+        <dsp:cNvSpPr/>
+      </dsp:nvSpPr>
+      <dsp:spPr>
+        <a:xfrm>
+          <a:off x="2719262" y="851383"/>
+          <a:ext cx="593586" cy="91440"/>
+        </a:xfrm>
+        <a:custGeom>
+          <a:avLst/>
+          <a:gdLst/>
+          <a:ahLst/>
+          <a:cxnLst/>
+          <a:rect l="0" t="0" r="0" b="0"/>
+          <a:pathLst>
+            <a:path>
+              <a:moveTo>
+                <a:pt x="0" y="45720"/>
+              </a:moveTo>
+              <a:lnTo>
+                <a:pt x="593586" y="45720"/>
+              </a:lnTo>
+            </a:path>
+          </a:pathLst>
+        </a:custGeom>
+        <a:noFill/>
+        <a:ln w="9525" cap="rnd" cmpd="sng" algn="ctr">
+          <a:solidFill>
+            <a:schemeClr val="accent2">
+              <a:hueOff val="0"/>
+              <a:satOff val="0"/>
+              <a:lumOff val="0"/>
+              <a:alphaOff val="0"/>
+            </a:schemeClr>
+          </a:solidFill>
+          <a:prstDash val="solid"/>
+          <a:tailEnd type="arrow"/>
+        </a:ln>
+        <a:effectLst/>
+      </dsp:spPr>
+      <dsp:style>
+        <a:lnRef idx="1">
+          <a:scrgbClr r="0" g="0" b="0"/>
+        </a:lnRef>
+        <a:fillRef idx="0">
+          <a:scrgbClr r="0" g="0" b="0"/>
+        </a:fillRef>
+        <a:effectRef idx="0">
+          <a:scrgbClr r="0" g="0" b="0"/>
+        </a:effectRef>
+        <a:fontRef idx="minor"/>
+      </dsp:style>
+      <dsp:txBody>
+        <a:bodyPr spcFirstLastPara="0" vert="horz" wrap="square" lIns="12700" tIns="0" rIns="12700" bIns="0" numCol="1" spcCol="1270" anchor="ctr" anchorCtr="0">
+          <a:noAutofit/>
+        </a:bodyPr>
+        <a:lstStyle/>
+        <a:p>
+          <a:pPr marL="0" lvl="0" indent="0" algn="ctr" defTabSz="222250">
+            <a:lnSpc>
+              <a:spcPct val="90000"/>
+            </a:lnSpc>
+            <a:spcBef>
+              <a:spcPct val="0"/>
+            </a:spcBef>
+            <a:spcAft>
+              <a:spcPct val="35000"/>
+            </a:spcAft>
+            <a:buNone/>
+          </a:pPr>
+          <a:endParaRPr lang="en-US" sz="500" kern="1200"/>
+        </a:p>
+      </dsp:txBody>
+      <dsp:txXfrm>
+        <a:off x="3000451" y="893982"/>
+        <a:ext cx="31209" cy="6241"/>
+      </dsp:txXfrm>
+    </dsp:sp>
+    <dsp:sp modelId="{FE24A9BF-CA70-4DF5-BFC7-6EAEE00821E3}">
+      <dsp:nvSpPr>
+        <dsp:cNvPr id="0" name=""/>
+        <dsp:cNvSpPr/>
+      </dsp:nvSpPr>
+      <dsp:spPr>
+        <a:xfrm>
+          <a:off x="7209" y="82947"/>
+          <a:ext cx="2713853" cy="1628312"/>
+        </a:xfrm>
+        <a:prstGeom prst="rect">
+          <a:avLst/>
+        </a:prstGeom>
+        <a:solidFill>
+          <a:schemeClr val="accent2">
+            <a:hueOff val="0"/>
+            <a:satOff val="0"/>
+            <a:lumOff val="0"/>
+            <a:alphaOff val="0"/>
+          </a:schemeClr>
+        </a:solidFill>
+        <a:ln w="19050" cap="rnd" cmpd="sng" algn="ctr">
+          <a:solidFill>
+            <a:schemeClr val="lt1">
+              <a:hueOff val="0"/>
+              <a:satOff val="0"/>
+              <a:lumOff val="0"/>
+              <a:alphaOff val="0"/>
+            </a:schemeClr>
+          </a:solidFill>
+          <a:prstDash val="solid"/>
+        </a:ln>
+        <a:effectLst/>
+      </dsp:spPr>
+      <dsp:style>
+        <a:lnRef idx="2">
+          <a:scrgbClr r="0" g="0" b="0"/>
+        </a:lnRef>
+        <a:fillRef idx="1">
+          <a:scrgbClr r="0" g="0" b="0"/>
+        </a:fillRef>
+        <a:effectRef idx="0">
+          <a:scrgbClr r="0" g="0" b="0"/>
+        </a:effectRef>
+        <a:fontRef idx="minor">
+          <a:schemeClr val="lt1"/>
+        </a:fontRef>
+      </dsp:style>
+      <dsp:txBody>
+        <a:bodyPr spcFirstLastPara="0" vert="horz" wrap="square" lIns="132981" tIns="139587" rIns="132981" bIns="139587" numCol="1" spcCol="1270" anchor="ctr" anchorCtr="0">
+          <a:noAutofit/>
+        </a:bodyPr>
+        <a:lstStyle/>
+        <a:p>
+          <a:pPr marL="0" lvl="0" indent="0" algn="ctr" defTabSz="711200">
+            <a:lnSpc>
+              <a:spcPct val="90000"/>
+            </a:lnSpc>
+            <a:spcBef>
+              <a:spcPct val="0"/>
+            </a:spcBef>
+            <a:spcAft>
+              <a:spcPct val="35000"/>
+            </a:spcAft>
+            <a:buNone/>
+          </a:pPr>
+          <a:r>
+            <a:rPr lang="en-CA" sz="1600" kern="1200" dirty="0"/>
+            <a:t>Data collection</a:t>
+          </a:r>
+          <a:endParaRPr lang="en-US" sz="1600" kern="1200" dirty="0"/>
+        </a:p>
+      </dsp:txBody>
+      <dsp:txXfrm>
+        <a:off x="7209" y="82947"/>
+        <a:ext cx="2713853" cy="1628312"/>
+      </dsp:txXfrm>
+    </dsp:sp>
+    <dsp:sp modelId="{F7FF8F34-C769-48BF-B326-833AEA6CE510}">
+      <dsp:nvSpPr>
+        <dsp:cNvPr id="0" name=""/>
+        <dsp:cNvSpPr/>
+      </dsp:nvSpPr>
+      <dsp:spPr>
+        <a:xfrm>
+          <a:off x="6057302" y="851383"/>
+          <a:ext cx="593586" cy="91440"/>
+        </a:xfrm>
+        <a:custGeom>
+          <a:avLst/>
+          <a:gdLst/>
+          <a:ahLst/>
+          <a:cxnLst/>
+          <a:rect l="0" t="0" r="0" b="0"/>
+          <a:pathLst>
+            <a:path>
+              <a:moveTo>
+                <a:pt x="0" y="45720"/>
+              </a:moveTo>
+              <a:lnTo>
+                <a:pt x="593586" y="45720"/>
+              </a:lnTo>
+            </a:path>
+          </a:pathLst>
+        </a:custGeom>
+        <a:noFill/>
+        <a:ln w="9525" cap="rnd" cmpd="sng" algn="ctr">
+          <a:solidFill>
+            <a:schemeClr val="accent2">
+              <a:hueOff val="338703"/>
+              <a:satOff val="-1658"/>
+              <a:lumOff val="931"/>
+              <a:alphaOff val="0"/>
+            </a:schemeClr>
+          </a:solidFill>
+          <a:prstDash val="solid"/>
+          <a:tailEnd type="arrow"/>
+        </a:ln>
+        <a:effectLst/>
+      </dsp:spPr>
+      <dsp:style>
+        <a:lnRef idx="1">
+          <a:scrgbClr r="0" g="0" b="0"/>
+        </a:lnRef>
+        <a:fillRef idx="0">
+          <a:scrgbClr r="0" g="0" b="0"/>
+        </a:fillRef>
+        <a:effectRef idx="0">
+          <a:scrgbClr r="0" g="0" b="0"/>
+        </a:effectRef>
+        <a:fontRef idx="minor"/>
+      </dsp:style>
+      <dsp:txBody>
+        <a:bodyPr spcFirstLastPara="0" vert="horz" wrap="square" lIns="12700" tIns="0" rIns="12700" bIns="0" numCol="1" spcCol="1270" anchor="ctr" anchorCtr="0">
+          <a:noAutofit/>
+        </a:bodyPr>
+        <a:lstStyle/>
+        <a:p>
+          <a:pPr marL="0" lvl="0" indent="0" algn="ctr" defTabSz="222250">
+            <a:lnSpc>
+              <a:spcPct val="90000"/>
+            </a:lnSpc>
+            <a:spcBef>
+              <a:spcPct val="0"/>
+            </a:spcBef>
+            <a:spcAft>
+              <a:spcPct val="35000"/>
+            </a:spcAft>
+            <a:buNone/>
+          </a:pPr>
+          <a:endParaRPr lang="en-US" sz="500" kern="1200"/>
+        </a:p>
+      </dsp:txBody>
+      <dsp:txXfrm>
+        <a:off x="6338491" y="893982"/>
+        <a:ext cx="31209" cy="6241"/>
+      </dsp:txXfrm>
+    </dsp:sp>
+    <dsp:sp modelId="{FB76B923-36C2-479E-8C6B-81D03FF88138}">
+      <dsp:nvSpPr>
+        <dsp:cNvPr id="0" name=""/>
+        <dsp:cNvSpPr/>
+      </dsp:nvSpPr>
+      <dsp:spPr>
+        <a:xfrm>
+          <a:off x="3345249" y="82947"/>
+          <a:ext cx="2713853" cy="1628312"/>
+        </a:xfrm>
+        <a:prstGeom prst="rect">
+          <a:avLst/>
+        </a:prstGeom>
+        <a:solidFill>
+          <a:schemeClr val="accent2">
+            <a:hueOff val="270963"/>
+            <a:satOff val="-1326"/>
+            <a:lumOff val="745"/>
+            <a:alphaOff val="0"/>
+          </a:schemeClr>
+        </a:solidFill>
+        <a:ln w="19050" cap="rnd" cmpd="sng" algn="ctr">
+          <a:solidFill>
+            <a:schemeClr val="lt1">
+              <a:hueOff val="0"/>
+              <a:satOff val="0"/>
+              <a:lumOff val="0"/>
+              <a:alphaOff val="0"/>
+            </a:schemeClr>
+          </a:solidFill>
+          <a:prstDash val="solid"/>
+        </a:ln>
+        <a:effectLst/>
+      </dsp:spPr>
+      <dsp:style>
+        <a:lnRef idx="2">
+          <a:scrgbClr r="0" g="0" b="0"/>
+        </a:lnRef>
+        <a:fillRef idx="1">
+          <a:scrgbClr r="0" g="0" b="0"/>
+        </a:fillRef>
+        <a:effectRef idx="0">
+          <a:scrgbClr r="0" g="0" b="0"/>
+        </a:effectRef>
+        <a:fontRef idx="minor">
+          <a:schemeClr val="lt1"/>
+        </a:fontRef>
+      </dsp:style>
+      <dsp:txBody>
+        <a:bodyPr spcFirstLastPara="0" vert="horz" wrap="square" lIns="132981" tIns="139587" rIns="132981" bIns="139587" numCol="1" spcCol="1270" anchor="ctr" anchorCtr="0">
+          <a:noAutofit/>
+        </a:bodyPr>
+        <a:lstStyle/>
+        <a:p>
+          <a:pPr marL="0" lvl="0" indent="0" algn="ctr" defTabSz="711200">
+            <a:lnSpc>
+              <a:spcPct val="90000"/>
+            </a:lnSpc>
+            <a:spcBef>
+              <a:spcPct val="0"/>
+            </a:spcBef>
+            <a:spcAft>
+              <a:spcPct val="35000"/>
+            </a:spcAft>
+            <a:buNone/>
+          </a:pPr>
+          <a:r>
+            <a:rPr lang="en-CA" sz="1600" kern="1200"/>
+            <a:t>Data preprocessing/cleaning</a:t>
+          </a:r>
+          <a:endParaRPr lang="en-US" sz="1600" kern="1200"/>
+        </a:p>
+      </dsp:txBody>
+      <dsp:txXfrm>
+        <a:off x="3345249" y="82947"/>
+        <a:ext cx="2713853" cy="1628312"/>
+      </dsp:txXfrm>
+    </dsp:sp>
+    <dsp:sp modelId="{D77BA5E0-9C92-4A1C-B7E3-B1EC4D148CE0}">
+      <dsp:nvSpPr>
+        <dsp:cNvPr id="0" name=""/>
+        <dsp:cNvSpPr/>
+      </dsp:nvSpPr>
+      <dsp:spPr>
+        <a:xfrm>
+          <a:off x="1364136" y="1709459"/>
+          <a:ext cx="6676079" cy="593586"/>
+        </a:xfrm>
+        <a:custGeom>
+          <a:avLst/>
+          <a:gdLst/>
+          <a:ahLst/>
+          <a:cxnLst/>
+          <a:rect l="0" t="0" r="0" b="0"/>
+          <a:pathLst>
+            <a:path>
+              <a:moveTo>
+                <a:pt x="6676079" y="0"/>
+              </a:moveTo>
+              <a:lnTo>
+                <a:pt x="6676079" y="313893"/>
+              </a:lnTo>
+              <a:lnTo>
+                <a:pt x="0" y="313893"/>
+              </a:lnTo>
+              <a:lnTo>
+                <a:pt x="0" y="593586"/>
+              </a:lnTo>
+            </a:path>
+          </a:pathLst>
+        </a:custGeom>
+        <a:noFill/>
+        <a:ln w="9525" cap="rnd" cmpd="sng" algn="ctr">
+          <a:solidFill>
+            <a:schemeClr val="accent2">
+              <a:hueOff val="677407"/>
+              <a:satOff val="-3316"/>
+              <a:lumOff val="1862"/>
+              <a:alphaOff val="0"/>
+            </a:schemeClr>
+          </a:solidFill>
+          <a:prstDash val="solid"/>
+          <a:tailEnd type="arrow"/>
+        </a:ln>
+        <a:effectLst/>
+      </dsp:spPr>
+      <dsp:style>
+        <a:lnRef idx="1">
+          <a:scrgbClr r="0" g="0" b="0"/>
+        </a:lnRef>
+        <a:fillRef idx="0">
+          <a:scrgbClr r="0" g="0" b="0"/>
+        </a:fillRef>
+        <a:effectRef idx="0">
+          <a:scrgbClr r="0" g="0" b="0"/>
+        </a:effectRef>
+        <a:fontRef idx="minor"/>
+      </dsp:style>
+      <dsp:txBody>
+        <a:bodyPr spcFirstLastPara="0" vert="horz" wrap="square" lIns="12700" tIns="0" rIns="12700" bIns="0" numCol="1" spcCol="1270" anchor="ctr" anchorCtr="0">
+          <a:noAutofit/>
+        </a:bodyPr>
+        <a:lstStyle/>
+        <a:p>
+          <a:pPr marL="0" lvl="0" indent="0" algn="ctr" defTabSz="222250">
+            <a:lnSpc>
+              <a:spcPct val="90000"/>
+            </a:lnSpc>
+            <a:spcBef>
+              <a:spcPct val="0"/>
+            </a:spcBef>
+            <a:spcAft>
+              <a:spcPct val="35000"/>
+            </a:spcAft>
+            <a:buNone/>
+          </a:pPr>
+          <a:endParaRPr lang="en-US" sz="500" kern="1200"/>
+        </a:p>
+      </dsp:txBody>
+      <dsp:txXfrm>
+        <a:off x="4534546" y="2003132"/>
+        <a:ext cx="335259" cy="6241"/>
+      </dsp:txXfrm>
+    </dsp:sp>
+    <dsp:sp modelId="{1F65C856-808E-4D38-A735-94AD5FED9C12}">
+      <dsp:nvSpPr>
+        <dsp:cNvPr id="0" name=""/>
+        <dsp:cNvSpPr/>
+      </dsp:nvSpPr>
+      <dsp:spPr>
+        <a:xfrm>
+          <a:off x="6683289" y="82947"/>
+          <a:ext cx="2713853" cy="1628312"/>
+        </a:xfrm>
+        <a:prstGeom prst="rect">
+          <a:avLst/>
+        </a:prstGeom>
+        <a:solidFill>
+          <a:schemeClr val="accent2">
+            <a:hueOff val="541926"/>
+            <a:satOff val="-2653"/>
+            <a:lumOff val="1490"/>
+            <a:alphaOff val="0"/>
+          </a:schemeClr>
+        </a:solidFill>
+        <a:ln w="19050" cap="rnd" cmpd="sng" algn="ctr">
+          <a:solidFill>
+            <a:schemeClr val="lt1">
+              <a:hueOff val="0"/>
+              <a:satOff val="0"/>
+              <a:lumOff val="0"/>
+              <a:alphaOff val="0"/>
+            </a:schemeClr>
+          </a:solidFill>
+          <a:prstDash val="solid"/>
+        </a:ln>
+        <a:effectLst/>
+      </dsp:spPr>
+      <dsp:style>
+        <a:lnRef idx="2">
+          <a:scrgbClr r="0" g="0" b="0"/>
+        </a:lnRef>
+        <a:fillRef idx="1">
+          <a:scrgbClr r="0" g="0" b="0"/>
+        </a:fillRef>
+        <a:effectRef idx="0">
+          <a:scrgbClr r="0" g="0" b="0"/>
+        </a:effectRef>
+        <a:fontRef idx="minor">
+          <a:schemeClr val="lt1"/>
+        </a:fontRef>
+      </dsp:style>
+      <dsp:txBody>
+        <a:bodyPr spcFirstLastPara="0" vert="horz" wrap="square" lIns="132981" tIns="139587" rIns="132981" bIns="139587" numCol="1" spcCol="1270" anchor="ctr" anchorCtr="0">
+          <a:noAutofit/>
+        </a:bodyPr>
+        <a:lstStyle/>
+        <a:p>
+          <a:pPr marL="0" lvl="0" indent="0" algn="ctr" defTabSz="711200">
+            <a:lnSpc>
+              <a:spcPct val="90000"/>
+            </a:lnSpc>
+            <a:spcBef>
+              <a:spcPct val="0"/>
+            </a:spcBef>
+            <a:spcAft>
+              <a:spcPct val="35000"/>
+            </a:spcAft>
+            <a:buNone/>
+          </a:pPr>
+          <a:r>
+            <a:rPr lang="en-CA" sz="1600" kern="1200" dirty="0"/>
+            <a:t>Exploratory data analysis (EDA)</a:t>
+          </a:r>
+          <a:endParaRPr lang="en-US" sz="1600" kern="1200" dirty="0"/>
+        </a:p>
+      </dsp:txBody>
+      <dsp:txXfrm>
+        <a:off x="6683289" y="82947"/>
+        <a:ext cx="2713853" cy="1628312"/>
+      </dsp:txXfrm>
+    </dsp:sp>
+    <dsp:sp modelId="{5653FACC-6EBE-4FE5-BB65-23734BF2A6CC}">
+      <dsp:nvSpPr>
+        <dsp:cNvPr id="0" name=""/>
+        <dsp:cNvSpPr/>
+      </dsp:nvSpPr>
+      <dsp:spPr>
+        <a:xfrm>
+          <a:off x="2719262" y="3103882"/>
+          <a:ext cx="593586" cy="91440"/>
+        </a:xfrm>
+        <a:custGeom>
+          <a:avLst/>
+          <a:gdLst/>
+          <a:ahLst/>
+          <a:cxnLst/>
+          <a:rect l="0" t="0" r="0" b="0"/>
+          <a:pathLst>
+            <a:path>
+              <a:moveTo>
+                <a:pt x="0" y="45720"/>
+              </a:moveTo>
+              <a:lnTo>
+                <a:pt x="593586" y="45720"/>
+              </a:lnTo>
+            </a:path>
+          </a:pathLst>
+        </a:custGeom>
+        <a:noFill/>
+        <a:ln w="9525" cap="rnd" cmpd="sng" algn="ctr">
+          <a:solidFill>
+            <a:schemeClr val="accent2">
+              <a:hueOff val="1016110"/>
+              <a:satOff val="-4974"/>
+              <a:lumOff val="2794"/>
+              <a:alphaOff val="0"/>
+            </a:schemeClr>
+          </a:solidFill>
+          <a:prstDash val="solid"/>
+          <a:tailEnd type="arrow"/>
+        </a:ln>
+        <a:effectLst/>
+      </dsp:spPr>
+      <dsp:style>
+        <a:lnRef idx="1">
+          <a:scrgbClr r="0" g="0" b="0"/>
+        </a:lnRef>
+        <a:fillRef idx="0">
+          <a:scrgbClr r="0" g="0" b="0"/>
+        </a:fillRef>
+        <a:effectRef idx="0">
+          <a:scrgbClr r="0" g="0" b="0"/>
+        </a:effectRef>
+        <a:fontRef idx="minor"/>
+      </dsp:style>
+      <dsp:txBody>
+        <a:bodyPr spcFirstLastPara="0" vert="horz" wrap="square" lIns="12700" tIns="0" rIns="12700" bIns="0" numCol="1" spcCol="1270" anchor="ctr" anchorCtr="0">
+          <a:noAutofit/>
+        </a:bodyPr>
+        <a:lstStyle/>
+        <a:p>
+          <a:pPr marL="0" lvl="0" indent="0" algn="ctr" defTabSz="222250">
+            <a:lnSpc>
+              <a:spcPct val="90000"/>
+            </a:lnSpc>
+            <a:spcBef>
+              <a:spcPct val="0"/>
+            </a:spcBef>
+            <a:spcAft>
+              <a:spcPct val="35000"/>
+            </a:spcAft>
+            <a:buNone/>
+          </a:pPr>
+          <a:endParaRPr lang="en-US" sz="500" kern="1200"/>
+        </a:p>
+      </dsp:txBody>
+      <dsp:txXfrm>
+        <a:off x="3000451" y="3146481"/>
+        <a:ext cx="31209" cy="6241"/>
+      </dsp:txXfrm>
+    </dsp:sp>
+    <dsp:sp modelId="{254262CB-5002-4505-8FFB-96D61EEB535D}">
+      <dsp:nvSpPr>
+        <dsp:cNvPr id="0" name=""/>
+        <dsp:cNvSpPr/>
+      </dsp:nvSpPr>
+      <dsp:spPr>
+        <a:xfrm>
+          <a:off x="7209" y="2335446"/>
+          <a:ext cx="2713853" cy="1628312"/>
+        </a:xfrm>
+        <a:prstGeom prst="rect">
+          <a:avLst/>
+        </a:prstGeom>
+        <a:solidFill>
+          <a:schemeClr val="accent2">
+            <a:hueOff val="812888"/>
+            <a:satOff val="-3979"/>
+            <a:lumOff val="2235"/>
+            <a:alphaOff val="0"/>
+          </a:schemeClr>
+        </a:solidFill>
+        <a:ln w="19050" cap="rnd" cmpd="sng" algn="ctr">
+          <a:solidFill>
+            <a:schemeClr val="lt1">
+              <a:hueOff val="0"/>
+              <a:satOff val="0"/>
+              <a:lumOff val="0"/>
+              <a:alphaOff val="0"/>
+            </a:schemeClr>
+          </a:solidFill>
+          <a:prstDash val="solid"/>
+        </a:ln>
+        <a:effectLst/>
+      </dsp:spPr>
+      <dsp:style>
+        <a:lnRef idx="2">
+          <a:scrgbClr r="0" g="0" b="0"/>
+        </a:lnRef>
+        <a:fillRef idx="1">
+          <a:scrgbClr r="0" g="0" b="0"/>
+        </a:fillRef>
+        <a:effectRef idx="0">
+          <a:scrgbClr r="0" g="0" b="0"/>
+        </a:effectRef>
+        <a:fontRef idx="minor">
+          <a:schemeClr val="lt1"/>
+        </a:fontRef>
+      </dsp:style>
+      <dsp:txBody>
+        <a:bodyPr spcFirstLastPara="0" vert="horz" wrap="square" lIns="132981" tIns="139587" rIns="132981" bIns="139587" numCol="1" spcCol="1270" anchor="ctr" anchorCtr="0">
+          <a:noAutofit/>
+        </a:bodyPr>
+        <a:lstStyle/>
+        <a:p>
+          <a:pPr marL="0" lvl="0" indent="0" algn="ctr" defTabSz="711200">
+            <a:lnSpc>
+              <a:spcPct val="90000"/>
+            </a:lnSpc>
+            <a:spcBef>
+              <a:spcPct val="0"/>
+            </a:spcBef>
+            <a:spcAft>
+              <a:spcPct val="35000"/>
+            </a:spcAft>
+            <a:buNone/>
+          </a:pPr>
+          <a:r>
+            <a:rPr lang="en-CA" sz="1600" kern="1200"/>
+            <a:t>Feature engineering</a:t>
+          </a:r>
+          <a:endParaRPr lang="en-US" sz="1600" kern="1200"/>
+        </a:p>
+      </dsp:txBody>
+      <dsp:txXfrm>
+        <a:off x="7209" y="2335446"/>
+        <a:ext cx="2713853" cy="1628312"/>
+      </dsp:txXfrm>
+    </dsp:sp>
+    <dsp:sp modelId="{F2FD5941-6DF3-4D30-8776-3E0511AC825E}">
+      <dsp:nvSpPr>
+        <dsp:cNvPr id="0" name=""/>
+        <dsp:cNvSpPr/>
+      </dsp:nvSpPr>
+      <dsp:spPr>
+        <a:xfrm>
+          <a:off x="6057302" y="3103882"/>
+          <a:ext cx="593586" cy="91440"/>
+        </a:xfrm>
+        <a:custGeom>
+          <a:avLst/>
+          <a:gdLst/>
+          <a:ahLst/>
+          <a:cxnLst/>
+          <a:rect l="0" t="0" r="0" b="0"/>
+          <a:pathLst>
+            <a:path>
+              <a:moveTo>
+                <a:pt x="0" y="45720"/>
+              </a:moveTo>
+              <a:lnTo>
+                <a:pt x="593586" y="45720"/>
+              </a:lnTo>
+            </a:path>
+          </a:pathLst>
+        </a:custGeom>
+        <a:noFill/>
+        <a:ln w="9525" cap="rnd" cmpd="sng" algn="ctr">
+          <a:solidFill>
+            <a:schemeClr val="accent2">
+              <a:hueOff val="1354814"/>
+              <a:satOff val="-6632"/>
+              <a:lumOff val="3725"/>
+              <a:alphaOff val="0"/>
+            </a:schemeClr>
+          </a:solidFill>
+          <a:prstDash val="solid"/>
+          <a:tailEnd type="arrow"/>
+        </a:ln>
+        <a:effectLst/>
+      </dsp:spPr>
+      <dsp:style>
+        <a:lnRef idx="1">
+          <a:scrgbClr r="0" g="0" b="0"/>
+        </a:lnRef>
+        <a:fillRef idx="0">
+          <a:scrgbClr r="0" g="0" b="0"/>
+        </a:fillRef>
+        <a:effectRef idx="0">
+          <a:scrgbClr r="0" g="0" b="0"/>
+        </a:effectRef>
+        <a:fontRef idx="minor"/>
+      </dsp:style>
+      <dsp:txBody>
+        <a:bodyPr spcFirstLastPara="0" vert="horz" wrap="square" lIns="12700" tIns="0" rIns="12700" bIns="0" numCol="1" spcCol="1270" anchor="ctr" anchorCtr="0">
+          <a:noAutofit/>
+        </a:bodyPr>
+        <a:lstStyle/>
+        <a:p>
+          <a:pPr marL="0" lvl="0" indent="0" algn="ctr" defTabSz="222250">
+            <a:lnSpc>
+              <a:spcPct val="90000"/>
+            </a:lnSpc>
+            <a:spcBef>
+              <a:spcPct val="0"/>
+            </a:spcBef>
+            <a:spcAft>
+              <a:spcPct val="35000"/>
+            </a:spcAft>
+            <a:buNone/>
+          </a:pPr>
+          <a:endParaRPr lang="en-US" sz="500" kern="1200"/>
+        </a:p>
+      </dsp:txBody>
+      <dsp:txXfrm>
+        <a:off x="6338491" y="3146481"/>
+        <a:ext cx="31209" cy="6241"/>
+      </dsp:txXfrm>
+    </dsp:sp>
+    <dsp:sp modelId="{76738070-8B14-4A56-B148-965AA3EBFCAD}">
+      <dsp:nvSpPr>
+        <dsp:cNvPr id="0" name=""/>
+        <dsp:cNvSpPr/>
+      </dsp:nvSpPr>
+      <dsp:spPr>
+        <a:xfrm>
+          <a:off x="3345249" y="2335446"/>
+          <a:ext cx="2713853" cy="1628312"/>
+        </a:xfrm>
+        <a:prstGeom prst="rect">
+          <a:avLst/>
+        </a:prstGeom>
+        <a:solidFill>
+          <a:schemeClr val="accent2">
+            <a:hueOff val="1083851"/>
+            <a:satOff val="-5306"/>
+            <a:lumOff val="2980"/>
+            <a:alphaOff val="0"/>
+          </a:schemeClr>
+        </a:solidFill>
+        <a:ln w="19050" cap="rnd" cmpd="sng" algn="ctr">
+          <a:solidFill>
+            <a:schemeClr val="lt1">
+              <a:hueOff val="0"/>
+              <a:satOff val="0"/>
+              <a:lumOff val="0"/>
+              <a:alphaOff val="0"/>
+            </a:schemeClr>
+          </a:solidFill>
+          <a:prstDash val="solid"/>
+        </a:ln>
+        <a:effectLst/>
+      </dsp:spPr>
+      <dsp:style>
+        <a:lnRef idx="2">
+          <a:scrgbClr r="0" g="0" b="0"/>
+        </a:lnRef>
+        <a:fillRef idx="1">
+          <a:scrgbClr r="0" g="0" b="0"/>
+        </a:fillRef>
+        <a:effectRef idx="0">
+          <a:scrgbClr r="0" g="0" b="0"/>
+        </a:effectRef>
+        <a:fontRef idx="minor">
+          <a:schemeClr val="lt1"/>
+        </a:fontRef>
+      </dsp:style>
+      <dsp:txBody>
+        <a:bodyPr spcFirstLastPara="0" vert="horz" wrap="square" lIns="132981" tIns="139587" rIns="132981" bIns="139587" numCol="1" spcCol="1270" anchor="ctr" anchorCtr="0">
+          <a:noAutofit/>
+        </a:bodyPr>
+        <a:lstStyle/>
+        <a:p>
+          <a:pPr marL="0" lvl="0" indent="0" algn="ctr" defTabSz="711200">
+            <a:lnSpc>
+              <a:spcPct val="90000"/>
+            </a:lnSpc>
+            <a:spcBef>
+              <a:spcPct val="0"/>
+            </a:spcBef>
+            <a:spcAft>
+              <a:spcPct val="35000"/>
+            </a:spcAft>
+            <a:buNone/>
+          </a:pPr>
+          <a:r>
+            <a:rPr lang="en-CA" sz="1600" kern="1200" dirty="0"/>
+            <a:t>Model selection, training, and validation</a:t>
+          </a:r>
+          <a:endParaRPr lang="en-US" sz="1600" kern="1200" dirty="0"/>
+        </a:p>
+      </dsp:txBody>
+      <dsp:txXfrm>
+        <a:off x="3345249" y="2335446"/>
+        <a:ext cx="2713853" cy="1628312"/>
+      </dsp:txXfrm>
+    </dsp:sp>
+    <dsp:sp modelId="{06A5983C-3079-4441-95B7-6A21D5818F48}">
+      <dsp:nvSpPr>
+        <dsp:cNvPr id="0" name=""/>
+        <dsp:cNvSpPr/>
+      </dsp:nvSpPr>
+      <dsp:spPr>
+        <a:xfrm>
+          <a:off x="6683289" y="2335446"/>
+          <a:ext cx="2713853" cy="1628312"/>
+        </a:xfrm>
+        <a:prstGeom prst="rect">
+          <a:avLst/>
+        </a:prstGeom>
+        <a:solidFill>
+          <a:schemeClr val="accent2">
+            <a:hueOff val="1354814"/>
+            <a:satOff val="-6632"/>
+            <a:lumOff val="3725"/>
+            <a:alphaOff val="0"/>
+          </a:schemeClr>
+        </a:solidFill>
+        <a:ln w="19050" cap="rnd" cmpd="sng" algn="ctr">
+          <a:solidFill>
+            <a:schemeClr val="lt1">
+              <a:hueOff val="0"/>
+              <a:satOff val="0"/>
+              <a:lumOff val="0"/>
+              <a:alphaOff val="0"/>
+            </a:schemeClr>
+          </a:solidFill>
+          <a:prstDash val="solid"/>
+        </a:ln>
+        <a:effectLst/>
+      </dsp:spPr>
+      <dsp:style>
+        <a:lnRef idx="2">
+          <a:scrgbClr r="0" g="0" b="0"/>
+        </a:lnRef>
+        <a:fillRef idx="1">
+          <a:scrgbClr r="0" g="0" b="0"/>
+        </a:fillRef>
+        <a:effectRef idx="0">
+          <a:scrgbClr r="0" g="0" b="0"/>
+        </a:effectRef>
+        <a:fontRef idx="minor">
+          <a:schemeClr val="lt1"/>
+        </a:fontRef>
+      </dsp:style>
+      <dsp:txBody>
+        <a:bodyPr spcFirstLastPara="0" vert="horz" wrap="square" lIns="132981" tIns="139587" rIns="132981" bIns="139587" numCol="1" spcCol="1270" anchor="ctr" anchorCtr="0">
+          <a:noAutofit/>
+        </a:bodyPr>
+        <a:lstStyle/>
+        <a:p>
+          <a:pPr marL="0" lvl="0" indent="0" algn="ctr" defTabSz="711200">
+            <a:lnSpc>
+              <a:spcPct val="90000"/>
+            </a:lnSpc>
+            <a:spcBef>
+              <a:spcPct val="0"/>
+            </a:spcBef>
+            <a:spcAft>
+              <a:spcPct val="35000"/>
+            </a:spcAft>
+            <a:buNone/>
+          </a:pPr>
+          <a:r>
+            <a:rPr lang="en-CA" sz="1600" kern="1200" dirty="0"/>
+            <a:t>Emissions forecasting</a:t>
+          </a:r>
+          <a:endParaRPr lang="en-US" sz="1600" kern="1200" dirty="0"/>
+        </a:p>
+      </dsp:txBody>
+      <dsp:txXfrm>
+        <a:off x="6683289" y="2335446"/>
+        <a:ext cx="2713853" cy="1628312"/>
+      </dsp:txXfrm>
+    </dsp:sp>
+  </dsp:spTree>
+</dsp:drawing>
+</file>
+
+<file path=ppt/diagrams/drawing2.xml><?xml version="1.0" encoding="utf-8"?>
+<dsp:drawing xmlns:dgm="http://schemas.openxmlformats.org/drawingml/2006/diagram" xmlns:dsp="http://schemas.microsoft.com/office/drawing/2008/diagram" xmlns:a="http://schemas.openxmlformats.org/drawingml/2006/main">
+  <dsp:spTree>
+    <dsp:nvGrpSpPr>
+      <dsp:cNvPr id="0" name=""/>
+      <dsp:cNvGrpSpPr/>
+    </dsp:nvGrpSpPr>
+    <dsp:grpSpPr/>
+    <dsp:sp modelId="{1097F2B3-CCE6-4393-A9C2-E854E86678F5}">
+      <dsp:nvSpPr>
+        <dsp:cNvPr id="0" name=""/>
+        <dsp:cNvSpPr/>
+      </dsp:nvSpPr>
+      <dsp:spPr>
+        <a:xfrm>
+          <a:off x="1828347" y="3082"/>
+          <a:ext cx="3416581" cy="2049948"/>
+        </a:xfrm>
+        <a:prstGeom prst="rect">
+          <a:avLst/>
+        </a:prstGeom>
+        <a:solidFill>
+          <a:schemeClr val="accent5">
+            <a:hueOff val="0"/>
+            <a:satOff val="0"/>
+            <a:lumOff val="0"/>
+            <a:alphaOff val="0"/>
+          </a:schemeClr>
+        </a:solidFill>
+        <a:ln w="19050" cap="rnd" cmpd="sng" algn="ctr">
+          <a:solidFill>
+            <a:schemeClr val="lt1">
+              <a:hueOff val="0"/>
+              <a:satOff val="0"/>
+              <a:lumOff val="0"/>
+              <a:alphaOff val="0"/>
+            </a:schemeClr>
+          </a:solidFill>
+          <a:prstDash val="solid"/>
+        </a:ln>
+        <a:effectLst/>
+      </dsp:spPr>
+      <dsp:style>
+        <a:lnRef idx="2">
+          <a:scrgbClr r="0" g="0" b="0"/>
+        </a:lnRef>
+        <a:fillRef idx="1">
+          <a:scrgbClr r="0" g="0" b="0"/>
+        </a:fillRef>
+        <a:effectRef idx="0">
+          <a:scrgbClr r="0" g="0" b="0"/>
+        </a:effectRef>
+        <a:fontRef idx="minor">
+          <a:schemeClr val="lt1"/>
+        </a:fontRef>
+      </dsp:style>
+      <dsp:txBody>
+        <a:bodyPr spcFirstLastPara="0" vert="horz" wrap="square" lIns="76200" tIns="76200" rIns="76200" bIns="76200" numCol="1" spcCol="1270" anchor="ctr" anchorCtr="0">
+          <a:noAutofit/>
+        </a:bodyPr>
+        <a:lstStyle/>
+        <a:p>
+          <a:pPr marL="0" lvl="0" indent="0" algn="ctr" defTabSz="889000">
+            <a:lnSpc>
+              <a:spcPct val="90000"/>
+            </a:lnSpc>
+            <a:spcBef>
+              <a:spcPct val="0"/>
+            </a:spcBef>
+            <a:spcAft>
+              <a:spcPct val="35000"/>
+            </a:spcAft>
+            <a:buNone/>
+          </a:pPr>
+          <a:r>
+            <a:rPr lang="en-CA" sz="2000" kern="1200"/>
+            <a:t>Showcase the differences in carbon emissions and  fuel consumption between different car makes, models, and other features</a:t>
+          </a:r>
+          <a:endParaRPr lang="en-US" sz="2000" kern="1200" dirty="0"/>
+        </a:p>
+      </dsp:txBody>
+      <dsp:txXfrm>
+        <a:off x="1828347" y="3082"/>
+        <a:ext cx="3416581" cy="2049948"/>
+      </dsp:txXfrm>
+    </dsp:sp>
+    <dsp:sp modelId="{AE90030D-B932-48EC-8AEA-9C5E1192707E}">
+      <dsp:nvSpPr>
+        <dsp:cNvPr id="0" name=""/>
+        <dsp:cNvSpPr/>
+      </dsp:nvSpPr>
+      <dsp:spPr>
+        <a:xfrm>
+          <a:off x="5586586" y="3082"/>
+          <a:ext cx="3416581" cy="2049948"/>
+        </a:xfrm>
+        <a:prstGeom prst="rect">
+          <a:avLst/>
+        </a:prstGeom>
+        <a:solidFill>
+          <a:schemeClr val="accent5">
+            <a:hueOff val="3118619"/>
+            <a:satOff val="-2006"/>
+            <a:lumOff val="1372"/>
+            <a:alphaOff val="0"/>
+          </a:schemeClr>
+        </a:solidFill>
+        <a:ln w="19050" cap="rnd" cmpd="sng" algn="ctr">
+          <a:solidFill>
+            <a:schemeClr val="lt1">
+              <a:hueOff val="0"/>
+              <a:satOff val="0"/>
+              <a:lumOff val="0"/>
+              <a:alphaOff val="0"/>
+            </a:schemeClr>
+          </a:solidFill>
+          <a:prstDash val="solid"/>
+        </a:ln>
+        <a:effectLst/>
+      </dsp:spPr>
+      <dsp:style>
+        <a:lnRef idx="2">
+          <a:scrgbClr r="0" g="0" b="0"/>
+        </a:lnRef>
+        <a:fillRef idx="1">
+          <a:scrgbClr r="0" g="0" b="0"/>
+        </a:fillRef>
+        <a:effectRef idx="0">
+          <a:scrgbClr r="0" g="0" b="0"/>
+        </a:effectRef>
+        <a:fontRef idx="minor">
+          <a:schemeClr val="lt1"/>
+        </a:fontRef>
+      </dsp:style>
+      <dsp:txBody>
+        <a:bodyPr spcFirstLastPara="0" vert="horz" wrap="square" lIns="76200" tIns="76200" rIns="76200" bIns="76200" numCol="1" spcCol="1270" anchor="ctr" anchorCtr="0">
+          <a:noAutofit/>
+        </a:bodyPr>
+        <a:lstStyle/>
+        <a:p>
+          <a:pPr marL="0" lvl="0" indent="0" algn="ctr" defTabSz="889000">
+            <a:lnSpc>
+              <a:spcPct val="90000"/>
+            </a:lnSpc>
+            <a:spcBef>
+              <a:spcPct val="0"/>
+            </a:spcBef>
+            <a:spcAft>
+              <a:spcPct val="35000"/>
+            </a:spcAft>
+            <a:buNone/>
+          </a:pPr>
+          <a:r>
+            <a:rPr lang="en-CA" sz="2000" kern="1200"/>
+            <a:t>Show how fuel efficiency (in terms of CO</a:t>
+          </a:r>
+          <a:r>
+            <a:rPr lang="en-CA" sz="2000" kern="1200" baseline="-25000"/>
+            <a:t>2</a:t>
+          </a:r>
+          <a:r>
+            <a:rPr lang="en-CA" sz="2000" kern="1200"/>
+            <a:t> emissions) has changed over time</a:t>
+          </a:r>
+          <a:endParaRPr lang="en-US" sz="2000" kern="1200"/>
+        </a:p>
+      </dsp:txBody>
+      <dsp:txXfrm>
+        <a:off x="5586586" y="3082"/>
+        <a:ext cx="3416581" cy="2049948"/>
+      </dsp:txXfrm>
+    </dsp:sp>
+    <dsp:sp modelId="{54C5DA43-6C3B-44DB-B337-42FCA1C7DE04}">
+      <dsp:nvSpPr>
+        <dsp:cNvPr id="0" name=""/>
+        <dsp:cNvSpPr/>
+      </dsp:nvSpPr>
+      <dsp:spPr>
+        <a:xfrm>
+          <a:off x="3707466" y="2394689"/>
+          <a:ext cx="3416581" cy="2049948"/>
+        </a:xfrm>
+        <a:prstGeom prst="rect">
+          <a:avLst/>
+        </a:prstGeom>
+        <a:solidFill>
+          <a:schemeClr val="accent5">
+            <a:hueOff val="6237238"/>
+            <a:satOff val="-4013"/>
+            <a:lumOff val="2744"/>
+            <a:alphaOff val="0"/>
+          </a:schemeClr>
+        </a:solidFill>
+        <a:ln w="19050" cap="rnd" cmpd="sng" algn="ctr">
+          <a:solidFill>
+            <a:schemeClr val="lt1">
+              <a:hueOff val="0"/>
+              <a:satOff val="0"/>
+              <a:lumOff val="0"/>
+              <a:alphaOff val="0"/>
+            </a:schemeClr>
+          </a:solidFill>
+          <a:prstDash val="solid"/>
+        </a:ln>
+        <a:effectLst/>
+      </dsp:spPr>
+      <dsp:style>
+        <a:lnRef idx="2">
+          <a:scrgbClr r="0" g="0" b="0"/>
+        </a:lnRef>
+        <a:fillRef idx="1">
+          <a:scrgbClr r="0" g="0" b="0"/>
+        </a:fillRef>
+        <a:effectRef idx="0">
+          <a:scrgbClr r="0" g="0" b="0"/>
+        </a:effectRef>
+        <a:fontRef idx="minor">
+          <a:schemeClr val="lt1"/>
+        </a:fontRef>
+      </dsp:style>
+      <dsp:txBody>
+        <a:bodyPr spcFirstLastPara="0" vert="horz" wrap="square" lIns="76200" tIns="76200" rIns="76200" bIns="76200" numCol="1" spcCol="1270" anchor="ctr" anchorCtr="0">
+          <a:noAutofit/>
+        </a:bodyPr>
+        <a:lstStyle/>
+        <a:p>
+          <a:pPr marL="0" lvl="0" indent="0" algn="ctr" defTabSz="889000">
+            <a:lnSpc>
+              <a:spcPct val="90000"/>
+            </a:lnSpc>
+            <a:spcBef>
+              <a:spcPct val="0"/>
+            </a:spcBef>
+            <a:spcAft>
+              <a:spcPct val="35000"/>
+            </a:spcAft>
+            <a:buNone/>
+          </a:pPr>
+          <a:r>
+            <a:rPr lang="en-CA" sz="2000" kern="1200"/>
+            <a:t>Predicting fuel consumption and CO</a:t>
+          </a:r>
+          <a:r>
+            <a:rPr lang="en-CA" sz="2000" kern="1200" baseline="-25000"/>
+            <a:t>2</a:t>
+          </a:r>
+          <a:r>
+            <a:rPr lang="en-CA" sz="2000" kern="1200"/>
+            <a:t> emissions based on car features and driving conditions/patterns</a:t>
+          </a:r>
+          <a:endParaRPr lang="en-US" sz="2000" kern="1200" dirty="0"/>
+        </a:p>
+      </dsp:txBody>
+      <dsp:txXfrm>
+        <a:off x="3707466" y="2394689"/>
+        <a:ext cx="3416581" cy="2049948"/>
+      </dsp:txXfrm>
+    </dsp:sp>
+  </dsp:spTree>
+</dsp:drawing>
+</file>
+
+<file path=ppt/diagrams/layout1.xml><?xml version="1.0" encoding="utf-8"?>
+<dgm:layoutDef xmlns:dgm="http://schemas.openxmlformats.org/drawingml/2006/diagram" xmlns:a="http://schemas.openxmlformats.org/drawingml/2006/main" uniqueId="urn:microsoft.com/office/officeart/2016/7/layout/RepeatingBendingProcessNew">
+  <dgm:title val="Repeating Bending Process New"/>
+  <dgm:desc val=""/>
+  <dgm:catLst>
+    <dgm:cat type="process" pri="500"/>
+  </dgm:catLst>
+  <dgm:sampData>
+    <dgm:dataModel>
+      <dgm:ptLst>
+        <dgm:pt modelId="0" type="doc"/>
+        <dgm:pt modelId="1">
+          <dgm:prSet phldr="1"/>
+        </dgm:pt>
+        <dgm:pt modelId="2">
+          <dgm:prSet phldr="1"/>
+        </dgm:pt>
+        <dgm:pt modelId="3">
+          <dgm:prSet phldr="1"/>
+        </dgm:pt>
+        <dgm:pt modelId="4">
+          <dgm:prSet phldr="1"/>
+        </dgm:pt>
+        <dgm:pt modelId="5">
+          <dgm:prSet phldr="1"/>
+        </dgm:pt>
+      </dgm:ptLst>
+      <dgm:cxnLst>
+        <dgm:cxn modelId="7" srcId="0" destId="1" srcOrd="0" destOrd="0"/>
+        <dgm:cxn modelId="8" srcId="0" destId="2" srcOrd="1" destOrd="0"/>
+        <dgm:cxn modelId="9" srcId="0" destId="3" srcOrd="2" destOrd="0"/>
+        <dgm:cxn modelId="10" srcId="0" destId="4" srcOrd="3" destOrd="0"/>
+        <dgm:cxn modelId="11" srcId="0" destId="5" srcOrd="4" destOrd="0"/>
+      </dgm:cxnLst>
+      <dgm:bg/>
+      <dgm:whole/>
+    </dgm:dataModel>
+  </dgm:sampData>
+  <dgm:styleData>
+    <dgm:dataModel>
+      <dgm:ptLst>
+        <dgm:pt modelId="0" type="doc"/>
+        <dgm:pt modelId="1"/>
+        <dgm:pt modelId="2"/>
+      </dgm:ptLst>
+      <dgm:cxnLst>
+        <dgm:cxn modelId="3" srcId="0" destId="1" srcOrd="0" destOrd="0"/>
+        <dgm:cxn modelId="4" srcId="0" destId="2" srcOrd="1" destOrd="0"/>
+      </dgm:cxnLst>
+      <dgm:bg/>
+      <dgm:whole/>
+    </dgm:dataModel>
+  </dgm:styleData>
+  <dgm:clrData>
+    <dgm:dataModel>
+      <dgm:ptLst>
+        <dgm:pt modelId="0" type="doc"/>
+        <dgm:pt modelId="1"/>
+        <dgm:pt modelId="2"/>
+        <dgm:pt modelId="3"/>
+        <dgm:pt modelId="4"/>
+      </dgm:ptLst>
+      <dgm:cxnLst>
+        <dgm:cxn modelId="5" srcId="0" destId="1" srcOrd="0" destOrd="0"/>
+        <dgm:cxn modelId="6" srcId="0" destId="2" srcOrd="1" destOrd="0"/>
+        <dgm:cxn modelId="7" srcId="0" destId="3" srcOrd="2" destOrd="0"/>
+        <dgm:cxn modelId="8" srcId="0" destId="4" srcOrd="3" destOrd="0"/>
+      </dgm:cxnLst>
+      <dgm:bg/>
+      <dgm:whole/>
+    </dgm:dataModel>
+  </dgm:clrData>
+  <dgm:layoutNode name="Name0">
+    <dgm:varLst>
+      <dgm:dir/>
+      <dgm:resizeHandles val="exact"/>
+    </dgm:varLst>
+    <dgm:choose name="Name1">
+      <dgm:if name="Name2" axis="self" func="var" arg="dir" op="equ" val="norm">
+        <dgm:alg type="snake">
+          <dgm:param type="grDir" val="tL"/>
+          <dgm:param type="flowDir" val="row"/>
+          <dgm:param type="contDir" val="sameDir"/>
+          <dgm:param type="bkpt" val="endCnv"/>
+        </dgm:alg>
+      </dgm:if>
+      <dgm:else name="Name3">
+        <dgm:alg type="snake">
+          <dgm:param type="grDir" val="tR"/>
+          <dgm:param type="flowDir" val="row"/>
+          <dgm:param type="contDir" val="sameDir"/>
+          <dgm:param type="bkpt" val="endCnv"/>
+        </dgm:alg>
+      </dgm:else>
+    </dgm:choose>
+    <dgm:shape xmlns:r="http://schemas.openxmlformats.org/officeDocument/2006/relationships" r:blip="">
+      <dgm:adjLst/>
+    </dgm:shape>
+    <dgm:presOf/>
+    <dgm:constrLst>
+      <dgm:constr type="w" for="ch" ptType="node" refType="w"/>
+      <dgm:constr type="w" for="ch" forName="sibTrans" refType="w" refFor="ch" refPtType="node" op="equ" fact="0.23"/>
+      <dgm:constr type="sp" refType="w" refFor="ch" refForName="sibTrans" op="equ"/>
+      <dgm:constr type="userB" for="des" forName="connectorText" refType="sp"/>
+      <dgm:constr type="primFontSz" for="ch" ptType="node" op="equ" val="65"/>
+      <dgm:constr type="h" for="ch" ptType="sibTrans" op="equ"/>
+      <dgm:constr type="primFontSz" for="des" forName="connectorText" op="equ" val="55"/>
+      <dgm:constr type="primFontSz" for="des" forName="connectorText" refType="primFontSz" refFor="ch" refPtType="node" op="lte" fact="0.8"/>
+    </dgm:constrLst>
+    <dgm:ruleLst/>
+    <dgm:forEach name="nodesForEach" axis="ch" ptType="node">
+      <dgm:layoutNode name="node">
+        <dgm:varLst>
+          <dgm:bulletEnabled val="1"/>
+        </dgm:varLst>
+        <dgm:alg type="tx"/>
+        <dgm:shape xmlns:r="http://schemas.openxmlformats.org/officeDocument/2006/relationships" type="rect" r:blip="">
+          <dgm:adjLst/>
+        </dgm:shape>
+        <dgm:presOf axis="desOrSelf" ptType="node"/>
+        <dgm:constrLst>
+          <dgm:constr type="h" refType="w" fact="0.6"/>
+          <dgm:constr type="tMarg" refType="h" fact="0.243"/>
+          <dgm:constr type="bMarg" refType="h" fact="0.243"/>
+          <dgm:constr type="lMarg" refType="w" fact="0.1389"/>
+          <dgm:constr type="rMarg" refType="w" fact="0.1389"/>
+        </dgm:constrLst>
+        <dgm:ruleLst>
+          <dgm:rule type="primFontSz" val="12" fact="NaN" max="NaN"/>
+        </dgm:ruleLst>
+      </dgm:layoutNode>
+      <dgm:forEach name="sibTransForEach" axis="followSib" ptType="sibTrans" cnt="1">
+        <dgm:layoutNode name="sibTrans">
+          <dgm:choose name="Name4">
+            <dgm:if name="Name5" axis="self" func="var" arg="dir" op="equ" val="norm">
+              <dgm:alg type="conn">
+                <dgm:param type="connRout" val="bend"/>
+                <dgm:param type="dim" val="1D"/>
+                <dgm:param type="begPts" val="midR bCtr"/>
+                <dgm:param type="endPts" val="midL tCtr"/>
+              </dgm:alg>
+            </dgm:if>
+            <dgm:else name="Name6">
+              <dgm:alg type="conn">
+                <dgm:param type="connRout" val="bend"/>
+                <dgm:param type="dim" val="1D"/>
+                <dgm:param type="begPts" val="midL bCtr"/>
+                <dgm:param type="endPts" val="midR tCtr"/>
+              </dgm:alg>
+            </dgm:else>
+          </dgm:choose>
+          <dgm:shape xmlns:r="http://schemas.openxmlformats.org/officeDocument/2006/relationships" type="conn" r:blip="" zOrderOff="-2">
+            <dgm:adjLst/>
+          </dgm:shape>
+          <dgm:presOf axis="self"/>
+          <dgm:constrLst>
+            <dgm:constr type="begPad" val="-0.05"/>
+            <dgm:constr type="endPad" val="0.9"/>
+            <dgm:constr type="userA" for="ch" refType="connDist"/>
+          </dgm:constrLst>
+          <dgm:ruleLst/>
+          <dgm:layoutNode name="connectorText">
+            <dgm:alg type="tx">
+              <dgm:param type="autoTxRot" val="upr"/>
+            </dgm:alg>
+            <dgm:shape xmlns:r="http://schemas.openxmlformats.org/officeDocument/2006/relationships" type="rect" r:blip="" hideGeom="1">
+              <dgm:adjLst/>
+            </dgm:shape>
+            <dgm:presOf axis="self"/>
+            <dgm:constrLst>
+              <dgm:constr type="userA"/>
+              <dgm:constr type="userB"/>
+              <dgm:constr type="w" refType="userA" fact="0.05"/>
+              <dgm:constr type="h" refType="userB" fact="0.01"/>
+              <dgm:constr type="lMarg" val="1"/>
+              <dgm:constr type="rMarg" val="1"/>
+              <dgm:constr type="tMarg"/>
+              <dgm:constr type="bMarg"/>
+            </dgm:constrLst>
+            <dgm:ruleLst>
+              <dgm:rule type="w" val="NaN" fact="0.6" max="NaN"/>
+              <dgm:rule type="h" val="NaN" fact="0.6" max="NaN"/>
+              <dgm:rule type="primFontSz" val="5" fact="NaN" max="NaN"/>
+            </dgm:ruleLst>
+          </dgm:layoutNode>
+        </dgm:layoutNode>
+      </dgm:forEach>
+    </dgm:forEach>
+  </dgm:layoutNode>
+</dgm:layoutDef>
+</file>
+
+<file path=ppt/diagrams/layout2.xml><?xml version="1.0" encoding="utf-8"?>
+<dgm:layoutDef xmlns:dgm="http://schemas.openxmlformats.org/drawingml/2006/diagram" xmlns:a="http://schemas.openxmlformats.org/drawingml/2006/main" uniqueId="urn:microsoft.com/office/officeart/2005/8/layout/default">
+  <dgm:title val=""/>
+  <dgm:desc val=""/>
+  <dgm:catLst>
+    <dgm:cat type="list" pri="400"/>
+  </dgm:catLst>
+  <dgm:sampData>
+    <dgm:dataModel>
+      <dgm:ptLst>
+        <dgm:pt modelId="0" type="doc"/>
+        <dgm:pt modelId="1">
+          <dgm:prSet phldr="1"/>
+        </dgm:pt>
+        <dgm:pt modelId="2">
+          <dgm:prSet phldr="1"/>
+        </dgm:pt>
+        <dgm:pt modelId="3">
+          <dgm:prSet phldr="1"/>
+        </dgm:pt>
+        <dgm:pt modelId="4">
+          <dgm:prSet phldr="1"/>
+        </dgm:pt>
+        <dgm:pt modelId="5">
+          <dgm:prSet phldr="1"/>
+        </dgm:pt>
+      </dgm:ptLst>
+      <dgm:cxnLst>
+        <dgm:cxn modelId="6" srcId="0" destId="1" srcOrd="0" destOrd="0"/>
+        <dgm:cxn modelId="7" srcId="0" destId="2" srcOrd="1" destOrd="0"/>
+        <dgm:cxn modelId="8" srcId="0" destId="3" srcOrd="2" destOrd="0"/>
+        <dgm:cxn modelId="9" srcId="0" destId="4" srcOrd="3" destOrd="0"/>
+        <dgm:cxn modelId="10" srcId="0" destId="5" srcOrd="4" destOrd="0"/>
+      </dgm:cxnLst>
+      <dgm:bg/>
+      <dgm:whole/>
+    </dgm:dataModel>
+  </dgm:sampData>
+  <dgm:styleData>
+    <dgm:dataModel>
+      <dgm:ptLst>
+        <dgm:pt modelId="0" type="doc"/>
+        <dgm:pt modelId="1"/>
+        <dgm:pt modelId="2"/>
+      </dgm:ptLst>
+      <dgm:cxnLst>
+        <dgm:cxn modelId="3" srcId="0" destId="1" srcOrd="0" destOrd="0"/>
+        <dgm:cxn modelId="4" srcId="0" destId="2" srcOrd="1" destOrd="0"/>
+      </dgm:cxnLst>
+      <dgm:bg/>
+      <dgm:whole/>
+    </dgm:dataModel>
+  </dgm:styleData>
+  <dgm:clrData>
+    <dgm:dataModel>
+      <dgm:ptLst>
+        <dgm:pt modelId="0" type="doc"/>
+        <dgm:pt modelId="1"/>
+        <dgm:pt modelId="2"/>
+        <dgm:pt modelId="3"/>
+        <dgm:pt modelId="4"/>
+        <dgm:pt modelId="5"/>
+        <dgm:pt modelId="6"/>
+      </dgm:ptLst>
+      <dgm:cxnLst>
+        <dgm:cxn modelId="7" srcId="0" destId="1" srcOrd="0" destOrd="0"/>
+        <dgm:cxn modelId="8" srcId="0" destId="2" srcOrd="1" destOrd="0"/>
+        <dgm:cxn modelId="9" srcId="0" destId="3" srcOrd="2" destOrd="0"/>
+        <dgm:cxn modelId="10" srcId="0" destId="4" srcOrd="3" destOrd="0"/>
+        <dgm:cxn modelId="11" srcId="0" destId="5" srcOrd="4" destOrd="0"/>
+        <dgm:cxn modelId="12" srcId="0" destId="6" srcOrd="5" destOrd="0"/>
+      </dgm:cxnLst>
+      <dgm:bg/>
+      <dgm:whole/>
+    </dgm:dataModel>
+  </dgm:clrData>
+  <dgm:layoutNode name="diagram">
+    <dgm:varLst>
+      <dgm:dir/>
+      <dgm:resizeHandles val="exact"/>
+    </dgm:varLst>
+    <dgm:choose name="Name0">
+      <dgm:if name="Name1" func="var" arg="dir" op="equ" val="norm">
+        <dgm:alg type="snake">
+          <dgm:param type="grDir" val="tL"/>
+          <dgm:param type="flowDir" val="row"/>
+          <dgm:param type="contDir" val="sameDir"/>
+          <dgm:param type="off" val="ctr"/>
+        </dgm:alg>
+      </dgm:if>
+      <dgm:else name="Name2">
+        <dgm:alg type="snake">
+          <dgm:param type="grDir" val="tR"/>
+          <dgm:param type="flowDir" val="row"/>
+          <dgm:param type="contDir" val="sameDir"/>
+          <dgm:param type="off" val="ctr"/>
+        </dgm:alg>
+      </dgm:else>
+    </dgm:choose>
+    <dgm:shape xmlns:r="http://schemas.openxmlformats.org/officeDocument/2006/relationships" r:blip="">
+      <dgm:adjLst/>
+    </dgm:shape>
+    <dgm:presOf/>
+    <dgm:constrLst>
+      <dgm:constr type="w" for="ch" forName="node" refType="w"/>
+      <dgm:constr type="h" for="ch" forName="node" refType="w" refFor="ch" refForName="node" fact="0.6"/>
+      <dgm:constr type="w" for="ch" forName="sibTrans" refType="w" refFor="ch" refForName="node" fact="0.1"/>
+      <dgm:constr type="sp" refType="w" refFor="ch" refForName="sibTrans"/>
+      <dgm:constr type="primFontSz" for="ch" forName="node" op="equ" val="65"/>
+    </dgm:constrLst>
+    <dgm:ruleLst/>
+    <dgm:forEach name="Name3" axis="ch" ptType="node">
+      <dgm:layoutNode name="node">
+        <dgm:varLst>
+          <dgm:bulletEnabled val="1"/>
+        </dgm:varLst>
+        <dgm:alg type="tx"/>
+        <dgm:shape xmlns:r="http://schemas.openxmlformats.org/officeDocument/2006/relationships" type="rect" r:blip="">
+          <dgm:adjLst/>
+        </dgm:shape>
+        <dgm:presOf axis="desOrSelf" ptType="node"/>
+        <dgm:constrLst>
+          <dgm:constr type="lMarg" refType="primFontSz" fact="0.3"/>
+          <dgm:constr type="rMarg" refType="primFontSz" fact="0.3"/>
+          <dgm:constr type="tMarg" refType="primFontSz" fact="0.3"/>
+          <dgm:constr type="bMarg" refType="primFontSz" fact="0.3"/>
+        </dgm:constrLst>
+        <dgm:ruleLst>
+          <dgm:rule type="primFontSz" val="5" fact="NaN" max="NaN"/>
+        </dgm:ruleLst>
+      </dgm:layoutNode>
+      <dgm:forEach name="Name4" axis="followSib" ptType="sibTrans" cnt="1">
+        <dgm:layoutNode name="sibTrans">
+          <dgm:alg type="sp"/>
+          <dgm:shape xmlns:r="http://schemas.openxmlformats.org/officeDocument/2006/relationships" r:blip="">
+            <dgm:adjLst/>
+          </dgm:shape>
+          <dgm:presOf/>
+          <dgm:constrLst/>
+          <dgm:ruleLst/>
+        </dgm:layoutNode>
+      </dgm:forEach>
+    </dgm:forEach>
+  </dgm:layoutNode>
+</dgm:layoutDef>
+</file>
+
+<file path=ppt/diagrams/quickStyle1.xml><?xml version="1.0" encoding="utf-8"?>
+<dgm:styleDef xmlns:dgm="http://schemas.openxmlformats.org/drawingml/2006/diagram" xmlns:a="http://schemas.openxmlformats.org/drawingml/2006/main" uniqueId="urn:microsoft.com/office/officeart/2005/8/quickstyle/simple1">
+  <dgm:title val=""/>
+  <dgm:desc val=""/>
+  <dgm:catLst>
+    <dgm:cat type="simple" pri="10100"/>
+  </dgm:catLst>
+  <dgm:scene3d>
+    <a:camera prst="orthographicFront"/>
+    <a:lightRig rig="threePt" dir="t"/>
+  </dgm:scene3d>
+  <dgm:styleLbl name="node0">
+    <dgm:scene3d>
+      <a:camera prst="orthographicFront"/>
+      <a:lightRig rig="threePt" dir="t"/>
+    </dgm:scene3d>
+    <dgm:sp3d/>
+    <dgm:txPr/>
+    <dgm:style>
+      <a:lnRef idx="2">
+        <a:scrgbClr r="0" g="0" b="0"/>
+      </a:lnRef>
+      <a:fillRef idx="1">
+        <a:scrgbClr r="0" g="0" b="0"/>
+      </a:fillRef>
+      <a:effectRef idx="0">
+        <a:scrgbClr r="0" g="0" b="0"/>
+      </a:effectRef>
+      <a:fontRef idx="minor">
+        <a:schemeClr val="lt1"/>
+      </a:fontRef>
+    </dgm:style>
+  </dgm:styleLbl>
+  <dgm:styleLbl name="lnNode1">
+    <dgm:scene3d>
+      <a:camera prst="orthographicFront"/>
+      <a:lightRig rig="threePt" dir="t"/>
+    </dgm:scene3d>
+    <dgm:sp3d/>
+    <dgm:txPr/>
+    <dgm:style>
+      <a:lnRef idx="2">
+        <a:scrgbClr r="0" g="0" b="0"/>
+      </a:lnRef>
+      <a:fillRef idx="1">
+        <a:scrgbClr r="0" g="0" b="0"/>
+      </a:fillRef>
+      <a:effectRef idx="0">
+        <a:scrgbClr r="0" g="0" b="0"/>
+      </a:effectRef>
+      <a:fontRef idx="minor">
+        <a:schemeClr val="lt1"/>
+      </a:fontRef>
+    </dgm:style>
+  </dgm:styleLbl>
+  <dgm:styleLbl name="vennNode1">
+    <dgm:scene3d>
+      <a:camera prst="orthographicFront"/>
+      <a:lightRig rig="threePt" dir="t"/>
+    </dgm:scene3d>
+    <dgm:sp3d/>
+    <dgm:txPr/>
+    <dgm:style>
+      <a:lnRef idx="2">
+        <a:scrgbClr r="0" g="0" b="0"/>
+      </a:lnRef>
+      <a:fillRef idx="1">
+        <a:scrgbClr r="0" g="0" b="0"/>
+      </a:fillRef>
+      <a:effectRef idx="0">
+        <a:scrgbClr r="0" g="0" b="0"/>
+      </a:effectRef>
+      <a:fontRef idx="minor">
+        <a:schemeClr val="tx1"/>
+      </a:fontRef>
+    </dgm:style>
+  </dgm:styleLbl>
+  <dgm:styleLbl name="alignNode1">
+    <dgm:scene3d>
+      <a:camera prst="orthographicFront"/>
+      <a:lightRig rig="threePt" dir="t"/>
+    </dgm:scene3d>
+    <dgm:sp3d/>
+    <dgm:txPr/>
+    <dgm:style>
+      <a:lnRef idx="2">
+        <a:scrgbClr r="0" g="0" b="0"/>
+      </a:lnRef>
+      <a:fillRef idx="1">
+        <a:scrgbClr r="0" g="0" b="0"/>
+      </a:fillRef>
+      <a:effectRef idx="0">
+        <a:scrgbClr r="0" g="0" b="0"/>
+      </a:effectRef>
+      <a:fontRef idx="minor">
+        <a:schemeClr val="lt1"/>
+      </a:fontRef>
+    </dgm:style>
+  </dgm:styleLbl>
+  <dgm:styleLbl name="node1">
+    <dgm:scene3d>
+      <a:camera prst="orthographicFront"/>
+      <a:lightRig rig="threePt" dir="t"/>
+    </dgm:scene3d>
+    <dgm:sp3d/>
+    <dgm:txPr/>
+    <dgm:style>
+      <a:lnRef idx="2">
+        <a:scrgbClr r="0" g="0" b="0"/>
+      </a:lnRef>
+      <a:fillRef idx="1">
+        <a:scrgbClr r="0" g="0" b="0"/>
+      </a:fillRef>
+      <a:effectRef idx="0">
+        <a:scrgbClr r="0" g="0" b="0"/>
+      </a:effectRef>
+      <a:fontRef idx="minor">
+        <a:schemeClr val="lt1"/>
+      </a:fontRef>
+    </dgm:style>
+  </dgm:styleLbl>
+  <dgm:styleLbl name="node2">
+    <dgm:scene3d>
+      <a:camera prst="orthographicFront"/>
+      <a:lightRig rig="threePt" dir="t"/>
+    </dgm:scene3d>
+    <dgm:sp3d/>
+    <dgm:txPr/>
+    <dgm:style>
+      <a:lnRef idx="2">
+        <a:scrgbClr r="0" g="0" b="0"/>
+      </a:lnRef>
+      <a:fillRef idx="1">
+        <a:scrgbClr r="0" g="0" b="0"/>
+      </a:fillRef>
+      <a:effectRef idx="0">
+        <a:scrgbClr r="0" g="0" b="0"/>
+      </a:effectRef>
+      <a:fontRef idx="minor">
+        <a:schemeClr val="lt1"/>
+      </a:fontRef>
+    </dgm:style>
+  </dgm:styleLbl>
+  <dgm:styleLbl name="node3">
+    <dgm:scene3d>
+      <a:camera prst="orthographicFront"/>
+      <a:lightRig rig="threePt" dir="t"/>
+    </dgm:scene3d>
+    <dgm:sp3d/>
+    <dgm:txPr/>
+    <dgm:style>
+      <a:lnRef idx="2">
+        <a:scrgbClr r="0" g="0" b="0"/>
+      </a:lnRef>
+      <a:fillRef idx="1">
+        <a:scrgbClr r="0" g="0" b="0"/>
+      </a:fillRef>
+      <a:effectRef idx="0">
+        <a:scrgbClr r="0" g="0" b="0"/>
+      </a:effectRef>
+      <a:fontRef idx="minor">
+        <a:schemeClr val="lt1"/>
+      </a:fontRef>
+    </dgm:style>
+  </dgm:styleLbl>
+  <dgm:styleLbl name="node4">
+    <dgm:scene3d>
+      <a:camera prst="orthographicFront"/>
+      <a:lightRig rig="threePt" dir="t"/>
+    </dgm:scene3d>
+    <dgm:sp3d/>
+    <dgm:txPr/>
+    <dgm:style>
+      <a:lnRef idx="2">
+        <a:scrgbClr r="0" g="0" b="0"/>
+      </a:lnRef>
+      <a:fillRef idx="1">
+        <a:scrgbClr r="0" g="0" b="0"/>
+      </a:fillRef>
+      <a:effectRef idx="0">
+        <a:scrgbClr r="0" g="0" b="0"/>
+      </a:effectRef>
+      <a:fontRef idx="minor">
+        <a:schemeClr val="lt1"/>
+      </a:fontRef>
+    </dgm:style>
+  </dgm:styleLbl>
+  <dgm:styleLbl name="fgImgPlace1">
+    <dgm:scene3d>
+      <a:camera prst="orthographicFront"/>
+      <a:lightRig rig="threePt" dir="t"/>
+    </dgm:scene3d>
+    <dgm:sp3d/>
+    <dgm:txPr/>
+    <dgm:style>
+      <a:lnRef idx="2">
+        <a:scrgbClr r="0" g="0" b="0"/>
+      </a:lnRef>
+      <a:fillRef idx="1">
+        <a:scrgbClr r="0" g="0" b="0"/>
+      </a:fillRef>
+      <a:effectRef idx="0">
+        <a:scrgbClr r="0" g="0" b="0"/>
+      </a:effectRef>
+      <a:fontRef idx="minor"/>
+    </dgm:style>
+  </dgm:styleLbl>
+  <dgm:styleLbl name="alignImgPlace1">
+    <dgm:scene3d>
+      <a:camera prst="orthographicFront"/>
+      <a:lightRig rig="threePt" dir="t"/>
+    </dgm:scene3d>
+    <dgm:sp3d/>
+    <dgm:txPr/>
+    <dgm:style>
+      <a:lnRef idx="2">
+        <a:scrgbClr r="0" g="0" b="0"/>
+      </a:lnRef>
+      <a:fillRef idx="1">
+        <a:scrgbClr r="0" g="0" b="0"/>
+      </a:fillRef>
+      <a:effectRef idx="0">
+        <a:scrgbClr r="0" g="0" b="0"/>
+      </a:effectRef>
+      <a:fontRef idx="minor"/>
+    </dgm:style>
+  </dgm:styleLbl>
+  <dgm:styleLbl name="bgImgPlace1">
+    <dgm:scene3d>
+      <a:camera prst="orthographicFront"/>
+      <a:lightRig rig="threePt" dir="t"/>
+    </dgm:scene3d>
+    <dgm:sp3d/>
+    <dgm:txPr/>
+    <dgm:style>
+      <a:lnRef idx="2">
+        <a:scrgbClr r="0" g="0" b="0"/>
+      </a:lnRef>
+      <a:fillRef idx="1">
+        <a:scrgbClr r="0" g="0" b="0"/>
+      </a:fillRef>
+      <a:effectRef idx="0">
+        <a:scrgbClr r="0" g="0" b="0"/>
+      </a:effectRef>
+      <a:fontRef idx="minor"/>
+    </dgm:style>
+  </dgm:styleLbl>
+  <dgm:styleLbl name="sibTrans2D1">
+    <dgm:scene3d>
+      <a:camera prst="orthographicFront"/>
+      <a:lightRig rig="threePt" dir="t"/>
+    </dgm:scene3d>
+    <dgm:sp3d/>
+    <dgm:txPr/>
+    <dgm:style>
+      <a:lnRef idx="0">
+        <a:scrgbClr r="0" g="0" b="0"/>
+      </a:lnRef>
+      <a:fillRef idx="1">
+        <a:scrgbClr r="0" g="0" b="0"/>
+      </a:fillRef>
+      <a:effectRef idx="0">
+        <a:scrgbClr r="0" g="0" b="0"/>
+      </a:effectRef>
+      <a:fontRef idx="minor">
+        <a:schemeClr val="lt1"/>
+      </a:fontRef>
+    </dgm:style>
+  </dgm:styleLbl>
+  <dgm:styleLbl name="fgSibTrans2D1">
+    <dgm:scene3d>
+      <a:camera prst="orthographicFront"/>
+      <a:lightRig rig="threePt" dir="t"/>
+    </dgm:scene3d>
+    <dgm:sp3d/>
+    <dgm:txPr/>
+    <dgm:style>
+      <a:lnRef idx="0">
+        <a:scrgbClr r="0" g="0" b="0"/>
+      </a:lnRef>
+      <a:fillRef idx="1">
+        <a:scrgbClr r="0" g="0" b="0"/>
+      </a:fillRef>
+      <a:effectRef idx="0">
+        <a:scrgbClr r="0" g="0" b="0"/>
+      </a:effectRef>
+      <a:fontRef idx="minor">
+        <a:schemeClr val="lt1"/>
+      </a:fontRef>
+    </dgm:style>
+  </dgm:styleLbl>
+  <dgm:styleLbl name="bgSibTrans2D1">
+    <dgm:scene3d>
+      <a:camera prst="orthographicFront"/>
+      <a:lightRig rig="threePt" dir="t"/>
+    </dgm:scene3d>
+    <dgm:sp3d/>
+    <dgm:txPr/>
+    <dgm:style>
+      <a:lnRef idx="0">
+        <a:scrgbClr r="0" g="0" b="0"/>
+      </a:lnRef>
+      <a:fillRef idx="1">
+        <a:scrgbClr r="0" g="0" b="0"/>
+      </a:fillRef>
+      <a:effectRef idx="0">
+        <a:scrgbClr r="0" g="0" b="0"/>
+      </a:effectRef>
+      <a:fontRef idx="minor">
+        <a:schemeClr val="lt1"/>
+      </a:fontRef>
+    </dgm:style>
+  </dgm:styleLbl>
+  <dgm:styleLbl name="sibTrans1D1">
+    <dgm:scene3d>
+      <a:camera prst="orthographicFront"/>
+      <a:lightRig rig="threePt" dir="t"/>
+    </dgm:scene3d>
+    <dgm:sp3d/>
+    <dgm:txPr/>
+    <dgm:style>
+      <a:lnRef idx="1">
+        <a:scrgbClr r="0" g="0" b="0"/>
+      </a:lnRef>
+      <a:fillRef idx="0">
+        <a:scrgbClr r="0" g="0" b="0"/>
+      </a:fillRef>
+      <a:effectRef idx="0">
+        <a:scrgbClr r="0" g="0" b="0"/>
+      </a:effectRef>
+      <a:fontRef idx="minor"/>
+    </dgm:style>
+  </dgm:styleLbl>
+  <dgm:styleLbl name="callout">
+    <dgm:scene3d>
+      <a:camera prst="orthographicFront"/>
+      <a:lightRig rig="threePt" dir="t"/>
+    </dgm:scene3d>
+    <dgm:sp3d/>
+    <dgm:txPr/>
+    <dgm:style>
+      <a:lnRef idx="2">
+        <a:scrgbClr r="0" g="0" b="0"/>
+      </a:lnRef>
+      <a:fillRef idx="1">
+        <a:scrgbClr r="0" g="0" b="0"/>
+      </a:fillRef>
+      <a:effectRef idx="0">
+        <a:scrgbClr r="0" g="0" b="0"/>
+      </a:effectRef>
+      <a:fontRef idx="minor"/>
+    </dgm:style>
+  </dgm:styleLbl>
+  <dgm:styleLbl name="asst0">
+    <dgm:scene3d>
+      <a:camera prst="orthographicFront"/>
+      <a:lightRig rig="threePt" dir="t"/>
+    </dgm:scene3d>
+    <dgm:sp3d/>
+    <dgm:txPr/>
+    <dgm:style>
+      <a:lnRef idx="2">
+        <a:scrgbClr r="0" g="0" b="0"/>
+      </a:lnRef>
+      <a:fillRef idx="1">
+        <a:scrgbClr r="0" g="0" b="0"/>
+      </a:fillRef>
+      <a:effectRef idx="0">
+        <a:scrgbClr r="0" g="0" b="0"/>
+      </a:effectRef>
+      <a:fontRef idx="minor">
+        <a:schemeClr val="lt1"/>
+      </a:fontRef>
+    </dgm:style>
+  </dgm:styleLbl>
+  <dgm:styleLbl name="asst1">
+    <dgm:scene3d>
+      <a:camera prst="orthographicFront"/>
+      <a:lightRig rig="threePt" dir="t"/>
+    </dgm:scene3d>
+    <dgm:sp3d/>
+    <dgm:txPr/>
+    <dgm:style>
+      <a:lnRef idx="2">
+        <a:scrgbClr r="0" g="0" b="0"/>
+      </a:lnRef>
+      <a:fillRef idx="1">
+        <a:scrgbClr r="0" g="0" b="0"/>
+      </a:fillRef>
+      <a:effectRef idx="0">
+        <a:scrgbClr r="0" g="0" b="0"/>
+      </a:effectRef>
+      <a:fontRef idx="minor">
+        <a:schemeClr val="lt1"/>
+      </a:fontRef>
+    </dgm:style>
+  </dgm:styleLbl>
+  <dgm:styleLbl name="asst2">
+    <dgm:scene3d>
+      <a:camera prst="orthographicFront"/>
+      <a:lightRig rig="threePt" dir="t"/>
+    </dgm:scene3d>
+    <dgm:sp3d/>
+    <dgm:txPr/>
+    <dgm:style>
+      <a:lnRef idx="2">
+        <a:scrgbClr r="0" g="0" b="0"/>
+      </a:lnRef>
+      <a:fillRef idx="1">
+        <a:scrgbClr r="0" g="0" b="0"/>
+      </a:fillRef>
+      <a:effectRef idx="0">
+        <a:scrgbClr r="0" g="0" b="0"/>
+      </a:effectRef>
+      <a:fontRef idx="minor">
+        <a:schemeClr val="lt1"/>
+      </a:fontRef>
+    </dgm:style>
+  </dgm:styleLbl>
+  <dgm:styleLbl name="asst3">
+    <dgm:scene3d>
+      <a:camera prst="orthographicFront"/>
+      <a:lightRig rig="threePt" dir="t"/>
+    </dgm:scene3d>
+    <dgm:sp3d/>
+    <dgm:txPr/>
+    <dgm:style>
+      <a:lnRef idx="2">
+        <a:scrgbClr r="0" g="0" b="0"/>
+      </a:lnRef>
+      <a:fillRef idx="1">
+        <a:scrgbClr r="0" g="0" b="0"/>
+      </a:fillRef>
+      <a:effectRef idx="0">
+        <a:scrgbClr r="0" g="0" b="0"/>
+      </a:effectRef>
+      <a:fontRef idx="minor">
+        <a:schemeClr val="lt1"/>
+      </a:fontRef>
+    </dgm:style>
+  </dgm:styleLbl>
+  <dgm:styleLbl name="asst4">
+    <dgm:scene3d>
+      <a:camera prst="orthographicFront"/>
+      <a:lightRig rig="threePt" dir="t"/>
+    </dgm:scene3d>
+    <dgm:sp3d/>
+    <dgm:txPr/>
+    <dgm:style>
+      <a:lnRef idx="2">
+        <a:scrgbClr r="0" g="0" b="0"/>
+      </a:lnRef>
+      <a:fillRef idx="1">
+        <a:scrgbClr r="0" g="0" b="0"/>
+      </a:fillRef>
+      <a:effectRef idx="0">
+        <a:scrgbClr r="0" g="0" b="0"/>
+      </a:effectRef>
+      <a:fontRef idx="minor">
+        <a:schemeClr val="lt1"/>
+      </a:fontRef>
+    </dgm:style>
+  </dgm:styleLbl>
+  <dgm:styleLbl name="parChTrans2D1">
+    <dgm:scene3d>
+      <a:camera prst="orthographicFront"/>
+      <a:lightRig rig="threePt" dir="t"/>
+    </dgm:scene3d>
+    <dgm:sp3d/>
+    <dgm:txPr/>
+    <dgm:style>
+      <a:lnRef idx="2">
+        <a:scrgbClr r="0" g="0" b="0"/>
+      </a:lnRef>
+      <a:fillRef idx="1">
+        <a:scrgbClr r="0" g="0" b="0"/>
+      </a:fillRef>
+      <a:effectRef idx="0">
+        <a:scrgbClr r="0" g="0" b="0"/>
+      </a:effectRef>
+      <a:fontRef idx="minor">
+        <a:schemeClr val="lt1"/>
+      </a:fontRef>
+    </dgm:style>
+  </dgm:styleLbl>
+  <dgm:styleLbl name="parChTrans2D2">
+    <dgm:scene3d>
+      <a:camera prst="orthographicFront"/>
+      <a:lightRig rig="threePt" dir="t"/>
+    </dgm:scene3d>
+    <dgm:sp3d/>
+    <dgm:txPr/>
+    <dgm:style>
+      <a:lnRef idx="2">
+        <a:scrgbClr r="0" g="0" b="0"/>
+      </a:lnRef>
+      <a:fillRef idx="1">
+        <a:scrgbClr r="0" g="0" b="0"/>
+      </a:fillRef>
+      <a:effectRef idx="0">
+        <a:scrgbClr r="0" g="0" b="0"/>
+      </a:effectRef>
+      <a:fontRef idx="minor">
+        <a:schemeClr val="lt1"/>
+      </a:fontRef>
+    </dgm:style>
+  </dgm:styleLbl>
+  <dgm:styleLbl name="parChTrans2D3">
+    <dgm:scene3d>
+      <a:camera prst="orthographicFront"/>
+      <a:lightRig rig="threePt" dir="t"/>
+    </dgm:scene3d>
+    <dgm:sp3d/>
+    <dgm:txPr/>
+    <dgm:style>
+      <a:lnRef idx="2">
+        <a:scrgbClr r="0" g="0" b="0"/>
+      </a:lnRef>
+      <a:fillRef idx="1">
+        <a:scrgbClr r="0" g="0" b="0"/>
+      </a:fillRef>
+      <a:effectRef idx="0">
+        <a:scrgbClr r="0" g="0" b="0"/>
+      </a:effectRef>
+      <a:fontRef idx="minor">
+        <a:schemeClr val="lt1"/>
+      </a:fontRef>
+    </dgm:style>
+  </dgm:styleLbl>
+  <dgm:styleLbl name="parChTrans2D4">
+    <dgm:scene3d>
+      <a:camera prst="orthographicFront"/>
+      <a:lightRig rig="threePt" dir="t"/>
+    </dgm:scene3d>
+    <dgm:sp3d/>
+    <dgm:txPr/>
+    <dgm:style>
+      <a:lnRef idx="2">
+        <a:scrgbClr r="0" g="0" b="0"/>
+      </a:lnRef>
+      <a:fillRef idx="1">
+        <a:scrgbClr r="0" g="0" b="0"/>
+      </a:fillRef>
+      <a:effectRef idx="0">
+        <a:scrgbClr r="0" g="0" b="0"/>
+      </a:effectRef>
+      <a:fontRef idx="minor">
+        <a:schemeClr val="lt1"/>
+      </a:fontRef>
+    </dgm:style>
+  </dgm:styleLbl>
+  <dgm:styleLbl name="parChTrans1D1">
+    <dgm:scene3d>
+      <a:camera prst="orthographicFront"/>
+      <a:lightRig rig="threePt" dir="t"/>
+    </dgm:scene3d>
+    <dgm:sp3d/>
+    <dgm:txPr/>
+    <dgm:style>
+      <a:lnRef idx="2">
+        <a:scrgbClr r="0" g="0" b="0"/>
+      </a:lnRef>
+      <a:fillRef idx="0">
+        <a:scrgbClr r="0" g="0" b="0"/>
+      </a:fillRef>
+      <a:effectRef idx="0">
+        <a:scrgbClr r="0" g="0" b="0"/>
+      </a:effectRef>
+      <a:fontRef idx="minor"/>
+    </dgm:style>
+  </dgm:styleLbl>
+  <dgm:styleLbl name="parChTrans1D2">
+    <dgm:scene3d>
+      <a:camera prst="orthographicFront"/>
+      <a:lightRig rig="threePt" dir="t"/>
+    </dgm:scene3d>
+    <dgm:sp3d/>
+    <dgm:txPr/>
+    <dgm:style>
+      <a:lnRef idx="2">
+        <a:scrgbClr r="0" g="0" b="0"/>
+      </a:lnRef>
+      <a:fillRef idx="0">
+        <a:scrgbClr r="0" g="0" b="0"/>
+      </a:fillRef>
+      <a:effectRef idx="0">
+        <a:scrgbClr r="0" g="0" b="0"/>
+      </a:effectRef>
+      <a:fontRef idx="minor"/>
+    </dgm:style>
+  </dgm:styleLbl>
+  <dgm:styleLbl name="parChTrans1D3">
+    <dgm:scene3d>
+      <a:camera prst="orthographicFront"/>
+      <a:lightRig rig="threePt" dir="t"/>
+    </dgm:scene3d>
+    <dgm:sp3d/>
+    <dgm:txPr/>
+    <dgm:style>
+      <a:lnRef idx="2">
+        <a:scrgbClr r="0" g="0" b="0"/>
+      </a:lnRef>
+      <a:fillRef idx="0">
+        <a:scrgbClr r="0" g="0" b="0"/>
+      </a:fillRef>
+      <a:effectRef idx="0">
+        <a:scrgbClr r="0" g="0" b="0"/>
+      </a:effectRef>
+      <a:fontRef idx="minor"/>
+    </dgm:style>
+  </dgm:styleLbl>
+  <dgm:styleLbl name="parChTrans1D4">
+    <dgm:scene3d>
+      <a:camera prst="orthographicFront"/>
+      <a:lightRig rig="threePt" dir="t"/>
+    </dgm:scene3d>
+    <dgm:sp3d/>
+    <dgm:txPr/>
+    <dgm:style>
+      <a:lnRef idx="2">
+        <a:scrgbClr r="0" g="0" b="0"/>
+      </a:lnRef>
+      <a:fillRef idx="0">
+        <a:scrgbClr r="0" g="0" b="0"/>
+      </a:fillRef>
+      <a:effectRef idx="0">
+        <a:scrgbClr r="0" g="0" b="0"/>
+      </a:effectRef>
+      <a:fontRef idx="minor"/>
+    </dgm:style>
+  </dgm:styleLbl>
+  <dgm:styleLbl name="fgAcc1">
+    <dgm:scene3d>
+      <a:camera prst="orthographicFront"/>
+      <a:lightRig rig="threePt" dir="t"/>
+    </dgm:scene3d>
+    <dgm:sp3d/>
+    <dgm:txPr/>
+    <dgm:style>
+      <a:lnRef idx="2">
+        <a:scrgbClr r="0" g="0" b="0"/>
+      </a:lnRef>
+      <a:fillRef idx="1">
+        <a:scrgbClr r="0" g="0" b="0"/>
+      </a:fillRef>
+      <a:effectRef idx="0">
+        <a:scrgbClr r="0" g="0" b="0"/>
+      </a:effectRef>
+      <a:fontRef idx="minor"/>
+    </dgm:style>
+  </dgm:styleLbl>
+  <dgm:styleLbl name="conFgAcc1">
+    <dgm:scene3d>
+      <a:camera prst="orthographicFront"/>
+      <a:lightRig rig="threePt" dir="t"/>
+    </dgm:scene3d>
+    <dgm:sp3d/>
+    <dgm:txPr/>
+    <dgm:style>
+      <a:lnRef idx="2">
+        <a:scrgbClr r="0" g="0" b="0"/>
+      </a:lnRef>
+      <a:fillRef idx="1">
+        <a:scrgbClr r="0" g="0" b="0"/>
+      </a:fillRef>
+      <a:effectRef idx="0">
+        <a:scrgbClr r="0" g="0" b="0"/>
+      </a:effectRef>
+      <a:fontRef idx="minor"/>
+    </dgm:style>
+  </dgm:styleLbl>
+  <dgm:styleLbl name="alignAcc1">
+    <dgm:scene3d>
+      <a:camera prst="orthographicFront"/>
+      <a:lightRig rig="threePt" dir="t"/>
+    </dgm:scene3d>
+    <dgm:sp3d/>
+    <dgm:txPr/>
+    <dgm:style>
+      <a:lnRef idx="2">
+        <a:scrgbClr r="0" g="0" b="0"/>
+      </a:lnRef>
+      <a:fillRef idx="1">
+        <a:scrgbClr r="0" g="0" b="0"/>
+      </a:fillRef>
+      <a:effectRef idx="0">
+        <a:scrgbClr r="0" g="0" b="0"/>
+      </a:effectRef>
+      <a:fontRef idx="minor"/>
+    </dgm:style>
+  </dgm:styleLbl>
+  <dgm:styleLbl name="trAlignAcc1">
+    <dgm:scene3d>
+      <a:camera prst="orthographicFront"/>
+      <a:lightRig rig="threePt" dir="t"/>
+    </dgm:scene3d>
+    <dgm:sp3d/>
+    <dgm:txPr/>
+    <dgm:style>
+      <a:lnRef idx="1">
+        <a:scrgbClr r="0" g="0" b="0"/>
+      </a:lnRef>
+      <a:fillRef idx="1">
+        <a:scrgbClr r="0" g="0" b="0"/>
+      </a:fillRef>
+      <a:effectRef idx="0">
+        <a:scrgbClr r="0" g="0" b="0"/>
+      </a:effectRef>
+      <a:fontRef idx="minor"/>
+    </dgm:style>
+  </dgm:styleLbl>
+  <dgm:styleLbl name="bgAcc1">
+    <dgm:scene3d>
+      <a:camera prst="orthographicFront"/>
+      <a:lightRig rig="threePt" dir="t"/>
+    </dgm:scene3d>
+    <dgm:sp3d/>
+    <dgm:txPr/>
+    <dgm:style>
+      <a:lnRef idx="2">
+        <a:scrgbClr r="0" g="0" b="0"/>
+      </a:lnRef>
+      <a:fillRef idx="1">
+        <a:scrgbClr r="0" g="0" b="0"/>
+      </a:fillRef>
+      <a:effectRef idx="0">
+        <a:scrgbClr r="0" g="0" b="0"/>
+      </a:effectRef>
+      <a:fontRef idx="minor"/>
+    </dgm:style>
+  </dgm:styleLbl>
+  <dgm:styleLbl name="solidFgAcc1">
+    <dgm:scene3d>
+      <a:camera prst="orthographicFront"/>
+      <a:lightRig rig="threePt" dir="t"/>
+    </dgm:scene3d>
+    <dgm:sp3d/>
+    <dgm:txPr/>
+    <dgm:style>
+      <a:lnRef idx="2">
+        <a:scrgbClr r="0" g="0" b="0"/>
+      </a:lnRef>
+      <a:fillRef idx="1">
+        <a:scrgbClr r="0" g="0" b="0"/>
+      </a:fillRef>
+      <a:effectRef idx="0">
+        <a:scrgbClr r="0" g="0" b="0"/>
+      </a:effectRef>
+      <a:fontRef idx="minor"/>
+    </dgm:style>
+  </dgm:styleLbl>
+  <dgm:styleLbl name="solidAlignAcc1">
+    <dgm:scene3d>
+      <a:camera prst="orthographicFront"/>
+      <a:lightRig rig="threePt" dir="t"/>
+    </dgm:scene3d>
+    <dgm:sp3d/>
+    <dgm:txPr/>
+    <dgm:style>
+      <a:lnRef idx="2">
+        <a:scrgbClr r="0" g="0" b="0"/>
+      </a:lnRef>
+      <a:fillRef idx="1">
+        <a:scrgbClr r="0" g="0" b="0"/>
+      </a:fillRef>
+      <a:effectRef idx="0">
+        <a:scrgbClr r="0" g="0" b="0"/>
+      </a:effectRef>
+      <a:fontRef idx="minor"/>
+    </dgm:style>
+  </dgm:styleLbl>
+  <dgm:styleLbl name="solidBgAcc1">
+    <dgm:scene3d>
+      <a:camera prst="orthographicFront"/>
+      <a:lightRig rig="threePt" dir="t"/>
+    </dgm:scene3d>
+    <dgm:sp3d/>
+    <dgm:txPr/>
+    <dgm:style>
+      <a:lnRef idx="2">
+        <a:scrgbClr r="0" g="0" b="0"/>
+      </a:lnRef>
+      <a:fillRef idx="1">
+        <a:scrgbClr r="0" g="0" b="0"/>
+      </a:fillRef>
+      <a:effectRef idx="0">
+        <a:scrgbClr r="0" g="0" b="0"/>
+      </a:effectRef>
+      <a:fontRef idx="minor"/>
+    </dgm:style>
+  </dgm:styleLbl>
+  <dgm:styleLbl name="fgAccFollowNode1">
+    <dgm:scene3d>
+      <a:camera prst="orthographicFront"/>
+      <a:lightRig rig="threePt" dir="t"/>
+    </dgm:scene3d>
+    <dgm:sp3d/>
+    <dgm:txPr/>
+    <dgm:style>
+      <a:lnRef idx="2">
+        <a:scrgbClr r="0" g="0" b="0"/>
+      </a:lnRef>
+      <a:fillRef idx="1">
+        <a:scrgbClr r="0" g="0" b="0"/>
+      </a:fillRef>
+      <a:effectRef idx="0">
+        <a:scrgbClr r="0" g="0" b="0"/>
+      </a:effectRef>
+      <a:fontRef idx="minor"/>
+    </dgm:style>
+  </dgm:styleLbl>
+  <dgm:styleLbl name="alignAccFollowNode1">
+    <dgm:scene3d>
+      <a:camera prst="orthographicFront"/>
+      <a:lightRig rig="threePt" dir="t"/>
+    </dgm:scene3d>
+    <dgm:sp3d/>
+    <dgm:txPr/>
+    <dgm:style>
+      <a:lnRef idx="2">
+        <a:scrgbClr r="0" g="0" b="0"/>
+      </a:lnRef>
+      <a:fillRef idx="1">
+        <a:scrgbClr r="0" g="0" b="0"/>
+      </a:fillRef>
+      <a:effectRef idx="0">
+        <a:scrgbClr r="0" g="0" b="0"/>
+      </a:effectRef>
+      <a:fontRef idx="minor"/>
+    </dgm:style>
+  </dgm:styleLbl>
+  <dgm:styleLbl name="bgAccFollowNode1">
+    <dgm:scene3d>
+      <a:camera prst="orthographicFront"/>
+      <a:lightRig rig="threePt" dir="t"/>
+    </dgm:scene3d>
+    <dgm:sp3d/>
+    <dgm:txPr/>
+    <dgm:style>
+      <a:lnRef idx="2">
+        <a:scrgbClr r="0" g="0" b="0"/>
+      </a:lnRef>
+      <a:fillRef idx="1">
+        <a:scrgbClr r="0" g="0" b="0"/>
+      </a:fillRef>
+      <a:effectRef idx="0">
+        <a:scrgbClr r="0" g="0" b="0"/>
+      </a:effectRef>
+      <a:fontRef idx="minor"/>
+    </dgm:style>
+  </dgm:styleLbl>
+  <dgm:styleLbl name="fgAcc0">
+    <dgm:scene3d>
+      <a:camera prst="orthographicFront"/>
+      <a:lightRig rig="threePt" dir="t"/>
+    </dgm:scene3d>
+    <dgm:sp3d/>
+    <dgm:txPr/>
+    <dgm:style>
+      <a:lnRef idx="2">
+        <a:scrgbClr r="0" g="0" b="0"/>
+      </a:lnRef>
+      <a:fillRef idx="1">
+        <a:scrgbClr r="0" g="0" b="0"/>
+      </a:fillRef>
+      <a:effectRef idx="0">
+        <a:scrgbClr r="0" g="0" b="0"/>
+      </a:effectRef>
+      <a:fontRef idx="minor"/>
+    </dgm:style>
+  </dgm:styleLbl>
+  <dgm:styleLbl name="fgAcc2">
+    <dgm:scene3d>
+      <a:camera prst="orthographicFront"/>
+      <a:lightRig rig="threePt" dir="t"/>
+    </dgm:scene3d>
+    <dgm:sp3d/>
+    <dgm:txPr/>
+    <dgm:style>
+      <a:lnRef idx="2">
+        <a:scrgbClr r="0" g="0" b="0"/>
+      </a:lnRef>
+      <a:fillRef idx="1">
+        <a:scrgbClr r="0" g="0" b="0"/>
+      </a:fillRef>
+      <a:effectRef idx="0">
+        <a:scrgbClr r="0" g="0" b="0"/>
+      </a:effectRef>
+      <a:fontRef idx="minor"/>
+    </dgm:style>
+  </dgm:styleLbl>
+  <dgm:styleLbl name="fgAcc3">
+    <dgm:scene3d>
+      <a:camera prst="orthographicFront"/>
+      <a:lightRig rig="threePt" dir="t"/>
+    </dgm:scene3d>
+    <dgm:sp3d/>
+    <dgm:txPr/>
+    <dgm:style>
+      <a:lnRef idx="2">
+        <a:scrgbClr r="0" g="0" b="0"/>
+      </a:lnRef>
+      <a:fillRef idx="1">
+        <a:scrgbClr r="0" g="0" b="0"/>
+      </a:fillRef>
+      <a:effectRef idx="0">
+        <a:scrgbClr r="0" g="0" b="0"/>
+      </a:effectRef>
+      <a:fontRef idx="minor"/>
+    </dgm:style>
+  </dgm:styleLbl>
+  <dgm:styleLbl name="fgAcc4">
+    <dgm:scene3d>
+      <a:camera prst="orthographicFront"/>
+      <a:lightRig rig="threePt" dir="t"/>
+    </dgm:scene3d>
+    <dgm:sp3d/>
+    <dgm:txPr/>
+    <dgm:style>
+      <a:lnRef idx="2">
+        <a:scrgbClr r="0" g="0" b="0"/>
+      </a:lnRef>
+      <a:fillRef idx="1">
+        <a:scrgbClr r="0" g="0" b="0"/>
+      </a:fillRef>
+      <a:effectRef idx="0">
+        <a:scrgbClr r="0" g="0" b="0"/>
+      </a:effectRef>
+      <a:fontRef idx="minor"/>
+    </dgm:style>
+  </dgm:styleLbl>
+  <dgm:styleLbl name="bgShp">
+    <dgm:scene3d>
+      <a:camera prst="orthographicFront"/>
+      <a:lightRig rig="threePt" dir="t"/>
+    </dgm:scene3d>
+    <dgm:sp3d/>
+    <dgm:txPr/>
+    <dgm:style>
+      <a:lnRef idx="0">
+        <a:scrgbClr r="0" g="0" b="0"/>
+      </a:lnRef>
+      <a:fillRef idx="1">
+        <a:scrgbClr r="0" g="0" b="0"/>
+      </a:fillRef>
+      <a:effectRef idx="0">
+        <a:scrgbClr r="0" g="0" b="0"/>
+      </a:effectRef>
+      <a:fontRef idx="minor"/>
+    </dgm:style>
+  </dgm:styleLbl>
+  <dgm:styleLbl name="dkBgShp">
+    <dgm:scene3d>
+      <a:camera prst="orthographicFront"/>
+      <a:lightRig rig="threePt" dir="t"/>
+    </dgm:scene3d>
+    <dgm:sp3d/>
+    <dgm:txPr/>
+    <dgm:style>
+      <a:lnRef idx="0">
+        <a:scrgbClr r="0" g="0" b="0"/>
+      </a:lnRef>
+      <a:fillRef idx="1">
+        <a:scrgbClr r="0" g="0" b="0"/>
+      </a:fillRef>
+      <a:effectRef idx="0">
+        <a:scrgbClr r="0" g="0" b="0"/>
+      </a:effectRef>
+      <a:fontRef idx="minor"/>
+    </dgm:style>
+  </dgm:styleLbl>
+  <dgm:styleLbl name="trBgShp">
+    <dgm:scene3d>
+      <a:camera prst="orthographicFront"/>
+      <a:lightRig rig="threePt" dir="t"/>
+    </dgm:scene3d>
+    <dgm:sp3d/>
+    <dgm:txPr/>
+    <dgm:style>
+      <a:lnRef idx="0">
+        <a:scrgbClr r="0" g="0" b="0"/>
+      </a:lnRef>
+      <a:fillRef idx="1">
+        <a:scrgbClr r="0" g="0" b="0"/>
+      </a:fillRef>
+      <a:effectRef idx="0">
+        <a:scrgbClr r="0" g="0" b="0"/>
+      </a:effectRef>
+      <a:fontRef idx="minor"/>
+    </dgm:style>
+  </dgm:styleLbl>
+  <dgm:styleLbl name="fgShp">
+    <dgm:scene3d>
+      <a:camera prst="orthographicFront"/>
+      <a:lightRig rig="threePt" dir="t"/>
+    </dgm:scene3d>
+    <dgm:sp3d/>
+    <dgm:txPr/>
+    <dgm:style>
+      <a:lnRef idx="2">
+        <a:scrgbClr r="0" g="0" b="0"/>
+      </a:lnRef>
+      <a:fillRef idx="1">
+        <a:scrgbClr r="0" g="0" b="0"/>
+      </a:fillRef>
+      <a:effectRef idx="0">
+        <a:scrgbClr r="0" g="0" b="0"/>
+      </a:effectRef>
+      <a:fontRef idx="minor"/>
+    </dgm:style>
+  </dgm:styleLbl>
+  <dgm:styleLbl name="revTx">
+    <dgm:scene3d>
+      <a:camera prst="orthographicFront"/>
+      <a:lightRig rig="threePt" dir="t"/>
+    </dgm:scene3d>
+    <dgm:sp3d/>
+    <dgm:txPr/>
+    <dgm:style>
+      <a:lnRef idx="0">
+        <a:scrgbClr r="0" g="0" b="0"/>
+      </a:lnRef>
+      <a:fillRef idx="0">
+        <a:scrgbClr r="0" g="0" b="0"/>
+      </a:fillRef>
+      <a:effectRef idx="0">
+        <a:scrgbClr r="0" g="0" b="0"/>
+      </a:effectRef>
+      <a:fontRef idx="minor"/>
+    </dgm:style>
+  </dgm:styleLbl>
+</dgm:styleDef>
+</file>
+
+<file path=ppt/diagrams/quickStyle2.xml><?xml version="1.0" encoding="utf-8"?>
+<dgm:styleDef xmlns:dgm="http://schemas.openxmlformats.org/drawingml/2006/diagram" xmlns:a="http://schemas.openxmlformats.org/drawingml/2006/main" uniqueId="urn:microsoft.com/office/officeart/2005/8/quickstyle/simple1">
+  <dgm:title val=""/>
+  <dgm:desc val=""/>
+  <dgm:catLst>
+    <dgm:cat type="simple" pri="10100"/>
+  </dgm:catLst>
+  <dgm:scene3d>
+    <a:camera prst="orthographicFront"/>
+    <a:lightRig rig="threePt" dir="t"/>
+  </dgm:scene3d>
+  <dgm:styleLbl name="node0">
+    <dgm:scene3d>
+      <a:camera prst="orthographicFront"/>
+      <a:lightRig rig="threePt" dir="t"/>
+    </dgm:scene3d>
+    <dgm:sp3d/>
+    <dgm:txPr/>
+    <dgm:style>
+      <a:lnRef idx="2">
+        <a:scrgbClr r="0" g="0" b="0"/>
+      </a:lnRef>
+      <a:fillRef idx="1">
+        <a:scrgbClr r="0" g="0" b="0"/>
+      </a:fillRef>
+      <a:effectRef idx="0">
+        <a:scrgbClr r="0" g="0" b="0"/>
+      </a:effectRef>
+      <a:fontRef idx="minor">
+        <a:schemeClr val="lt1"/>
+      </a:fontRef>
+    </dgm:style>
+  </dgm:styleLbl>
+  <dgm:styleLbl name="lnNode1">
+    <dgm:scene3d>
+      <a:camera prst="orthographicFront"/>
+      <a:lightRig rig="threePt" dir="t"/>
+    </dgm:scene3d>
+    <dgm:sp3d/>
+    <dgm:txPr/>
+    <dgm:style>
+      <a:lnRef idx="2">
+        <a:scrgbClr r="0" g="0" b="0"/>
+      </a:lnRef>
+      <a:fillRef idx="1">
+        <a:scrgbClr r="0" g="0" b="0"/>
+      </a:fillRef>
+      <a:effectRef idx="0">
+        <a:scrgbClr r="0" g="0" b="0"/>
+      </a:effectRef>
+      <a:fontRef idx="minor">
+        <a:schemeClr val="lt1"/>
+      </a:fontRef>
+    </dgm:style>
+  </dgm:styleLbl>
+  <dgm:styleLbl name="vennNode1">
+    <dgm:scene3d>
+      <a:camera prst="orthographicFront"/>
+      <a:lightRig rig="threePt" dir="t"/>
+    </dgm:scene3d>
+    <dgm:sp3d/>
+    <dgm:txPr/>
+    <dgm:style>
+      <a:lnRef idx="2">
+        <a:scrgbClr r="0" g="0" b="0"/>
+      </a:lnRef>
+      <a:fillRef idx="1">
+        <a:scrgbClr r="0" g="0" b="0"/>
+      </a:fillRef>
+      <a:effectRef idx="0">
+        <a:scrgbClr r="0" g="0" b="0"/>
+      </a:effectRef>
+      <a:fontRef idx="minor">
+        <a:schemeClr val="tx1"/>
+      </a:fontRef>
+    </dgm:style>
+  </dgm:styleLbl>
+  <dgm:styleLbl name="alignNode1">
+    <dgm:scene3d>
+      <a:camera prst="orthographicFront"/>
+      <a:lightRig rig="threePt" dir="t"/>
+    </dgm:scene3d>
+    <dgm:sp3d/>
+    <dgm:txPr/>
+    <dgm:style>
+      <a:lnRef idx="2">
+        <a:scrgbClr r="0" g="0" b="0"/>
+      </a:lnRef>
+      <a:fillRef idx="1">
+        <a:scrgbClr r="0" g="0" b="0"/>
+      </a:fillRef>
+      <a:effectRef idx="0">
+        <a:scrgbClr r="0" g="0" b="0"/>
+      </a:effectRef>
+      <a:fontRef idx="minor">
+        <a:schemeClr val="lt1"/>
+      </a:fontRef>
+    </dgm:style>
+  </dgm:styleLbl>
+  <dgm:styleLbl name="node1">
+    <dgm:scene3d>
+      <a:camera prst="orthographicFront"/>
+      <a:lightRig rig="threePt" dir="t"/>
+    </dgm:scene3d>
+    <dgm:sp3d/>
+    <dgm:txPr/>
+    <dgm:style>
+      <a:lnRef idx="2">
+        <a:scrgbClr r="0" g="0" b="0"/>
+      </a:lnRef>
+      <a:fillRef idx="1">
+        <a:scrgbClr r="0" g="0" b="0"/>
+      </a:fillRef>
+      <a:effectRef idx="0">
+        <a:scrgbClr r="0" g="0" b="0"/>
+      </a:effectRef>
+      <a:fontRef idx="minor">
+        <a:schemeClr val="lt1"/>
+      </a:fontRef>
+    </dgm:style>
+  </dgm:styleLbl>
+  <dgm:styleLbl name="node2">
+    <dgm:scene3d>
+      <a:camera prst="orthographicFront"/>
+      <a:lightRig rig="threePt" dir="t"/>
+    </dgm:scene3d>
+    <dgm:sp3d/>
+    <dgm:txPr/>
+    <dgm:style>
+      <a:lnRef idx="2">
+        <a:scrgbClr r="0" g="0" b="0"/>
+      </a:lnRef>
+      <a:fillRef idx="1">
+        <a:scrgbClr r="0" g="0" b="0"/>
+      </a:fillRef>
+      <a:effectRef idx="0">
+        <a:scrgbClr r="0" g="0" b="0"/>
+      </a:effectRef>
+      <a:fontRef idx="minor">
+        <a:schemeClr val="lt1"/>
+      </a:fontRef>
+    </dgm:style>
+  </dgm:styleLbl>
+  <dgm:styleLbl name="node3">
+    <dgm:scene3d>
+      <a:camera prst="orthographicFront"/>
+      <a:lightRig rig="threePt" dir="t"/>
+    </dgm:scene3d>
+    <dgm:sp3d/>
+    <dgm:txPr/>
+    <dgm:style>
+      <a:lnRef idx="2">
+        <a:scrgbClr r="0" g="0" b="0"/>
+      </a:lnRef>
+      <a:fillRef idx="1">
+        <a:scrgbClr r="0" g="0" b="0"/>
+      </a:fillRef>
+      <a:effectRef idx="0">
+        <a:scrgbClr r="0" g="0" b="0"/>
+      </a:effectRef>
+      <a:fontRef idx="minor">
+        <a:schemeClr val="lt1"/>
+      </a:fontRef>
+    </dgm:style>
+  </dgm:styleLbl>
+  <dgm:styleLbl name="node4">
+    <dgm:scene3d>
+      <a:camera prst="orthographicFront"/>
+      <a:lightRig rig="threePt" dir="t"/>
+    </dgm:scene3d>
+    <dgm:sp3d/>
+    <dgm:txPr/>
+    <dgm:style>
+      <a:lnRef idx="2">
+        <a:scrgbClr r="0" g="0" b="0"/>
+      </a:lnRef>
+      <a:fillRef idx="1">
+        <a:scrgbClr r="0" g="0" b="0"/>
+      </a:fillRef>
+      <a:effectRef idx="0">
+        <a:scrgbClr r="0" g="0" b="0"/>
+      </a:effectRef>
+      <a:fontRef idx="minor">
+        <a:schemeClr val="lt1"/>
+      </a:fontRef>
+    </dgm:style>
+  </dgm:styleLbl>
+  <dgm:styleLbl name="fgImgPlace1">
+    <dgm:scene3d>
+      <a:camera prst="orthographicFront"/>
+      <a:lightRig rig="threePt" dir="t"/>
+    </dgm:scene3d>
+    <dgm:sp3d/>
+    <dgm:txPr/>
+    <dgm:style>
+      <a:lnRef idx="2">
+        <a:scrgbClr r="0" g="0" b="0"/>
+      </a:lnRef>
+      <a:fillRef idx="1">
+        <a:scrgbClr r="0" g="0" b="0"/>
+      </a:fillRef>
+      <a:effectRef idx="0">
+        <a:scrgbClr r="0" g="0" b="0"/>
+      </a:effectRef>
+      <a:fontRef idx="minor"/>
+    </dgm:style>
+  </dgm:styleLbl>
+  <dgm:styleLbl name="alignImgPlace1">
+    <dgm:scene3d>
+      <a:camera prst="orthographicFront"/>
+      <a:lightRig rig="threePt" dir="t"/>
+    </dgm:scene3d>
+    <dgm:sp3d/>
+    <dgm:txPr/>
+    <dgm:style>
+      <a:lnRef idx="2">
+        <a:scrgbClr r="0" g="0" b="0"/>
+      </a:lnRef>
+      <a:fillRef idx="1">
+        <a:scrgbClr r="0" g="0" b="0"/>
+      </a:fillRef>
+      <a:effectRef idx="0">
+        <a:scrgbClr r="0" g="0" b="0"/>
+      </a:effectRef>
+      <a:fontRef idx="minor"/>
+    </dgm:style>
+  </dgm:styleLbl>
+  <dgm:styleLbl name="bgImgPlace1">
+    <dgm:scene3d>
+      <a:camera prst="orthographicFront"/>
+      <a:lightRig rig="threePt" dir="t"/>
+    </dgm:scene3d>
+    <dgm:sp3d/>
+    <dgm:txPr/>
+    <dgm:style>
+      <a:lnRef idx="2">
+        <a:scrgbClr r="0" g="0" b="0"/>
+      </a:lnRef>
+      <a:fillRef idx="1">
+        <a:scrgbClr r="0" g="0" b="0"/>
+      </a:fillRef>
+      <a:effectRef idx="0">
+        <a:scrgbClr r="0" g="0" b="0"/>
+      </a:effectRef>
+      <a:fontRef idx="minor"/>
+    </dgm:style>
+  </dgm:styleLbl>
+  <dgm:styleLbl name="sibTrans2D1">
+    <dgm:scene3d>
+      <a:camera prst="orthographicFront"/>
+      <a:lightRig rig="threePt" dir="t"/>
+    </dgm:scene3d>
+    <dgm:sp3d/>
+    <dgm:txPr/>
+    <dgm:style>
+      <a:lnRef idx="0">
+        <a:scrgbClr r="0" g="0" b="0"/>
+      </a:lnRef>
+      <a:fillRef idx="1">
+        <a:scrgbClr r="0" g="0" b="0"/>
+      </a:fillRef>
+      <a:effectRef idx="0">
+        <a:scrgbClr r="0" g="0" b="0"/>
+      </a:effectRef>
+      <a:fontRef idx="minor">
+        <a:schemeClr val="lt1"/>
+      </a:fontRef>
+    </dgm:style>
+  </dgm:styleLbl>
+  <dgm:styleLbl name="fgSibTrans2D1">
+    <dgm:scene3d>
+      <a:camera prst="orthographicFront"/>
+      <a:lightRig rig="threePt" dir="t"/>
+    </dgm:scene3d>
+    <dgm:sp3d/>
+    <dgm:txPr/>
+    <dgm:style>
+      <a:lnRef idx="0">
+        <a:scrgbClr r="0" g="0" b="0"/>
+      </a:lnRef>
+      <a:fillRef idx="1">
+        <a:scrgbClr r="0" g="0" b="0"/>
+      </a:fillRef>
+      <a:effectRef idx="0">
+        <a:scrgbClr r="0" g="0" b="0"/>
+      </a:effectRef>
+      <a:fontRef idx="minor">
+        <a:schemeClr val="lt1"/>
+      </a:fontRef>
+    </dgm:style>
+  </dgm:styleLbl>
+  <dgm:styleLbl name="bgSibTrans2D1">
+    <dgm:scene3d>
+      <a:camera prst="orthographicFront"/>
+      <a:lightRig rig="threePt" dir="t"/>
+    </dgm:scene3d>
+    <dgm:sp3d/>
+    <dgm:txPr/>
+    <dgm:style>
+      <a:lnRef idx="0">
+        <a:scrgbClr r="0" g="0" b="0"/>
+      </a:lnRef>
+      <a:fillRef idx="1">
+        <a:scrgbClr r="0" g="0" b="0"/>
+      </a:fillRef>
+      <a:effectRef idx="0">
+        <a:scrgbClr r="0" g="0" b="0"/>
+      </a:effectRef>
+      <a:fontRef idx="minor">
+        <a:schemeClr val="lt1"/>
+      </a:fontRef>
+    </dgm:style>
+  </dgm:styleLbl>
+  <dgm:styleLbl name="sibTrans1D1">
+    <dgm:scene3d>
+      <a:camera prst="orthographicFront"/>
+      <a:lightRig rig="threePt" dir="t"/>
+    </dgm:scene3d>
+    <dgm:sp3d/>
+    <dgm:txPr/>
+    <dgm:style>
+      <a:lnRef idx="1">
+        <a:scrgbClr r="0" g="0" b="0"/>
+      </a:lnRef>
+      <a:fillRef idx="0">
+        <a:scrgbClr r="0" g="0" b="0"/>
+      </a:fillRef>
+      <a:effectRef idx="0">
+        <a:scrgbClr r="0" g="0" b="0"/>
+      </a:effectRef>
+      <a:fontRef idx="minor"/>
+    </dgm:style>
+  </dgm:styleLbl>
+  <dgm:styleLbl name="callout">
+    <dgm:scene3d>
+      <a:camera prst="orthographicFront"/>
+      <a:lightRig rig="threePt" dir="t"/>
+    </dgm:scene3d>
+    <dgm:sp3d/>
+    <dgm:txPr/>
+    <dgm:style>
+      <a:lnRef idx="2">
+        <a:scrgbClr r="0" g="0" b="0"/>
+      </a:lnRef>
+      <a:fillRef idx="1">
+        <a:scrgbClr r="0" g="0" b="0"/>
+      </a:fillRef>
+      <a:effectRef idx="0">
+        <a:scrgbClr r="0" g="0" b="0"/>
+      </a:effectRef>
+      <a:fontRef idx="minor"/>
+    </dgm:style>
+  </dgm:styleLbl>
+  <dgm:styleLbl name="asst0">
+    <dgm:scene3d>
+      <a:camera prst="orthographicFront"/>
+      <a:lightRig rig="threePt" dir="t"/>
+    </dgm:scene3d>
+    <dgm:sp3d/>
+    <dgm:txPr/>
+    <dgm:style>
+      <a:lnRef idx="2">
+        <a:scrgbClr r="0" g="0" b="0"/>
+      </a:lnRef>
+      <a:fillRef idx="1">
+        <a:scrgbClr r="0" g="0" b="0"/>
+      </a:fillRef>
+      <a:effectRef idx="0">
+        <a:scrgbClr r="0" g="0" b="0"/>
+      </a:effectRef>
+      <a:fontRef idx="minor">
+        <a:schemeClr val="lt1"/>
+      </a:fontRef>
+    </dgm:style>
+  </dgm:styleLbl>
+  <dgm:styleLbl name="asst1">
+    <dgm:scene3d>
+      <a:camera prst="orthographicFront"/>
+      <a:lightRig rig="threePt" dir="t"/>
+    </dgm:scene3d>
+    <dgm:sp3d/>
+    <dgm:txPr/>
+    <dgm:style>
+      <a:lnRef idx="2">
+        <a:scrgbClr r="0" g="0" b="0"/>
+      </a:lnRef>
+      <a:fillRef idx="1">
+        <a:scrgbClr r="0" g="0" b="0"/>
+      </a:fillRef>
+      <a:effectRef idx="0">
+        <a:scrgbClr r="0" g="0" b="0"/>
+      </a:effectRef>
+      <a:fontRef idx="minor">
+        <a:schemeClr val="lt1"/>
+      </a:fontRef>
+    </dgm:style>
+  </dgm:styleLbl>
+  <dgm:styleLbl name="asst2">
+    <dgm:scene3d>
+      <a:camera prst="orthographicFront"/>
+      <a:lightRig rig="threePt" dir="t"/>
+    </dgm:scene3d>
+    <dgm:sp3d/>
+    <dgm:txPr/>
+    <dgm:style>
+      <a:lnRef idx="2">
+        <a:scrgbClr r="0" g="0" b="0"/>
+      </a:lnRef>
+      <a:fillRef idx="1">
+        <a:scrgbClr r="0" g="0" b="0"/>
+      </a:fillRef>
+      <a:effectRef idx="0">
+        <a:scrgbClr r="0" g="0" b="0"/>
+      </a:effectRef>
+      <a:fontRef idx="minor">
+        <a:schemeClr val="lt1"/>
+      </a:fontRef>
+    </dgm:style>
+  </dgm:styleLbl>
+  <dgm:styleLbl name="asst3">
+    <dgm:scene3d>
+      <a:camera prst="orthographicFront"/>
+      <a:lightRig rig="threePt" dir="t"/>
+    </dgm:scene3d>
+    <dgm:sp3d/>
+    <dgm:txPr/>
+    <dgm:style>
+      <a:lnRef idx="2">
+        <a:scrgbClr r="0" g="0" b="0"/>
+      </a:lnRef>
+      <a:fillRef idx="1">
+        <a:scrgbClr r="0" g="0" b="0"/>
+      </a:fillRef>
+      <a:effectRef idx="0">
+        <a:scrgbClr r="0" g="0" b="0"/>
+      </a:effectRef>
+      <a:fontRef idx="minor">
+        <a:schemeClr val="lt1"/>
+      </a:fontRef>
+    </dgm:style>
+  </dgm:styleLbl>
+  <dgm:styleLbl name="asst4">
+    <dgm:scene3d>
+      <a:camera prst="orthographicFront"/>
+      <a:lightRig rig="threePt" dir="t"/>
+    </dgm:scene3d>
+    <dgm:sp3d/>
+    <dgm:txPr/>
+    <dgm:style>
+      <a:lnRef idx="2">
+        <a:scrgbClr r="0" g="0" b="0"/>
+      </a:lnRef>
+      <a:fillRef idx="1">
+        <a:scrgbClr r="0" g="0" b="0"/>
+      </a:fillRef>
+      <a:effectRef idx="0">
+        <a:scrgbClr r="0" g="0" b="0"/>
+      </a:effectRef>
+      <a:fontRef idx="minor">
+        <a:schemeClr val="lt1"/>
+      </a:fontRef>
+    </dgm:style>
+  </dgm:styleLbl>
+  <dgm:styleLbl name="parChTrans2D1">
+    <dgm:scene3d>
+      <a:camera prst="orthographicFront"/>
+      <a:lightRig rig="threePt" dir="t"/>
+    </dgm:scene3d>
+    <dgm:sp3d/>
+    <dgm:txPr/>
+    <dgm:style>
+      <a:lnRef idx="2">
+        <a:scrgbClr r="0" g="0" b="0"/>
+      </a:lnRef>
+      <a:fillRef idx="1">
+        <a:scrgbClr r="0" g="0" b="0"/>
+      </a:fillRef>
+      <a:effectRef idx="0">
+        <a:scrgbClr r="0" g="0" b="0"/>
+      </a:effectRef>
+      <a:fontRef idx="minor">
+        <a:schemeClr val="lt1"/>
+      </a:fontRef>
+    </dgm:style>
+  </dgm:styleLbl>
+  <dgm:styleLbl name="parChTrans2D2">
+    <dgm:scene3d>
+      <a:camera prst="orthographicFront"/>
+      <a:lightRig rig="threePt" dir="t"/>
+    </dgm:scene3d>
+    <dgm:sp3d/>
+    <dgm:txPr/>
+    <dgm:style>
+      <a:lnRef idx="2">
+        <a:scrgbClr r="0" g="0" b="0"/>
+      </a:lnRef>
+      <a:fillRef idx="1">
+        <a:scrgbClr r="0" g="0" b="0"/>
+      </a:fillRef>
+      <a:effectRef idx="0">
+        <a:scrgbClr r="0" g="0" b="0"/>
+      </a:effectRef>
+      <a:fontRef idx="minor">
+        <a:schemeClr val="lt1"/>
+      </a:fontRef>
+    </dgm:style>
+  </dgm:styleLbl>
+  <dgm:styleLbl name="parChTrans2D3">
+    <dgm:scene3d>
+      <a:camera prst="orthographicFront"/>
+      <a:lightRig rig="threePt" dir="t"/>
+    </dgm:scene3d>
+    <dgm:sp3d/>
+    <dgm:txPr/>
+    <dgm:style>
+      <a:lnRef idx="2">
+        <a:scrgbClr r="0" g="0" b="0"/>
+      </a:lnRef>
+      <a:fillRef idx="1">
+        <a:scrgbClr r="0" g="0" b="0"/>
+      </a:fillRef>
+      <a:effectRef idx="0">
+        <a:scrgbClr r="0" g="0" b="0"/>
+      </a:effectRef>
+      <a:fontRef idx="minor">
+        <a:schemeClr val="lt1"/>
+      </a:fontRef>
+    </dgm:style>
+  </dgm:styleLbl>
+  <dgm:styleLbl name="parChTrans2D4">
+    <dgm:scene3d>
+      <a:camera prst="orthographicFront"/>
+      <a:lightRig rig="threePt" dir="t"/>
+    </dgm:scene3d>
+    <dgm:sp3d/>
+    <dgm:txPr/>
+    <dgm:style>
+      <a:lnRef idx="2">
+        <a:scrgbClr r="0" g="0" b="0"/>
+      </a:lnRef>
+      <a:fillRef idx="1">
+        <a:scrgbClr r="0" g="0" b="0"/>
+      </a:fillRef>
+      <a:effectRef idx="0">
+        <a:scrgbClr r="0" g="0" b="0"/>
+      </a:effectRef>
+      <a:fontRef idx="minor">
+        <a:schemeClr val="lt1"/>
+      </a:fontRef>
+    </dgm:style>
+  </dgm:styleLbl>
+  <dgm:styleLbl name="parChTrans1D1">
+    <dgm:scene3d>
+      <a:camera prst="orthographicFront"/>
+      <a:lightRig rig="threePt" dir="t"/>
+    </dgm:scene3d>
+    <dgm:sp3d/>
+    <dgm:txPr/>
+    <dgm:style>
+      <a:lnRef idx="2">
+        <a:scrgbClr r="0" g="0" b="0"/>
+      </a:lnRef>
+      <a:fillRef idx="0">
+        <a:scrgbClr r="0" g="0" b="0"/>
+      </a:fillRef>
+      <a:effectRef idx="0">
+        <a:scrgbClr r="0" g="0" b="0"/>
+      </a:effectRef>
+      <a:fontRef idx="minor"/>
+    </dgm:style>
+  </dgm:styleLbl>
+  <dgm:styleLbl name="parChTrans1D2">
+    <dgm:scene3d>
+      <a:camera prst="orthographicFront"/>
+      <a:lightRig rig="threePt" dir="t"/>
+    </dgm:scene3d>
+    <dgm:sp3d/>
+    <dgm:txPr/>
+    <dgm:style>
+      <a:lnRef idx="2">
+        <a:scrgbClr r="0" g="0" b="0"/>
+      </a:lnRef>
+      <a:fillRef idx="0">
+        <a:scrgbClr r="0" g="0" b="0"/>
+      </a:fillRef>
+      <a:effectRef idx="0">
+        <a:scrgbClr r="0" g="0" b="0"/>
+      </a:effectRef>
+      <a:fontRef idx="minor"/>
+    </dgm:style>
+  </dgm:styleLbl>
+  <dgm:styleLbl name="parChTrans1D3">
+    <dgm:scene3d>
+      <a:camera prst="orthographicFront"/>
+      <a:lightRig rig="threePt" dir="t"/>
+    </dgm:scene3d>
+    <dgm:sp3d/>
+    <dgm:txPr/>
+    <dgm:style>
+      <a:lnRef idx="2">
+        <a:scrgbClr r="0" g="0" b="0"/>
+      </a:lnRef>
+      <a:fillRef idx="0">
+        <a:scrgbClr r="0" g="0" b="0"/>
+      </a:fillRef>
+      <a:effectRef idx="0">
+        <a:scrgbClr r="0" g="0" b="0"/>
+      </a:effectRef>
+      <a:fontRef idx="minor"/>
+    </dgm:style>
+  </dgm:styleLbl>
+  <dgm:styleLbl name="parChTrans1D4">
+    <dgm:scene3d>
+      <a:camera prst="orthographicFront"/>
+      <a:lightRig rig="threePt" dir="t"/>
+    </dgm:scene3d>
+    <dgm:sp3d/>
+    <dgm:txPr/>
+    <dgm:style>
+      <a:lnRef idx="2">
+        <a:scrgbClr r="0" g="0" b="0"/>
+      </a:lnRef>
+      <a:fillRef idx="0">
+        <a:scrgbClr r="0" g="0" b="0"/>
+      </a:fillRef>
+      <a:effectRef idx="0">
+        <a:scrgbClr r="0" g="0" b="0"/>
+      </a:effectRef>
+      <a:fontRef idx="minor"/>
+    </dgm:style>
+  </dgm:styleLbl>
+  <dgm:styleLbl name="fgAcc1">
+    <dgm:scene3d>
+      <a:camera prst="orthographicFront"/>
+      <a:lightRig rig="threePt" dir="t"/>
+    </dgm:scene3d>
+    <dgm:sp3d/>
+    <dgm:txPr/>
+    <dgm:style>
+      <a:lnRef idx="2">
+        <a:scrgbClr r="0" g="0" b="0"/>
+      </a:lnRef>
+      <a:fillRef idx="1">
+        <a:scrgbClr r="0" g="0" b="0"/>
+      </a:fillRef>
+      <a:effectRef idx="0">
+        <a:scrgbClr r="0" g="0" b="0"/>
+      </a:effectRef>
+      <a:fontRef idx="minor"/>
+    </dgm:style>
+  </dgm:styleLbl>
+  <dgm:styleLbl name="conFgAcc1">
+    <dgm:scene3d>
+      <a:camera prst="orthographicFront"/>
+      <a:lightRig rig="threePt" dir="t"/>
+    </dgm:scene3d>
+    <dgm:sp3d/>
+    <dgm:txPr/>
+    <dgm:style>
+      <a:lnRef idx="2">
+        <a:scrgbClr r="0" g="0" b="0"/>
+      </a:lnRef>
+      <a:fillRef idx="1">
+        <a:scrgbClr r="0" g="0" b="0"/>
+      </a:fillRef>
+      <a:effectRef idx="0">
+        <a:scrgbClr r="0" g="0" b="0"/>
+      </a:effectRef>
+      <a:fontRef idx="minor"/>
+    </dgm:style>
+  </dgm:styleLbl>
+  <dgm:styleLbl name="alignAcc1">
+    <dgm:scene3d>
+      <a:camera prst="orthographicFront"/>
+      <a:lightRig rig="threePt" dir="t"/>
+    </dgm:scene3d>
+    <dgm:sp3d/>
+    <dgm:txPr/>
+    <dgm:style>
+      <a:lnRef idx="2">
+        <a:scrgbClr r="0" g="0" b="0"/>
+      </a:lnRef>
+      <a:fillRef idx="1">
+        <a:scrgbClr r="0" g="0" b="0"/>
+      </a:fillRef>
+      <a:effectRef idx="0">
+        <a:scrgbClr r="0" g="0" b="0"/>
+      </a:effectRef>
+      <a:fontRef idx="minor"/>
+    </dgm:style>
+  </dgm:styleLbl>
+  <dgm:styleLbl name="trAlignAcc1">
+    <dgm:scene3d>
+      <a:camera prst="orthographicFront"/>
+      <a:lightRig rig="threePt" dir="t"/>
+    </dgm:scene3d>
+    <dgm:sp3d/>
+    <dgm:txPr/>
+    <dgm:style>
+      <a:lnRef idx="1">
+        <a:scrgbClr r="0" g="0" b="0"/>
+      </a:lnRef>
+      <a:fillRef idx="1">
+        <a:scrgbClr r="0" g="0" b="0"/>
+      </a:fillRef>
+      <a:effectRef idx="0">
+        <a:scrgbClr r="0" g="0" b="0"/>
+      </a:effectRef>
+      <a:fontRef idx="minor"/>
+    </dgm:style>
+  </dgm:styleLbl>
+  <dgm:styleLbl name="bgAcc1">
+    <dgm:scene3d>
+      <a:camera prst="orthographicFront"/>
+      <a:lightRig rig="threePt" dir="t"/>
+    </dgm:scene3d>
+    <dgm:sp3d/>
+    <dgm:txPr/>
+    <dgm:style>
+      <a:lnRef idx="2">
+        <a:scrgbClr r="0" g="0" b="0"/>
+      </a:lnRef>
+      <a:fillRef idx="1">
+        <a:scrgbClr r="0" g="0" b="0"/>
+      </a:fillRef>
+      <a:effectRef idx="0">
+        <a:scrgbClr r="0" g="0" b="0"/>
+      </a:effectRef>
+      <a:fontRef idx="minor"/>
+    </dgm:style>
+  </dgm:styleLbl>
+  <dgm:styleLbl name="solidFgAcc1">
+    <dgm:scene3d>
+      <a:camera prst="orthographicFront"/>
+      <a:lightRig rig="threePt" dir="t"/>
+    </dgm:scene3d>
+    <dgm:sp3d/>
+    <dgm:txPr/>
+    <dgm:style>
+      <a:lnRef idx="2">
+        <a:scrgbClr r="0" g="0" b="0"/>
+      </a:lnRef>
+      <a:fillRef idx="1">
+        <a:scrgbClr r="0" g="0" b="0"/>
+      </a:fillRef>
+      <a:effectRef idx="0">
+        <a:scrgbClr r="0" g="0" b="0"/>
+      </a:effectRef>
+      <a:fontRef idx="minor"/>
+    </dgm:style>
+  </dgm:styleLbl>
+  <dgm:styleLbl name="solidAlignAcc1">
+    <dgm:scene3d>
+      <a:camera prst="orthographicFront"/>
+      <a:lightRig rig="threePt" dir="t"/>
+    </dgm:scene3d>
+    <dgm:sp3d/>
+    <dgm:txPr/>
+    <dgm:style>
+      <a:lnRef idx="2">
+        <a:scrgbClr r="0" g="0" b="0"/>
+      </a:lnRef>
+      <a:fillRef idx="1">
+        <a:scrgbClr r="0" g="0" b="0"/>
+      </a:fillRef>
+      <a:effectRef idx="0">
+        <a:scrgbClr r="0" g="0" b="0"/>
+      </a:effectRef>
+      <a:fontRef idx="minor"/>
+    </dgm:style>
+  </dgm:styleLbl>
+  <dgm:styleLbl name="solidBgAcc1">
+    <dgm:scene3d>
+      <a:camera prst="orthographicFront"/>
+      <a:lightRig rig="threePt" dir="t"/>
+    </dgm:scene3d>
+    <dgm:sp3d/>
+    <dgm:txPr/>
+    <dgm:style>
+      <a:lnRef idx="2">
+        <a:scrgbClr r="0" g="0" b="0"/>
+      </a:lnRef>
+      <a:fillRef idx="1">
+        <a:scrgbClr r="0" g="0" b="0"/>
+      </a:fillRef>
+      <a:effectRef idx="0">
+        <a:scrgbClr r="0" g="0" b="0"/>
+      </a:effectRef>
+      <a:fontRef idx="minor"/>
+    </dgm:style>
+  </dgm:styleLbl>
+  <dgm:styleLbl name="fgAccFollowNode1">
+    <dgm:scene3d>
+      <a:camera prst="orthographicFront"/>
+      <a:lightRig rig="threePt" dir="t"/>
+    </dgm:scene3d>
+    <dgm:sp3d/>
+    <dgm:txPr/>
+    <dgm:style>
+      <a:lnRef idx="2">
+        <a:scrgbClr r="0" g="0" b="0"/>
+      </a:lnRef>
+      <a:fillRef idx="1">
+        <a:scrgbClr r="0" g="0" b="0"/>
+      </a:fillRef>
+      <a:effectRef idx="0">
+        <a:scrgbClr r="0" g="0" b="0"/>
+      </a:effectRef>
+      <a:fontRef idx="minor"/>
+    </dgm:style>
+  </dgm:styleLbl>
+  <dgm:styleLbl name="alignAccFollowNode1">
+    <dgm:scene3d>
+      <a:camera prst="orthographicFront"/>
+      <a:lightRig rig="threePt" dir="t"/>
+    </dgm:scene3d>
+    <dgm:sp3d/>
+    <dgm:txPr/>
+    <dgm:style>
+      <a:lnRef idx="2">
+        <a:scrgbClr r="0" g="0" b="0"/>
+      </a:lnRef>
+      <a:fillRef idx="1">
+        <a:scrgbClr r="0" g="0" b="0"/>
+      </a:fillRef>
+      <a:effectRef idx="0">
+        <a:scrgbClr r="0" g="0" b="0"/>
+      </a:effectRef>
+      <a:fontRef idx="minor"/>
+    </dgm:style>
+  </dgm:styleLbl>
+  <dgm:styleLbl name="bgAccFollowNode1">
+    <dgm:scene3d>
+      <a:camera prst="orthographicFront"/>
+      <a:lightRig rig="threePt" dir="t"/>
+    </dgm:scene3d>
+    <dgm:sp3d/>
+    <dgm:txPr/>
+    <dgm:style>
+      <a:lnRef idx="2">
+        <a:scrgbClr r="0" g="0" b="0"/>
+      </a:lnRef>
+      <a:fillRef idx="1">
+        <a:scrgbClr r="0" g="0" b="0"/>
+      </a:fillRef>
+      <a:effectRef idx="0">
+        <a:scrgbClr r="0" g="0" b="0"/>
+      </a:effectRef>
+      <a:fontRef idx="minor"/>
+    </dgm:style>
+  </dgm:styleLbl>
+  <dgm:styleLbl name="fgAcc0">
+    <dgm:scene3d>
+      <a:camera prst="orthographicFront"/>
+      <a:lightRig rig="threePt" dir="t"/>
+    </dgm:scene3d>
+    <dgm:sp3d/>
+    <dgm:txPr/>
+    <dgm:style>
+      <a:lnRef idx="2">
+        <a:scrgbClr r="0" g="0" b="0"/>
+      </a:lnRef>
+      <a:fillRef idx="1">
+        <a:scrgbClr r="0" g="0" b="0"/>
+      </a:fillRef>
+      <a:effectRef idx="0">
+        <a:scrgbClr r="0" g="0" b="0"/>
+      </a:effectRef>
+      <a:fontRef idx="minor"/>
+    </dgm:style>
+  </dgm:styleLbl>
+  <dgm:styleLbl name="fgAcc2">
+    <dgm:scene3d>
+      <a:camera prst="orthographicFront"/>
+      <a:lightRig rig="threePt" dir="t"/>
+    </dgm:scene3d>
+    <dgm:sp3d/>
+    <dgm:txPr/>
+    <dgm:style>
+      <a:lnRef idx="2">
+        <a:scrgbClr r="0" g="0" b="0"/>
+      </a:lnRef>
+      <a:fillRef idx="1">
+        <a:scrgbClr r="0" g="0" b="0"/>
+      </a:fillRef>
+      <a:effectRef idx="0">
+        <a:scrgbClr r="0" g="0" b="0"/>
+      </a:effectRef>
+      <a:fontRef idx="minor"/>
+    </dgm:style>
+  </dgm:styleLbl>
+  <dgm:styleLbl name="fgAcc3">
+    <dgm:scene3d>
+      <a:camera prst="orthographicFront"/>
+      <a:lightRig rig="threePt" dir="t"/>
+    </dgm:scene3d>
+    <dgm:sp3d/>
+    <dgm:txPr/>
+    <dgm:style>
+      <a:lnRef idx="2">
+        <a:scrgbClr r="0" g="0" b="0"/>
+      </a:lnRef>
+      <a:fillRef idx="1">
+        <a:scrgbClr r="0" g="0" b="0"/>
+      </a:fillRef>
+      <a:effectRef idx="0">
+        <a:scrgbClr r="0" g="0" b="0"/>
+      </a:effectRef>
+      <a:fontRef idx="minor"/>
+    </dgm:style>
+  </dgm:styleLbl>
+  <dgm:styleLbl name="fgAcc4">
+    <dgm:scene3d>
+      <a:camera prst="orthographicFront"/>
+      <a:lightRig rig="threePt" dir="t"/>
+    </dgm:scene3d>
+    <dgm:sp3d/>
+    <dgm:txPr/>
+    <dgm:style>
+      <a:lnRef idx="2">
+        <a:scrgbClr r="0" g="0" b="0"/>
+      </a:lnRef>
+      <a:fillRef idx="1">
+        <a:scrgbClr r="0" g="0" b="0"/>
+      </a:fillRef>
+      <a:effectRef idx="0">
+        <a:scrgbClr r="0" g="0" b="0"/>
+      </a:effectRef>
+      <a:fontRef idx="minor"/>
+    </dgm:style>
+  </dgm:styleLbl>
+  <dgm:styleLbl name="bgShp">
+    <dgm:scene3d>
+      <a:camera prst="orthographicFront"/>
+      <a:lightRig rig="threePt" dir="t"/>
+    </dgm:scene3d>
+    <dgm:sp3d/>
+    <dgm:txPr/>
+    <dgm:style>
+      <a:lnRef idx="0">
+        <a:scrgbClr r="0" g="0" b="0"/>
+      </a:lnRef>
+      <a:fillRef idx="1">
+        <a:scrgbClr r="0" g="0" b="0"/>
+      </a:fillRef>
+      <a:effectRef idx="0">
+        <a:scrgbClr r="0" g="0" b="0"/>
+      </a:effectRef>
+      <a:fontRef idx="minor"/>
+    </dgm:style>
+  </dgm:styleLbl>
+  <dgm:styleLbl name="dkBgShp">
+    <dgm:scene3d>
+      <a:camera prst="orthographicFront"/>
+      <a:lightRig rig="threePt" dir="t"/>
+    </dgm:scene3d>
+    <dgm:sp3d/>
+    <dgm:txPr/>
+    <dgm:style>
+      <a:lnRef idx="0">
+        <a:scrgbClr r="0" g="0" b="0"/>
+      </a:lnRef>
+      <a:fillRef idx="1">
+        <a:scrgbClr r="0" g="0" b="0"/>
+      </a:fillRef>
+      <a:effectRef idx="0">
+        <a:scrgbClr r="0" g="0" b="0"/>
+      </a:effectRef>
+      <a:fontRef idx="minor"/>
+    </dgm:style>
+  </dgm:styleLbl>
+  <dgm:styleLbl name="trBgShp">
+    <dgm:scene3d>
+      <a:camera prst="orthographicFront"/>
+      <a:lightRig rig="threePt" dir="t"/>
+    </dgm:scene3d>
+    <dgm:sp3d/>
+    <dgm:txPr/>
+    <dgm:style>
+      <a:lnRef idx="0">
+        <a:scrgbClr r="0" g="0" b="0"/>
+      </a:lnRef>
+      <a:fillRef idx="1">
+        <a:scrgbClr r="0" g="0" b="0"/>
+      </a:fillRef>
+      <a:effectRef idx="0">
+        <a:scrgbClr r="0" g="0" b="0"/>
+      </a:effectRef>
+      <a:fontRef idx="minor"/>
+    </dgm:style>
+  </dgm:styleLbl>
+  <dgm:styleLbl name="fgShp">
+    <dgm:scene3d>
+      <a:camera prst="orthographicFront"/>
+      <a:lightRig rig="threePt" dir="t"/>
+    </dgm:scene3d>
+    <dgm:sp3d/>
+    <dgm:txPr/>
+    <dgm:style>
+      <a:lnRef idx="2">
+        <a:scrgbClr r="0" g="0" b="0"/>
+      </a:lnRef>
+      <a:fillRef idx="1">
+        <a:scrgbClr r="0" g="0" b="0"/>
+      </a:fillRef>
+      <a:effectRef idx="0">
+        <a:scrgbClr r="0" g="0" b="0"/>
+      </a:effectRef>
+      <a:fontRef idx="minor"/>
+    </dgm:style>
+  </dgm:styleLbl>
+  <dgm:styleLbl name="revTx">
+    <dgm:scene3d>
+      <a:camera prst="orthographicFront"/>
+      <a:lightRig rig="threePt" dir="t"/>
+    </dgm:scene3d>
+    <dgm:sp3d/>
+    <dgm:txPr/>
+    <dgm:style>
+      <a:lnRef idx="0">
+        <a:scrgbClr r="0" g="0" b="0"/>
+      </a:lnRef>
+      <a:fillRef idx="0">
+        <a:scrgbClr r="0" g="0" b="0"/>
+      </a:fillRef>
+      <a:effectRef idx="0">
+        <a:scrgbClr r="0" g="0" b="0"/>
+      </a:effectRef>
+      <a:fontRef idx="minor"/>
+    </dgm:style>
+  </dgm:styleLbl>
+</dgm:styleDef>
+</file>
+
 <file path=ppt/notesMasters/notesMaster1.xml><?xml version="1.0" encoding="utf-8"?>
 <p:notesMaster xmlns:a="http://schemas.openxmlformats.org/drawingml/2006/main" xmlns:r="http://schemas.openxmlformats.org/officeDocument/2006/relationships" xmlns:p="http://schemas.openxmlformats.org/presentationml/2006/main">
   <p:cSld>
@@ -202,7 +5916,7 @@
           <a:p>
             <a:fld id="{6819F85B-1C33-4F8A-882F-3FE862A4B7CC}" type="datetimeFigureOut">
               <a:rPr lang="en-CA" smtClean="0"/>
-              <a:t>2023-11-23</a:t>
+              <a:t>2023-11-26</a:t>
             </a:fld>
             <a:endParaRPr lang="en-CA"/>
           </a:p>
@@ -656,7 +6370,7 @@
           <a:p>
             <a:fld id="{0A4BADB4-772C-460D-9947-6559ED26DD17}" type="datetime1">
               <a:rPr lang="en-CA" smtClean="0"/>
-              <a:t>2023-11-23</a:t>
+              <a:t>2023-11-26</a:t>
             </a:fld>
             <a:endParaRPr lang="en-CA"/>
           </a:p>
@@ -931,7 +6645,7 @@
           <a:p>
             <a:fld id="{B24EEFA6-AD9A-434A-806E-ABC7BDFB1FD1}" type="datetime1">
               <a:rPr lang="en-CA" smtClean="0"/>
-              <a:t>2023-11-23</a:t>
+              <a:t>2023-11-26</a:t>
             </a:fld>
             <a:endParaRPr lang="en-CA"/>
           </a:p>
@@ -1125,7 +6839,7 @@
           <a:p>
             <a:fld id="{D09BF78A-E844-4DE5-8C57-912573ABD3D3}" type="datetime1">
               <a:rPr lang="en-CA" smtClean="0"/>
-              <a:t>2023-11-23</a:t>
+              <a:t>2023-11-26</a:t>
             </a:fld>
             <a:endParaRPr lang="en-CA"/>
           </a:p>
@@ -1398,7 +7112,7 @@
           <a:p>
             <a:fld id="{B554803F-CB16-4359-91EE-E3FA09DBF5C0}" type="datetime1">
               <a:rPr lang="en-CA" smtClean="0"/>
-              <a:t>2023-11-23</a:t>
+              <a:t>2023-11-26</a:t>
             </a:fld>
             <a:endParaRPr lang="en-CA"/>
           </a:p>
@@ -1739,7 +7453,7 @@
           <a:p>
             <a:fld id="{4204FA0A-9DB5-443B-A5A3-AFE656B494F5}" type="datetime1">
               <a:rPr lang="en-CA" smtClean="0"/>
-              <a:t>2023-11-23</a:t>
+              <a:t>2023-11-26</a:t>
             </a:fld>
             <a:endParaRPr lang="en-CA"/>
           </a:p>
@@ -2362,7 +8076,7 @@
           <a:p>
             <a:fld id="{070756AC-048C-4509-BCA8-BAC06A60C206}" type="datetime1">
               <a:rPr lang="en-CA" smtClean="0"/>
-              <a:t>2023-11-23</a:t>
+              <a:t>2023-11-26</a:t>
             </a:fld>
             <a:endParaRPr lang="en-CA"/>
           </a:p>
@@ -3222,7 +8936,7 @@
           <a:p>
             <a:fld id="{727BAE2C-E136-4207-9E36-BD168C9CF1C0}" type="datetime1">
               <a:rPr lang="en-CA" smtClean="0"/>
-              <a:t>2023-11-23</a:t>
+              <a:t>2023-11-26</a:t>
             </a:fld>
             <a:endParaRPr lang="en-CA"/>
           </a:p>
@@ -3392,7 +9106,7 @@
           <a:p>
             <a:fld id="{94AA2AFD-7776-4301-BE0D-E315F801E06C}" type="datetime1">
               <a:rPr lang="en-CA" smtClean="0"/>
-              <a:t>2023-11-23</a:t>
+              <a:t>2023-11-26</a:t>
             </a:fld>
             <a:endParaRPr lang="en-CA"/>
           </a:p>
@@ -3572,7 +9286,7 @@
           <a:p>
             <a:fld id="{7203FFFB-026E-4223-884B-E7EBA2EAD45D}" type="datetime1">
               <a:rPr lang="en-CA" smtClean="0"/>
-              <a:t>2023-11-23</a:t>
+              <a:t>2023-11-26</a:t>
             </a:fld>
             <a:endParaRPr lang="en-CA"/>
           </a:p>
@@ -3742,7 +9456,7 @@
           <a:p>
             <a:fld id="{0F692B2E-085B-40D0-9D3F-97D0E5ADA3C0}" type="datetime1">
               <a:rPr lang="en-CA" smtClean="0"/>
-              <a:t>2023-11-23</a:t>
+              <a:t>2023-11-26</a:t>
             </a:fld>
             <a:endParaRPr lang="en-CA"/>
           </a:p>
@@ -3989,7 +9703,7 @@
           <a:p>
             <a:fld id="{A048C3DF-3A17-4847-BE34-B0135350CC0E}" type="datetime1">
               <a:rPr lang="en-CA" smtClean="0"/>
-              <a:t>2023-11-23</a:t>
+              <a:t>2023-11-26</a:t>
             </a:fld>
             <a:endParaRPr lang="en-CA"/>
           </a:p>
@@ -4281,7 +9995,7 @@
           <a:p>
             <a:fld id="{93DDF06F-D1AE-40C0-B2CC-D140EE22CAB3}" type="datetime1">
               <a:rPr lang="en-CA" smtClean="0"/>
-              <a:t>2023-11-23</a:t>
+              <a:t>2023-11-26</a:t>
             </a:fld>
             <a:endParaRPr lang="en-CA"/>
           </a:p>
@@ -4725,7 +10439,7 @@
           <a:p>
             <a:fld id="{75A4B5E3-111A-493F-8C53-D0959C3122FF}" type="datetime1">
               <a:rPr lang="en-CA" smtClean="0"/>
-              <a:t>2023-11-23</a:t>
+              <a:t>2023-11-26</a:t>
             </a:fld>
             <a:endParaRPr lang="en-CA"/>
           </a:p>
@@ -4843,7 +10557,7 @@
           <a:p>
             <a:fld id="{AD8C8E9A-25CF-4A87-B798-39520DDE52F4}" type="datetime1">
               <a:rPr lang="en-CA" smtClean="0"/>
-              <a:t>2023-11-23</a:t>
+              <a:t>2023-11-26</a:t>
             </a:fld>
             <a:endParaRPr lang="en-CA"/>
           </a:p>
@@ -4938,7 +10652,7 @@
           <a:p>
             <a:fld id="{6393B2EA-F021-4674-88F6-AA5092318D59}" type="datetime1">
               <a:rPr lang="en-CA" smtClean="0"/>
-              <a:t>2023-11-23</a:t>
+              <a:t>2023-11-26</a:t>
             </a:fld>
             <a:endParaRPr lang="en-CA"/>
           </a:p>
@@ -5217,7 +10931,7 @@
           <a:p>
             <a:fld id="{99E20875-5ED0-4185-B16F-C2CD2E921218}" type="datetime1">
               <a:rPr lang="en-CA" smtClean="0"/>
-              <a:t>2023-11-23</a:t>
+              <a:t>2023-11-26</a:t>
             </a:fld>
             <a:endParaRPr lang="en-CA"/>
           </a:p>
@@ -5492,7 +11206,7 @@
           <a:p>
             <a:fld id="{A751E65E-58A9-4D1C-85C1-A86BCFCAECD3}" type="datetime1">
               <a:rPr lang="en-CA" smtClean="0"/>
-              <a:t>2023-11-23</a:t>
+              <a:t>2023-11-26</a:t>
             </a:fld>
             <a:endParaRPr lang="en-CA"/>
           </a:p>
@@ -5921,7 +11635,7 @@
           <a:p>
             <a:fld id="{1695C31C-E36A-433B-A591-71AE73CAD0E9}" type="datetime1">
               <a:rPr lang="en-CA" smtClean="0"/>
-              <a:t>2023-11-23</a:t>
+              <a:t>2023-11-26</a:t>
             </a:fld>
             <a:endParaRPr lang="en-CA"/>
           </a:p>
@@ -7868,7 +13582,7 @@
         </p:spPr>
         <p:txBody>
           <a:bodyPr vert="horz" lIns="91440" tIns="45720" rIns="91440" bIns="45720" rtlCol="0" anchor="b">
-            <a:normAutofit/>
+            <a:normAutofit fontScale="90000"/>
           </a:bodyPr>
           <a:lstStyle/>
           <a:p>
@@ -7878,12 +13592,28 @@
               </a:lnSpc>
             </a:pPr>
             <a:r>
-              <a:rPr lang="en-US" sz="3700">
+              <a:rPr lang="en-US" sz="3700" dirty="0">
                 <a:solidFill>
                   <a:srgbClr val="EBEBEB"/>
                 </a:solidFill>
               </a:rPr>
-              <a:t>Fuel Consumption of Different Car Models</a:t>
+              <a:t>CO</a:t>
+            </a:r>
+            <a:r>
+              <a:rPr lang="en-US" sz="3700" baseline="-25000" dirty="0">
+                <a:solidFill>
+                  <a:srgbClr val="EBEBEB"/>
+                </a:solidFill>
+              </a:rPr>
+              <a:t>2</a:t>
+            </a:r>
+            <a:r>
+              <a:rPr lang="en-US" sz="3700" dirty="0">
+                <a:solidFill>
+                  <a:srgbClr val="EBEBEB"/>
+                </a:solidFill>
+              </a:rPr>
+              <a:t> Emissions and Fuel Consumption of Different Car Models</a:t>
             </a:r>
           </a:p>
         </p:txBody>
@@ -8053,7 +13783,15 @@
           <a:p>
             <a:r>
               <a:rPr lang="en-CA" dirty="0"/>
-              <a:t>Investigate fuel consumption across different car brands and models</a:t>
+              <a:t>Investigate CO</a:t>
+            </a:r>
+            <a:r>
+              <a:rPr lang="en-CA" baseline="-25000" dirty="0"/>
+              <a:t>2</a:t>
+            </a:r>
+            <a:r>
+              <a:rPr lang="en-CA" dirty="0"/>
+              <a:t> emissions across different car brands and models</a:t>
             </a:r>
           </a:p>
           <a:p>
@@ -8071,7 +13809,15 @@
           <a:p>
             <a:r>
               <a:rPr lang="en-CA" dirty="0"/>
-              <a:t>Predict fuel consumption based on car features</a:t>
+              <a:t>Predict CO</a:t>
+            </a:r>
+            <a:r>
+              <a:rPr lang="en-CA" baseline="-25000" dirty="0"/>
+              <a:t>2</a:t>
+            </a:r>
+            <a:r>
+              <a:rPr lang="en-CA" dirty="0"/>
+              <a:t> emissions and fuel consumption based on car features</a:t>
             </a:r>
           </a:p>
           <a:p>
@@ -8127,6 +13873,30 @@
 <file path=ppt/slides/slide3.xml><?xml version="1.0" encoding="utf-8"?>
 <p:sld xmlns:a="http://schemas.openxmlformats.org/drawingml/2006/main" xmlns:r="http://schemas.openxmlformats.org/officeDocument/2006/relationships" xmlns:p="http://schemas.openxmlformats.org/presentationml/2006/main">
   <p:cSld>
+    <p:bg>
+      <p:bgPr>
+        <a:blipFill rotWithShape="1">
+          <a:blip r:embed="rId2">
+            <a:duotone>
+              <a:schemeClr val="bg2">
+                <a:shade val="69000"/>
+                <a:hueMod val="108000"/>
+                <a:satMod val="164000"/>
+                <a:lumMod val="74000"/>
+              </a:schemeClr>
+              <a:schemeClr val="bg2">
+                <a:tint val="96000"/>
+                <a:hueMod val="88000"/>
+                <a:satMod val="140000"/>
+                <a:lumMod val="132000"/>
+              </a:schemeClr>
+            </a:duotone>
+          </a:blip>
+          <a:stretch/>
+        </a:blipFill>
+        <a:effectLst/>
+      </p:bgPr>
+    </p:bg>
     <p:spTree>
       <p:nvGrpSpPr>
         <p:cNvPr id="1" name=""/>
@@ -8157,84 +13927,27 @@
             <p:ph type="title"/>
           </p:nvPr>
         </p:nvSpPr>
-        <p:spPr/>
-        <p:txBody>
-          <a:bodyPr/>
-          <a:lstStyle/>
-          <a:p>
-            <a:r>
-              <a:rPr lang="en-CA" dirty="0"/>
-              <a:t>An overview of proposed vision for tackling the problem using Data Science</a:t>
-            </a:r>
-          </a:p>
-        </p:txBody>
-      </p:sp>
-      <p:sp>
-        <p:nvSpPr>
-          <p:cNvPr id="3" name="Content Placeholder 2">
-            <a:extLst>
-              <a:ext uri="{FF2B5EF4-FFF2-40B4-BE49-F238E27FC236}">
-                <a16:creationId xmlns:a16="http://schemas.microsoft.com/office/drawing/2014/main" id="{E53FC33A-5474-6BDD-8513-7AA33AEB85B3}"/>
-              </a:ext>
-            </a:extLst>
-          </p:cNvPr>
-          <p:cNvSpPr>
-            <a:spLocks noGrp="1"/>
-          </p:cNvSpPr>
-          <p:nvPr>
-            <p:ph idx="1"/>
-          </p:nvPr>
-        </p:nvSpPr>
         <p:spPr>
           <a:xfrm>
-            <a:off x="1103312" y="2605368"/>
-            <a:ext cx="8946541" cy="4195481"/>
+            <a:off x="646111" y="452718"/>
+            <a:ext cx="9404723" cy="1400530"/>
           </a:xfrm>
         </p:spPr>
         <p:txBody>
-          <a:bodyPr/>
+          <a:bodyPr>
+            <a:normAutofit/>
+          </a:bodyPr>
           <a:lstStyle/>
           <a:p>
+            <a:pPr>
+              <a:lnSpc>
+                <a:spcPct val="90000"/>
+              </a:lnSpc>
+            </a:pPr>
             <a:r>
-              <a:rPr lang="en-CA" dirty="0"/>
-              <a:t>Data collection</a:t>
+              <a:rPr lang="en-CA" sz="3600"/>
+              <a:t>An overview of proposed vision for tackling the problem using Data Science</a:t>
             </a:r>
-          </a:p>
-          <a:p>
-            <a:r>
-              <a:rPr lang="en-CA" dirty="0"/>
-              <a:t>Data preprocessing/cleaning</a:t>
-            </a:r>
-          </a:p>
-          <a:p>
-            <a:r>
-              <a:rPr lang="en-CA" dirty="0"/>
-              <a:t>Exploratory data analysis (EDA)</a:t>
-            </a:r>
-          </a:p>
-          <a:p>
-            <a:r>
-              <a:rPr lang="en-CA" dirty="0"/>
-              <a:t>Feature engineering</a:t>
-            </a:r>
-          </a:p>
-          <a:p>
-            <a:r>
-              <a:rPr lang="en-CA" dirty="0"/>
-              <a:t>Model selection, training, and validation</a:t>
-            </a:r>
-          </a:p>
-          <a:p>
-            <a:r>
-              <a:rPr lang="en-CA" dirty="0"/>
-              <a:t>Demand forecasting</a:t>
-            </a:r>
-          </a:p>
-          <a:p>
-            <a:endParaRPr lang="en-CA" dirty="0"/>
-          </a:p>
-          <a:p>
-            <a:endParaRPr lang="en-CA" dirty="0"/>
           </a:p>
         </p:txBody>
       </p:sp>
@@ -8254,19 +13967,75 @@
             <p:ph type="sldNum" sz="quarter" idx="12"/>
           </p:nvPr>
         </p:nvSpPr>
-        <p:spPr/>
+        <p:spPr>
+          <a:xfrm>
+            <a:off x="10352540" y="295729"/>
+            <a:ext cx="838199" cy="767687"/>
+          </a:xfrm>
+        </p:spPr>
         <p:txBody>
-          <a:bodyPr/>
+          <a:bodyPr>
+            <a:normAutofit/>
+          </a:bodyPr>
           <a:lstStyle/>
           <a:p>
+            <a:pPr>
+              <a:spcAft>
+                <a:spcPts val="600"/>
+              </a:spcAft>
+            </a:pPr>
             <a:fld id="{6936A693-4670-4880-AD19-E5DF16B2AFC7}" type="slidenum">
-              <a:rPr lang="en-CA" smtClean="0"/>
+              <a:rPr lang="en-CA" smtClean="0">
+                <a:solidFill>
+                  <a:srgbClr val="FFFFFF"/>
+                </a:solidFill>
+              </a:rPr>
+              <a:pPr>
+                <a:spcAft>
+                  <a:spcPts val="600"/>
+                </a:spcAft>
+              </a:pPr>
               <a:t>3</a:t>
             </a:fld>
-            <a:endParaRPr lang="en-CA"/>
+            <a:endParaRPr lang="en-CA">
+              <a:solidFill>
+                <a:srgbClr val="FFFFFF"/>
+              </a:solidFill>
+            </a:endParaRPr>
           </a:p>
         </p:txBody>
       </p:sp>
+      <p:graphicFrame>
+        <p:nvGraphicFramePr>
+          <p:cNvPr id="8" name="Content Placeholder 2">
+            <a:extLst>
+              <a:ext uri="{FF2B5EF4-FFF2-40B4-BE49-F238E27FC236}">
+                <a16:creationId xmlns:a16="http://schemas.microsoft.com/office/drawing/2014/main" id="{A44FF724-52B8-1716-D111-EB15A1B6D5DE}"/>
+              </a:ext>
+            </a:extLst>
+          </p:cNvPr>
+          <p:cNvGraphicFramePr>
+            <a:graphicFrameLocks noGrp="1"/>
+          </p:cNvGraphicFramePr>
+          <p:nvPr>
+            <p:ph idx="1"/>
+            <p:extLst>
+              <p:ext uri="{D42A27DB-BD31-4B8C-83A1-F6EECF244321}">
+                <p14:modId xmlns:p14="http://schemas.microsoft.com/office/powerpoint/2010/main" val="1939435687"/>
+              </p:ext>
+            </p:extLst>
+          </p:nvPr>
+        </p:nvGraphicFramePr>
+        <p:xfrm>
+          <a:off x="646111" y="2237362"/>
+          <a:ext cx="9404352" cy="4046706"/>
+        </p:xfrm>
+        <a:graphic>
+          <a:graphicData uri="http://schemas.openxmlformats.org/drawingml/2006/diagram">
+            <dgm:relIds xmlns:dgm="http://schemas.openxmlformats.org/drawingml/2006/diagram" xmlns:r="http://schemas.openxmlformats.org/officeDocument/2006/relationships" r:dm="rId3" r:lo="rId4" r:qs="rId5" r:cs="rId6"/>
+          </a:graphicData>
+        </a:graphic>
+      </p:graphicFrame>
     </p:spTree>
     <p:extLst>
       <p:ext uri="{BB962C8B-B14F-4D97-AF65-F5344CB8AC3E}">
@@ -8283,6 +14052,30 @@
 <file path=ppt/slides/slide4.xml><?xml version="1.0" encoding="utf-8"?>
 <p:sld xmlns:a="http://schemas.openxmlformats.org/drawingml/2006/main" xmlns:r="http://schemas.openxmlformats.org/officeDocument/2006/relationships" xmlns:p="http://schemas.openxmlformats.org/presentationml/2006/main">
   <p:cSld>
+    <p:bg>
+      <p:bgPr>
+        <a:blipFill rotWithShape="1">
+          <a:blip r:embed="rId2">
+            <a:duotone>
+              <a:schemeClr val="bg2">
+                <a:shade val="69000"/>
+                <a:hueMod val="108000"/>
+                <a:satMod val="164000"/>
+                <a:lumMod val="74000"/>
+              </a:schemeClr>
+              <a:schemeClr val="bg2">
+                <a:tint val="96000"/>
+                <a:hueMod val="88000"/>
+                <a:satMod val="140000"/>
+                <a:lumMod val="132000"/>
+              </a:schemeClr>
+            </a:duotone>
+          </a:blip>
+          <a:stretch/>
+        </a:blipFill>
+        <a:effectLst/>
+      </p:bgPr>
+    </p:bg>
     <p:spTree>
       <p:nvGrpSpPr>
         <p:cNvPr id="1" name=""/>
@@ -8313,75 +14106,22 @@
             <p:ph type="title"/>
           </p:nvPr>
         </p:nvSpPr>
-        <p:spPr/>
+        <p:spPr>
+          <a:xfrm>
+            <a:off x="646111" y="452718"/>
+            <a:ext cx="9404723" cy="1400530"/>
+          </a:xfrm>
+        </p:spPr>
         <p:txBody>
-          <a:bodyPr/>
+          <a:bodyPr>
+            <a:normAutofit/>
+          </a:bodyPr>
           <a:lstStyle/>
           <a:p>
             <a:r>
               <a:rPr lang="en-US"/>
               <a:t>An estimate of the potential impact of such a solution</a:t>
             </a:r>
-            <a:endParaRPr lang="en-CA" dirty="0"/>
-          </a:p>
-        </p:txBody>
-      </p:sp>
-      <p:sp>
-        <p:nvSpPr>
-          <p:cNvPr id="3" name="Content Placeholder 2">
-            <a:extLst>
-              <a:ext uri="{FF2B5EF4-FFF2-40B4-BE49-F238E27FC236}">
-                <a16:creationId xmlns:a16="http://schemas.microsoft.com/office/drawing/2014/main" id="{39FC7850-0C4E-7981-4A8C-A11187324142}"/>
-              </a:ext>
-            </a:extLst>
-          </p:cNvPr>
-          <p:cNvSpPr>
-            <a:spLocks noGrp="1"/>
-          </p:cNvSpPr>
-          <p:nvPr>
-            <p:ph idx="1"/>
-          </p:nvPr>
-        </p:nvSpPr>
-        <p:spPr/>
-        <p:txBody>
-          <a:bodyPr/>
-          <a:lstStyle/>
-          <a:p>
-            <a:r>
-              <a:rPr lang="en-CA" dirty="0"/>
-              <a:t>Showcase the differences in fuel consumption between different car makes, models, and other features</a:t>
-            </a:r>
-            <a:endParaRPr lang="en-US" dirty="0"/>
-          </a:p>
-          <a:p>
-            <a:r>
-              <a:rPr lang="en-CA" dirty="0"/>
-              <a:t>Show how fuel efficiency has changed over time</a:t>
-            </a:r>
-            <a:endParaRPr lang="en-US" dirty="0"/>
-          </a:p>
-          <a:p>
-            <a:r>
-              <a:rPr lang="en-CA" dirty="0"/>
-              <a:t>Predicting fuel consumption and CO</a:t>
-            </a:r>
-            <a:r>
-              <a:rPr lang="en-CA" baseline="-25000" dirty="0"/>
-              <a:t>2</a:t>
-            </a:r>
-            <a:r>
-              <a:rPr lang="en-CA" dirty="0"/>
-              <a:t> emissions based on car features and driving conditions/patterns</a:t>
-            </a:r>
-            <a:endParaRPr lang="en-US" dirty="0"/>
-          </a:p>
-          <a:p>
-            <a:pPr marL="0" indent="0">
-              <a:buNone/>
-            </a:pPr>
-            <a:endParaRPr lang="en-US" dirty="0"/>
-          </a:p>
-          <a:p>
             <a:endParaRPr lang="en-CA" dirty="0"/>
           </a:p>
         </p:txBody>
@@ -8402,19 +14142,75 @@
             <p:ph type="sldNum" sz="quarter" idx="12"/>
           </p:nvPr>
         </p:nvSpPr>
-        <p:spPr/>
+        <p:spPr>
+          <a:xfrm>
+            <a:off x="10352540" y="295729"/>
+            <a:ext cx="838199" cy="767687"/>
+          </a:xfrm>
+        </p:spPr>
         <p:txBody>
-          <a:bodyPr/>
+          <a:bodyPr>
+            <a:normAutofit/>
+          </a:bodyPr>
           <a:lstStyle/>
           <a:p>
+            <a:pPr>
+              <a:spcAft>
+                <a:spcPts val="600"/>
+              </a:spcAft>
+            </a:pPr>
             <a:fld id="{6936A693-4670-4880-AD19-E5DF16B2AFC7}" type="slidenum">
-              <a:rPr lang="en-CA" smtClean="0"/>
+              <a:rPr lang="en-CA">
+                <a:solidFill>
+                  <a:srgbClr val="FFFFFF"/>
+                </a:solidFill>
+              </a:rPr>
+              <a:pPr>
+                <a:spcAft>
+                  <a:spcPts val="600"/>
+                </a:spcAft>
+              </a:pPr>
               <a:t>4</a:t>
             </a:fld>
-            <a:endParaRPr lang="en-CA"/>
+            <a:endParaRPr lang="en-CA">
+              <a:solidFill>
+                <a:srgbClr val="FFFFFF"/>
+              </a:solidFill>
+            </a:endParaRPr>
           </a:p>
         </p:txBody>
       </p:sp>
+      <p:graphicFrame>
+        <p:nvGraphicFramePr>
+          <p:cNvPr id="6" name="Content Placeholder 2">
+            <a:extLst>
+              <a:ext uri="{FF2B5EF4-FFF2-40B4-BE49-F238E27FC236}">
+                <a16:creationId xmlns:a16="http://schemas.microsoft.com/office/drawing/2014/main" id="{85F4A9FF-56A6-7F18-2DF7-6CF4ABB120BF}"/>
+              </a:ext>
+            </a:extLst>
+          </p:cNvPr>
+          <p:cNvGraphicFramePr>
+            <a:graphicFrameLocks noGrp="1"/>
+          </p:cNvGraphicFramePr>
+          <p:nvPr>
+            <p:ph idx="1"/>
+            <p:extLst>
+              <p:ext uri="{D42A27DB-BD31-4B8C-83A1-F6EECF244321}">
+                <p14:modId xmlns:p14="http://schemas.microsoft.com/office/powerpoint/2010/main" val="4208325893"/>
+              </p:ext>
+            </p:extLst>
+          </p:nvPr>
+        </p:nvGraphicFramePr>
+        <p:xfrm>
+          <a:off x="646110" y="2114549"/>
+          <a:ext cx="10831515" cy="4447721"/>
+        </p:xfrm>
+        <a:graphic>
+          <a:graphicData uri="http://schemas.openxmlformats.org/drawingml/2006/diagram">
+            <dgm:relIds xmlns:dgm="http://schemas.openxmlformats.org/drawingml/2006/diagram" xmlns:r="http://schemas.openxmlformats.org/officeDocument/2006/relationships" r:dm="rId3" r:lo="rId4" r:qs="rId5" r:cs="rId6"/>
+          </a:graphicData>
+        </a:graphic>
+      </p:graphicFrame>
     </p:spTree>
     <p:extLst>
       <p:ext uri="{BB962C8B-B14F-4D97-AF65-F5344CB8AC3E}">
@@ -8461,12 +14257,7 @@
             <p:ph type="title"/>
           </p:nvPr>
         </p:nvSpPr>
-        <p:spPr>
-          <a:xfrm>
-            <a:off x="605710" y="337134"/>
-            <a:ext cx="10924592" cy="1325563"/>
-          </a:xfrm>
-        </p:spPr>
+        <p:spPr/>
         <p:txBody>
           <a:bodyPr>
             <a:noAutofit/>
@@ -8494,31 +14285,24 @@
             <a:spLocks noGrp="1"/>
           </p:cNvSpPr>
           <p:nvPr>
-            <p:ph idx="1"/>
+            <p:ph sz="half" idx="1"/>
           </p:nvPr>
         </p:nvSpPr>
         <p:spPr>
           <a:xfrm>
-            <a:off x="838200" y="1461729"/>
-            <a:ext cx="10515600" cy="4351338"/>
+            <a:off x="764528" y="2340493"/>
+            <a:ext cx="5734050" cy="4195763"/>
           </a:xfrm>
         </p:spPr>
         <p:txBody>
           <a:bodyPr>
-            <a:normAutofit/>
+            <a:normAutofit lnSpcReduction="10000"/>
           </a:bodyPr>
           <a:lstStyle/>
           <a:p>
             <a:r>
               <a:rPr lang="en-CA" sz="2800" dirty="0"/>
               <a:t>Data was obtained from Government of Canada (Natural Resources Canada)</a:t>
-            </a:r>
-          </a:p>
-          <a:p>
-            <a:pPr lvl="1"/>
-            <a:r>
-              <a:rPr lang="en-CA" dirty="0"/>
-              <a:t>Compilation of fuel consumption ratings of all car models in Canada from 1995 – 2023</a:t>
             </a:r>
           </a:p>
           <a:p>
@@ -8546,7 +14330,7 @@
             <a:pPr lvl="1"/>
             <a:r>
               <a:rPr lang="en-CA" dirty="0"/>
-              <a:t>If possible, values for previous years could be deduced; otherwise, the columns will be deleted</a:t>
+              <a:t>If possible, values for previous years could be deduced; otherwise, the columns will be removed</a:t>
             </a:r>
           </a:p>
           <a:p>
@@ -8554,35 +14338,6 @@
           </a:p>
         </p:txBody>
       </p:sp>
-      <p:pic>
-        <p:nvPicPr>
-          <p:cNvPr id="5" name="Picture 4">
-            <a:extLst>
-              <a:ext uri="{FF2B5EF4-FFF2-40B4-BE49-F238E27FC236}">
-                <a16:creationId xmlns:a16="http://schemas.microsoft.com/office/drawing/2014/main" id="{C671675E-EC15-767E-EA65-3191CA1E1098}"/>
-              </a:ext>
-            </a:extLst>
-          </p:cNvPr>
-          <p:cNvPicPr>
-            <a:picLocks noChangeAspect="1"/>
-          </p:cNvPicPr>
-          <p:nvPr/>
-        </p:nvPicPr>
-        <p:blipFill rotWithShape="1">
-          <a:blip r:embed="rId2"/>
-          <a:srcRect b="47954"/>
-          <a:stretch/>
-        </p:blipFill>
-        <p:spPr>
-          <a:xfrm>
-            <a:off x="747237" y="5105400"/>
-            <a:ext cx="10779180" cy="1695392"/>
-          </a:xfrm>
-          <a:prstGeom prst="rect">
-            <a:avLst/>
-          </a:prstGeom>
-        </p:spPr>
-      </p:pic>
       <p:sp>
         <p:nvSpPr>
           <p:cNvPr id="4" name="Slide Number Placeholder 3">
@@ -8612,6 +14367,69 @@
           </a:p>
         </p:txBody>
       </p:sp>
+      <p:graphicFrame>
+        <p:nvGraphicFramePr>
+          <p:cNvPr id="9" name="Object 8">
+            <a:extLst>
+              <a:ext uri="{FF2B5EF4-FFF2-40B4-BE49-F238E27FC236}">
+                <a16:creationId xmlns:a16="http://schemas.microsoft.com/office/drawing/2014/main" id="{330992A3-783F-2133-D7F8-A01E25ACBD7E}"/>
+              </a:ext>
+            </a:extLst>
+          </p:cNvPr>
+          <p:cNvGraphicFramePr>
+            <a:graphicFrameLocks noChangeAspect="1"/>
+          </p:cNvGraphicFramePr>
+          <p:nvPr>
+            <p:extLst>
+              <p:ext uri="{D42A27DB-BD31-4B8C-83A1-F6EECF244321}">
+                <p14:modId xmlns:p14="http://schemas.microsoft.com/office/powerpoint/2010/main" val="3877744039"/>
+              </p:ext>
+            </p:extLst>
+          </p:nvPr>
+        </p:nvGraphicFramePr>
+        <p:xfrm>
+          <a:off x="6096000" y="2252308"/>
+          <a:ext cx="5953125" cy="4085175"/>
+        </p:xfrm>
+        <a:graphic>
+          <a:graphicData uri="http://schemas.openxmlformats.org/presentationml/2006/ole">
+            <mc:AlternateContent xmlns:mc="http://schemas.openxmlformats.org/markup-compatibility/2006">
+              <mc:Choice xmlns:v="urn:schemas-microsoft-com:vml" Requires="v">
+                <p:oleObj name="Worksheet" r:id="rId2" imgW="4274714" imgH="2933810" progId="Excel.Sheet.12">
+                  <p:embed/>
+                </p:oleObj>
+              </mc:Choice>
+              <mc:Fallback>
+                <p:oleObj name="Worksheet" r:id="rId2" imgW="4274714" imgH="2933810" progId="Excel.Sheet.12">
+                  <p:embed/>
+                  <p:pic>
+                    <p:nvPicPr>
+                      <p:cNvPr id="0" name=""/>
+                      <p:cNvPicPr/>
+                      <p:nvPr/>
+                    </p:nvPicPr>
+                    <p:blipFill>
+                      <a:blip r:embed="rId3"/>
+                      <a:stretch>
+                        <a:fillRect/>
+                      </a:stretch>
+                    </p:blipFill>
+                    <p:spPr>
+                      <a:xfrm>
+                        <a:off x="6096000" y="2252308"/>
+                        <a:ext cx="5953125" cy="4085175"/>
+                      </a:xfrm>
+                      <a:prstGeom prst="rect">
+                        <a:avLst/>
+                      </a:prstGeom>
+                    </p:spPr>
+                  </p:pic>
+                </p:oleObj>
+              </mc:Fallback>
+            </mc:AlternateContent>
+          </a:graphicData>
+        </a:graphic>
+      </p:graphicFrame>
     </p:spTree>
     <p:extLst>
       <p:ext uri="{BB962C8B-B14F-4D97-AF65-F5344CB8AC3E}">
@@ -8626,6 +14444,593 @@
 </file>
 
 <file path=ppt/slides/slide6.xml><?xml version="1.0" encoding="utf-8"?>
+<p:sld xmlns:a="http://schemas.openxmlformats.org/drawingml/2006/main" xmlns:r="http://schemas.openxmlformats.org/officeDocument/2006/relationships" xmlns:p="http://schemas.openxmlformats.org/presentationml/2006/main">
+  <p:cSld>
+    <p:spTree>
+      <p:nvGrpSpPr>
+        <p:cNvPr id="1" name=""/>
+        <p:cNvGrpSpPr/>
+        <p:nvPr/>
+      </p:nvGrpSpPr>
+      <p:grpSpPr>
+        <a:xfrm>
+          <a:off x="0" y="0"/>
+          <a:ext cx="0" cy="0"/>
+          <a:chOff x="0" y="0"/>
+          <a:chExt cx="0" cy="0"/>
+        </a:xfrm>
+      </p:grpSpPr>
+      <p:sp>
+        <p:nvSpPr>
+          <p:cNvPr id="2" name="Title 1">
+            <a:extLst>
+              <a:ext uri="{FF2B5EF4-FFF2-40B4-BE49-F238E27FC236}">
+                <a16:creationId xmlns:a16="http://schemas.microsoft.com/office/drawing/2014/main" id="{209F1377-87B3-2B9E-87B6-1FE22C0B97BC}"/>
+              </a:ext>
+            </a:extLst>
+          </p:cNvPr>
+          <p:cNvSpPr>
+            <a:spLocks noGrp="1"/>
+          </p:cNvSpPr>
+          <p:nvPr>
+            <p:ph type="title"/>
+          </p:nvPr>
+        </p:nvSpPr>
+        <p:spPr/>
+        <p:txBody>
+          <a:bodyPr/>
+          <a:lstStyle/>
+          <a:p>
+            <a:r>
+              <a:rPr kumimoji="0" lang="en-US" sz="3400" b="0" i="0" u="none" strike="noStrike" kern="1200" cap="none" spc="0" normalizeH="0" baseline="0" noProof="0" dirty="0">
+                <a:ln>
+                  <a:noFill/>
+                </a:ln>
+                <a:solidFill>
+                  <a:srgbClr val="EBEBEB"/>
+                </a:solidFill>
+                <a:effectLst/>
+                <a:uLnTx/>
+                <a:uFillTx/>
+                <a:latin typeface="Century Gothic" panose="020B0502020202020204"/>
+                <a:ea typeface="+mj-ea"/>
+                <a:cs typeface="+mj-cs"/>
+              </a:rPr>
+              <a:t>Preliminary EDA of Target Variables</a:t>
+            </a:r>
+            <a:endParaRPr lang="en-CA" dirty="0"/>
+          </a:p>
+        </p:txBody>
+      </p:sp>
+      <p:sp>
+        <p:nvSpPr>
+          <p:cNvPr id="5" name="Content Placeholder 4">
+            <a:extLst>
+              <a:ext uri="{FF2B5EF4-FFF2-40B4-BE49-F238E27FC236}">
+                <a16:creationId xmlns:a16="http://schemas.microsoft.com/office/drawing/2014/main" id="{25D5A780-A8FD-5BD0-8891-B226200FC5E9}"/>
+              </a:ext>
+            </a:extLst>
+          </p:cNvPr>
+          <p:cNvSpPr>
+            <a:spLocks noGrp="1"/>
+          </p:cNvSpPr>
+          <p:nvPr>
+            <p:ph idx="1"/>
+          </p:nvPr>
+        </p:nvSpPr>
+        <p:spPr>
+          <a:xfrm>
+            <a:off x="646111" y="1408016"/>
+            <a:ext cx="3840164" cy="3850881"/>
+          </a:xfrm>
+        </p:spPr>
+        <p:txBody>
+          <a:bodyPr/>
+          <a:lstStyle/>
+          <a:p>
+            <a:r>
+              <a:rPr lang="en-CA" dirty="0"/>
+              <a:t>Near symmetric – a slight right skew could be seen</a:t>
+            </a:r>
+          </a:p>
+          <a:p>
+            <a:r>
+              <a:rPr lang="en-CA" dirty="0"/>
+              <a:t>Similar trend between CO</a:t>
+            </a:r>
+            <a:r>
+              <a:rPr lang="en-CA" baseline="-25000" dirty="0"/>
+              <a:t>2</a:t>
+            </a:r>
+            <a:r>
+              <a:rPr lang="en-CA" dirty="0"/>
+              <a:t> emissions and fuel consumption</a:t>
+            </a:r>
+          </a:p>
+          <a:p>
+            <a:pPr lvl="1"/>
+            <a:r>
+              <a:rPr lang="en-CA" dirty="0"/>
+              <a:t>Correlation coefficient close to 1</a:t>
+            </a:r>
+          </a:p>
+        </p:txBody>
+      </p:sp>
+      <p:sp>
+        <p:nvSpPr>
+          <p:cNvPr id="4" name="Slide Number Placeholder 3">
+            <a:extLst>
+              <a:ext uri="{FF2B5EF4-FFF2-40B4-BE49-F238E27FC236}">
+                <a16:creationId xmlns:a16="http://schemas.microsoft.com/office/drawing/2014/main" id="{6653695D-111F-F43B-ED8E-735BF46C3CF8}"/>
+              </a:ext>
+            </a:extLst>
+          </p:cNvPr>
+          <p:cNvSpPr>
+            <a:spLocks noGrp="1"/>
+          </p:cNvSpPr>
+          <p:nvPr>
+            <p:ph type="sldNum" sz="quarter" idx="12"/>
+          </p:nvPr>
+        </p:nvSpPr>
+        <p:spPr/>
+        <p:txBody>
+          <a:bodyPr/>
+          <a:lstStyle/>
+          <a:p>
+            <a:fld id="{6936A693-4670-4880-AD19-E5DF16B2AFC7}" type="slidenum">
+              <a:rPr lang="en-CA" smtClean="0"/>
+              <a:t>6</a:t>
+            </a:fld>
+            <a:endParaRPr lang="en-CA"/>
+          </a:p>
+        </p:txBody>
+      </p:sp>
+      <p:pic>
+        <p:nvPicPr>
+          <p:cNvPr id="1026" name="Picture 2">
+            <a:extLst>
+              <a:ext uri="{FF2B5EF4-FFF2-40B4-BE49-F238E27FC236}">
+                <a16:creationId xmlns:a16="http://schemas.microsoft.com/office/drawing/2014/main" id="{76BBF52F-1A1D-3F1E-693B-8B2ACEC5BFA8}"/>
+              </a:ext>
+            </a:extLst>
+          </p:cNvPr>
+          <p:cNvPicPr>
+            <a:picLocks noChangeAspect="1" noChangeArrowheads="1"/>
+          </p:cNvPicPr>
+          <p:nvPr/>
+        </p:nvPicPr>
+        <p:blipFill>
+          <a:blip r:embed="rId2">
+            <a:extLst>
+              <a:ext uri="{28A0092B-C50C-407E-A947-70E740481C1C}">
+                <a14:useLocalDpi xmlns:a14="http://schemas.microsoft.com/office/drawing/2010/main" val="0"/>
+              </a:ext>
+            </a:extLst>
+          </a:blip>
+          <a:srcRect/>
+          <a:stretch>
+            <a:fillRect/>
+          </a:stretch>
+        </p:blipFill>
+        <p:spPr bwMode="auto">
+          <a:xfrm>
+            <a:off x="4638707" y="1456705"/>
+            <a:ext cx="3510359" cy="2614612"/>
+          </a:xfrm>
+          <a:prstGeom prst="rect">
+            <a:avLst/>
+          </a:prstGeom>
+          <a:noFill/>
+          <a:extLst>
+            <a:ext uri="{909E8E84-426E-40DD-AFC4-6F175D3DCCD1}">
+              <a14:hiddenFill xmlns:a14="http://schemas.microsoft.com/office/drawing/2010/main">
+                <a:solidFill>
+                  <a:srgbClr val="FFFFFF"/>
+                </a:solidFill>
+              </a14:hiddenFill>
+            </a:ext>
+          </a:extLst>
+        </p:spPr>
+      </p:pic>
+      <p:pic>
+        <p:nvPicPr>
+          <p:cNvPr id="1028" name="Picture 4">
+            <a:extLst>
+              <a:ext uri="{FF2B5EF4-FFF2-40B4-BE49-F238E27FC236}">
+                <a16:creationId xmlns:a16="http://schemas.microsoft.com/office/drawing/2014/main" id="{E1D09378-E1B1-097D-D9AE-12190B6AAD30}"/>
+              </a:ext>
+            </a:extLst>
+          </p:cNvPr>
+          <p:cNvPicPr>
+            <a:picLocks noChangeAspect="1" noChangeArrowheads="1"/>
+          </p:cNvPicPr>
+          <p:nvPr/>
+        </p:nvPicPr>
+        <p:blipFill>
+          <a:blip r:embed="rId3">
+            <a:extLst>
+              <a:ext uri="{28A0092B-C50C-407E-A947-70E740481C1C}">
+                <a14:useLocalDpi xmlns:a14="http://schemas.microsoft.com/office/drawing/2010/main" val="0"/>
+              </a:ext>
+            </a:extLst>
+          </a:blip>
+          <a:srcRect/>
+          <a:stretch>
+            <a:fillRect/>
+          </a:stretch>
+        </p:blipFill>
+        <p:spPr bwMode="auto">
+          <a:xfrm>
+            <a:off x="8505794" y="1456705"/>
+            <a:ext cx="3516345" cy="2619070"/>
+          </a:xfrm>
+          <a:prstGeom prst="rect">
+            <a:avLst/>
+          </a:prstGeom>
+          <a:noFill/>
+          <a:extLst>
+            <a:ext uri="{909E8E84-426E-40DD-AFC4-6F175D3DCCD1}">
+              <a14:hiddenFill xmlns:a14="http://schemas.microsoft.com/office/drawing/2010/main">
+                <a:solidFill>
+                  <a:srgbClr val="FFFFFF"/>
+                </a:solidFill>
+              </a14:hiddenFill>
+            </a:ext>
+          </a:extLst>
+        </p:spPr>
+      </p:pic>
+      <p:pic>
+        <p:nvPicPr>
+          <p:cNvPr id="1030" name="Picture 6">
+            <a:extLst>
+              <a:ext uri="{FF2B5EF4-FFF2-40B4-BE49-F238E27FC236}">
+                <a16:creationId xmlns:a16="http://schemas.microsoft.com/office/drawing/2014/main" id="{443A37B0-99FB-EAF5-339E-2F84A6019D42}"/>
+              </a:ext>
+            </a:extLst>
+          </p:cNvPr>
+          <p:cNvPicPr>
+            <a:picLocks noChangeAspect="1" noChangeArrowheads="1"/>
+          </p:cNvPicPr>
+          <p:nvPr/>
+        </p:nvPicPr>
+        <p:blipFill>
+          <a:blip r:embed="rId4">
+            <a:extLst>
+              <a:ext uri="{28A0092B-C50C-407E-A947-70E740481C1C}">
+                <a14:useLocalDpi xmlns:a14="http://schemas.microsoft.com/office/drawing/2010/main" val="0"/>
+              </a:ext>
+            </a:extLst>
+          </a:blip>
+          <a:srcRect/>
+          <a:stretch>
+            <a:fillRect/>
+          </a:stretch>
+        </p:blipFill>
+        <p:spPr bwMode="auto">
+          <a:xfrm>
+            <a:off x="8497133" y="4138221"/>
+            <a:ext cx="3534531" cy="2619069"/>
+          </a:xfrm>
+          <a:prstGeom prst="rect">
+            <a:avLst/>
+          </a:prstGeom>
+          <a:noFill/>
+          <a:extLst>
+            <a:ext uri="{909E8E84-426E-40DD-AFC4-6F175D3DCCD1}">
+              <a14:hiddenFill xmlns:a14="http://schemas.microsoft.com/office/drawing/2010/main">
+                <a:solidFill>
+                  <a:srgbClr val="FFFFFF"/>
+                </a:solidFill>
+              </a14:hiddenFill>
+            </a:ext>
+          </a:extLst>
+        </p:spPr>
+      </p:pic>
+      <p:pic>
+        <p:nvPicPr>
+          <p:cNvPr id="1032" name="Picture 8">
+            <a:extLst>
+              <a:ext uri="{FF2B5EF4-FFF2-40B4-BE49-F238E27FC236}">
+                <a16:creationId xmlns:a16="http://schemas.microsoft.com/office/drawing/2014/main" id="{15F3CA1D-901D-CC11-B933-4605641AA83C}"/>
+              </a:ext>
+            </a:extLst>
+          </p:cNvPr>
+          <p:cNvPicPr>
+            <a:picLocks noChangeAspect="1" noChangeArrowheads="1"/>
+          </p:cNvPicPr>
+          <p:nvPr/>
+        </p:nvPicPr>
+        <p:blipFill>
+          <a:blip r:embed="rId5">
+            <a:extLst>
+              <a:ext uri="{28A0092B-C50C-407E-A947-70E740481C1C}">
+                <a14:useLocalDpi xmlns:a14="http://schemas.microsoft.com/office/drawing/2010/main" val="0"/>
+              </a:ext>
+            </a:extLst>
+          </a:blip>
+          <a:srcRect/>
+          <a:stretch>
+            <a:fillRect/>
+          </a:stretch>
+        </p:blipFill>
+        <p:spPr bwMode="auto">
+          <a:xfrm>
+            <a:off x="4638706" y="4138221"/>
+            <a:ext cx="3510359" cy="2614612"/>
+          </a:xfrm>
+          <a:prstGeom prst="rect">
+            <a:avLst/>
+          </a:prstGeom>
+          <a:noFill/>
+          <a:extLst>
+            <a:ext uri="{909E8E84-426E-40DD-AFC4-6F175D3DCCD1}">
+              <a14:hiddenFill xmlns:a14="http://schemas.microsoft.com/office/drawing/2010/main">
+                <a:solidFill>
+                  <a:srgbClr val="FFFFFF"/>
+                </a:solidFill>
+              </a14:hiddenFill>
+            </a:ext>
+          </a:extLst>
+        </p:spPr>
+      </p:pic>
+    </p:spTree>
+    <p:extLst>
+      <p:ext uri="{BB962C8B-B14F-4D97-AF65-F5344CB8AC3E}">
+        <p14:creationId xmlns:p14="http://schemas.microsoft.com/office/powerpoint/2010/main" val="3516074191"/>
+      </p:ext>
+    </p:extLst>
+  </p:cSld>
+  <p:clrMapOvr>
+    <a:masterClrMapping/>
+  </p:clrMapOvr>
+</p:sld>
+</file>
+
+<file path=ppt/slides/slide7.xml><?xml version="1.0" encoding="utf-8"?>
+<p:sld xmlns:a="http://schemas.openxmlformats.org/drawingml/2006/main" xmlns:r="http://schemas.openxmlformats.org/officeDocument/2006/relationships" xmlns:p="http://schemas.openxmlformats.org/presentationml/2006/main">
+  <p:cSld>
+    <p:bg>
+      <p:bgPr>
+        <a:blipFill rotWithShape="1">
+          <a:blip r:embed="rId2">
+            <a:duotone>
+              <a:schemeClr val="bg2">
+                <a:shade val="69000"/>
+                <a:hueMod val="108000"/>
+                <a:satMod val="164000"/>
+                <a:lumMod val="74000"/>
+              </a:schemeClr>
+              <a:schemeClr val="bg2">
+                <a:tint val="96000"/>
+                <a:hueMod val="88000"/>
+                <a:satMod val="140000"/>
+                <a:lumMod val="132000"/>
+              </a:schemeClr>
+            </a:duotone>
+          </a:blip>
+          <a:stretch/>
+        </a:blipFill>
+        <a:effectLst/>
+      </p:bgPr>
+    </p:bg>
+    <p:spTree>
+      <p:nvGrpSpPr>
+        <p:cNvPr id="1" name=""/>
+        <p:cNvGrpSpPr/>
+        <p:nvPr/>
+      </p:nvGrpSpPr>
+      <p:grpSpPr>
+        <a:xfrm>
+          <a:off x="0" y="0"/>
+          <a:ext cx="0" cy="0"/>
+          <a:chOff x="0" y="0"/>
+          <a:chExt cx="0" cy="0"/>
+        </a:xfrm>
+      </p:grpSpPr>
+      <p:sp>
+        <p:nvSpPr>
+          <p:cNvPr id="2" name="Title 1">
+            <a:extLst>
+              <a:ext uri="{FF2B5EF4-FFF2-40B4-BE49-F238E27FC236}">
+                <a16:creationId xmlns:a16="http://schemas.microsoft.com/office/drawing/2014/main" id="{9A1AF167-3579-DD80-92E6-3D4F1450641F}"/>
+              </a:ext>
+            </a:extLst>
+          </p:cNvPr>
+          <p:cNvSpPr>
+            <a:spLocks noGrp="1"/>
+          </p:cNvSpPr>
+          <p:nvPr>
+            <p:ph type="title"/>
+          </p:nvPr>
+        </p:nvSpPr>
+        <p:spPr>
+          <a:xfrm>
+            <a:off x="648930" y="629266"/>
+            <a:ext cx="9252154" cy="1223983"/>
+          </a:xfrm>
+        </p:spPr>
+        <p:txBody>
+          <a:bodyPr>
+            <a:normAutofit/>
+          </a:bodyPr>
+          <a:lstStyle/>
+          <a:p>
+            <a:r>
+              <a:rPr lang="en-CA" dirty="0"/>
+              <a:t>Preliminary EDA</a:t>
+            </a:r>
+          </a:p>
+        </p:txBody>
+      </p:sp>
+      <p:sp>
+        <p:nvSpPr>
+          <p:cNvPr id="4" name="Slide Number Placeholder 3">
+            <a:extLst>
+              <a:ext uri="{FF2B5EF4-FFF2-40B4-BE49-F238E27FC236}">
+                <a16:creationId xmlns:a16="http://schemas.microsoft.com/office/drawing/2014/main" id="{75D2E9C5-B32B-027B-C690-3C3B17EDC5D5}"/>
+              </a:ext>
+            </a:extLst>
+          </p:cNvPr>
+          <p:cNvSpPr>
+            <a:spLocks noGrp="1"/>
+          </p:cNvSpPr>
+          <p:nvPr>
+            <p:ph type="sldNum" sz="quarter" idx="12"/>
+          </p:nvPr>
+        </p:nvSpPr>
+        <p:spPr>
+          <a:xfrm>
+            <a:off x="10352540" y="295729"/>
+            <a:ext cx="838199" cy="767687"/>
+          </a:xfrm>
+        </p:spPr>
+        <p:txBody>
+          <a:bodyPr>
+            <a:normAutofit/>
+          </a:bodyPr>
+          <a:lstStyle/>
+          <a:p>
+            <a:pPr>
+              <a:spcAft>
+                <a:spcPts val="600"/>
+              </a:spcAft>
+            </a:pPr>
+            <a:fld id="{6936A693-4670-4880-AD19-E5DF16B2AFC7}" type="slidenum">
+              <a:rPr lang="en-CA" smtClean="0"/>
+              <a:pPr>
+                <a:spcAft>
+                  <a:spcPts val="600"/>
+                </a:spcAft>
+              </a:pPr>
+              <a:t>7</a:t>
+            </a:fld>
+            <a:endParaRPr lang="en-CA"/>
+          </a:p>
+        </p:txBody>
+      </p:sp>
+      <p:sp>
+        <p:nvSpPr>
+          <p:cNvPr id="3" name="Content Placeholder 2">
+            <a:extLst>
+              <a:ext uri="{FF2B5EF4-FFF2-40B4-BE49-F238E27FC236}">
+                <a16:creationId xmlns:a16="http://schemas.microsoft.com/office/drawing/2014/main" id="{4E90117F-B8AE-9579-CA48-7C5A992E2CDC}"/>
+              </a:ext>
+            </a:extLst>
+          </p:cNvPr>
+          <p:cNvSpPr>
+            <a:spLocks noGrp="1"/>
+          </p:cNvSpPr>
+          <p:nvPr>
+            <p:ph idx="1"/>
+          </p:nvPr>
+        </p:nvSpPr>
+        <p:spPr>
+          <a:xfrm>
+            <a:off x="6575729" y="2052214"/>
+            <a:ext cx="4415293" cy="4196185"/>
+          </a:xfrm>
+        </p:spPr>
+        <p:txBody>
+          <a:bodyPr>
+            <a:normAutofit/>
+          </a:bodyPr>
+          <a:lstStyle/>
+          <a:p>
+            <a:endParaRPr lang="en-CA" dirty="0"/>
+          </a:p>
+        </p:txBody>
+      </p:sp>
+      <p:pic>
+        <p:nvPicPr>
+          <p:cNvPr id="3076" name="Picture 4">
+            <a:extLst>
+              <a:ext uri="{FF2B5EF4-FFF2-40B4-BE49-F238E27FC236}">
+                <a16:creationId xmlns:a16="http://schemas.microsoft.com/office/drawing/2014/main" id="{9BF1E614-6D35-878F-4F50-D4C4CC3E9361}"/>
+              </a:ext>
+            </a:extLst>
+          </p:cNvPr>
+          <p:cNvPicPr>
+            <a:picLocks noChangeAspect="1" noChangeArrowheads="1"/>
+          </p:cNvPicPr>
+          <p:nvPr/>
+        </p:nvPicPr>
+        <p:blipFill>
+          <a:blip r:embed="rId3">
+            <a:extLst>
+              <a:ext uri="{28A0092B-C50C-407E-A947-70E740481C1C}">
+                <a14:useLocalDpi xmlns:a14="http://schemas.microsoft.com/office/drawing/2010/main" val="0"/>
+              </a:ext>
+            </a:extLst>
+          </a:blip>
+          <a:srcRect/>
+          <a:stretch>
+            <a:fillRect/>
+          </a:stretch>
+        </p:blipFill>
+        <p:spPr bwMode="auto">
+          <a:xfrm>
+            <a:off x="6391275" y="3015154"/>
+            <a:ext cx="5721128" cy="3553597"/>
+          </a:xfrm>
+          <a:prstGeom prst="rect">
+            <a:avLst/>
+          </a:prstGeom>
+          <a:noFill/>
+          <a:extLst>
+            <a:ext uri="{909E8E84-426E-40DD-AFC4-6F175D3DCCD1}">
+              <a14:hiddenFill xmlns:a14="http://schemas.microsoft.com/office/drawing/2010/main">
+                <a:solidFill>
+                  <a:srgbClr val="FFFFFF"/>
+                </a:solidFill>
+              </a14:hiddenFill>
+            </a:ext>
+          </a:extLst>
+        </p:spPr>
+      </p:pic>
+      <p:pic>
+        <p:nvPicPr>
+          <p:cNvPr id="8" name="Picture 7">
+            <a:extLst>
+              <a:ext uri="{FF2B5EF4-FFF2-40B4-BE49-F238E27FC236}">
+                <a16:creationId xmlns:a16="http://schemas.microsoft.com/office/drawing/2014/main" id="{B885FF46-FE33-E30B-AAC7-EAE3FED8F9C0}"/>
+              </a:ext>
+            </a:extLst>
+          </p:cNvPr>
+          <p:cNvPicPr>
+            <a:picLocks noChangeAspect="1"/>
+          </p:cNvPicPr>
+          <p:nvPr/>
+        </p:nvPicPr>
+        <p:blipFill>
+          <a:blip r:embed="rId4"/>
+          <a:stretch>
+            <a:fillRect/>
+          </a:stretch>
+        </p:blipFill>
+        <p:spPr>
+          <a:xfrm>
+            <a:off x="54636" y="1666875"/>
+            <a:ext cx="6256135" cy="3337877"/>
+          </a:xfrm>
+          <a:prstGeom prst="rect">
+            <a:avLst/>
+          </a:prstGeom>
+        </p:spPr>
+      </p:pic>
+    </p:spTree>
+    <p:extLst>
+      <p:ext uri="{BB962C8B-B14F-4D97-AF65-F5344CB8AC3E}">
+        <p14:creationId xmlns:p14="http://schemas.microsoft.com/office/powerpoint/2010/main" val="602384444"/>
+      </p:ext>
+    </p:extLst>
+  </p:cSld>
+  <p:clrMapOvr>
+    <a:masterClrMapping/>
+  </p:clrMapOvr>
+</p:sld>
+</file>
+
+<file path=ppt/slides/slide8.xml><?xml version="1.0" encoding="utf-8"?>
 <p:sld xmlns:a="http://schemas.openxmlformats.org/drawingml/2006/main" xmlns:r="http://schemas.openxmlformats.org/officeDocument/2006/relationships" xmlns:p="http://schemas.openxmlformats.org/presentationml/2006/main">
   <p:cSld>
     <p:spTree>
@@ -8666,7 +15071,7 @@
           <a:lstStyle/>
           <a:p>
             <a:r>
-              <a:rPr lang="en-US" sz="4400" dirty="0"/>
+              <a:rPr lang="en-US" sz="4400"/>
               <a:t>Next steps in terms of data processing, feature engineering and baseline modeling</a:t>
             </a:r>
             <a:endParaRPr lang="en-CA" dirty="0"/>
@@ -8703,48 +15108,7 @@
           <a:p>
             <a:r>
               <a:rPr lang="en-US" dirty="0"/>
-              <a:t>Explore relationships between different car features and fuel consumption</a:t>
-            </a:r>
-          </a:p>
-          <a:p>
-            <a:pPr lvl="1"/>
-            <a:r>
-              <a:rPr lang="en-US" dirty="0"/>
-              <a:t>Car year and make</a:t>
-            </a:r>
-          </a:p>
-          <a:p>
-            <a:pPr lvl="1"/>
-            <a:r>
-              <a:rPr lang="en-US" dirty="0"/>
-              <a:t>Vehicle class</a:t>
-            </a:r>
-          </a:p>
-          <a:p>
-            <a:pPr lvl="1"/>
-            <a:r>
-              <a:rPr lang="en-US" dirty="0"/>
-              <a:t>Transmission</a:t>
-            </a:r>
-          </a:p>
-          <a:p>
-            <a:pPr lvl="1"/>
-            <a:r>
-              <a:rPr lang="en-US" dirty="0"/>
-              <a:t>Engine size</a:t>
-            </a:r>
-          </a:p>
-          <a:p>
-            <a:pPr lvl="1"/>
-            <a:r>
-              <a:rPr lang="en-US" dirty="0"/>
-              <a:t>Fuel type</a:t>
-            </a:r>
-          </a:p>
-          <a:p>
-            <a:r>
-              <a:rPr lang="en-US" dirty="0"/>
-              <a:t>Identify relationship between fuel type and CO</a:t>
+              <a:t>Explore relationships between different car features and CO</a:t>
             </a:r>
             <a:r>
               <a:rPr lang="en-US" baseline="-25000" dirty="0"/>
@@ -8756,10 +15120,57 @@
             </a:r>
           </a:p>
           <a:p>
+            <a:pPr lvl="1"/>
             <a:r>
               <a:rPr lang="en-US" dirty="0"/>
-              <a:t>Develop models to predict fuel consumption based on car features</a:t>
+              <a:t>Car year and make</a:t>
             </a:r>
+          </a:p>
+          <a:p>
+            <a:pPr lvl="1"/>
+            <a:r>
+              <a:rPr lang="en-US" dirty="0"/>
+              <a:t>Vehicle class</a:t>
+            </a:r>
+          </a:p>
+          <a:p>
+            <a:pPr lvl="1"/>
+            <a:r>
+              <a:rPr lang="en-US" dirty="0"/>
+              <a:t>Transmission</a:t>
+            </a:r>
+          </a:p>
+          <a:p>
+            <a:pPr lvl="1"/>
+            <a:r>
+              <a:rPr lang="en-US" dirty="0"/>
+              <a:t>Engine size</a:t>
+            </a:r>
+          </a:p>
+          <a:p>
+            <a:pPr lvl="1"/>
+            <a:r>
+              <a:rPr lang="en-US" dirty="0"/>
+              <a:t>Fuel type</a:t>
+            </a:r>
+          </a:p>
+          <a:p>
+            <a:r>
+              <a:rPr lang="en-US" dirty="0"/>
+              <a:t>Apply linear regression to predict CO</a:t>
+            </a:r>
+            <a:r>
+              <a:rPr lang="en-US" baseline="-25000" dirty="0"/>
+              <a:t>2</a:t>
+            </a:r>
+            <a:r>
+              <a:rPr lang="en-US" dirty="0"/>
+              <a:t> emissions and fuel consumption based on car features</a:t>
+            </a:r>
+          </a:p>
+          <a:p>
+            <a:pPr lvl="1"/>
+            <a:endParaRPr lang="en-US" dirty="0"/>
           </a:p>
           <a:p>
             <a:endParaRPr lang="en-CA" dirty="0"/>
@@ -8789,7 +15200,7 @@
           <a:p>
             <a:fld id="{6936A693-4670-4880-AD19-E5DF16B2AFC7}" type="slidenum">
               <a:rPr lang="en-CA" smtClean="0"/>
-              <a:t>6</a:t>
+              <a:t>8</a:t>
             </a:fld>
             <a:endParaRPr lang="en-CA"/>
           </a:p>
@@ -8799,6 +15210,1458 @@
     <p:extLst>
       <p:ext uri="{BB962C8B-B14F-4D97-AF65-F5344CB8AC3E}">
         <p14:creationId xmlns:p14="http://schemas.microsoft.com/office/powerpoint/2010/main" val="726953710"/>
+      </p:ext>
+    </p:extLst>
+  </p:cSld>
+  <p:clrMapOvr>
+    <a:masterClrMapping/>
+  </p:clrMapOvr>
+</p:sld>
+</file>
+
+<file path=ppt/slides/slide9.xml><?xml version="1.0" encoding="utf-8"?>
+<p:sld xmlns:a="http://schemas.openxmlformats.org/drawingml/2006/main" xmlns:r="http://schemas.openxmlformats.org/officeDocument/2006/relationships" xmlns:p="http://schemas.openxmlformats.org/presentationml/2006/main">
+  <p:cSld>
+    <p:bg>
+      <p:bgPr>
+        <a:blipFill rotWithShape="1">
+          <a:blip r:embed="rId2">
+            <a:duotone>
+              <a:schemeClr val="bg2">
+                <a:shade val="69000"/>
+                <a:hueMod val="108000"/>
+                <a:satMod val="164000"/>
+                <a:lumMod val="74000"/>
+              </a:schemeClr>
+              <a:schemeClr val="bg2">
+                <a:tint val="96000"/>
+                <a:hueMod val="88000"/>
+                <a:satMod val="140000"/>
+                <a:lumMod val="132000"/>
+              </a:schemeClr>
+            </a:duotone>
+          </a:blip>
+          <a:stretch/>
+        </a:blipFill>
+        <a:effectLst/>
+      </p:bgPr>
+    </p:bg>
+    <p:spTree>
+      <p:nvGrpSpPr>
+        <p:cNvPr id="1" name=""/>
+        <p:cNvGrpSpPr/>
+        <p:nvPr/>
+      </p:nvGrpSpPr>
+      <p:grpSpPr>
+        <a:xfrm>
+          <a:off x="0" y="0"/>
+          <a:ext cx="0" cy="0"/>
+          <a:chOff x="0" y="0"/>
+          <a:chExt cx="0" cy="0"/>
+        </a:xfrm>
+      </p:grpSpPr>
+      <p:pic>
+        <p:nvPicPr>
+          <p:cNvPr id="13" name="Picture 12">
+            <a:extLst>
+              <a:ext uri="{FF2B5EF4-FFF2-40B4-BE49-F238E27FC236}">
+                <a16:creationId xmlns:a16="http://schemas.microsoft.com/office/drawing/2014/main" id="{91B28F63-CF00-448F-B141-FE33C33B1891}"/>
+              </a:ext>
+              <a:ext uri="{C183D7F6-B498-43B3-948B-1728B52AA6E4}">
+                <adec:decorative xmlns:adec="http://schemas.microsoft.com/office/drawing/2017/decorative" val="1"/>
+              </a:ext>
+            </a:extLst>
+          </p:cNvPr>
+          <p:cNvPicPr>
+            <a:picLocks noGrp="1" noRot="1" noChangeAspect="1" noMove="1" noResize="1" noEditPoints="1" noAdjustHandles="1" noChangeArrowheads="1" noChangeShapeType="1" noCrop="1"/>
+          </p:cNvPicPr>
+          <p:nvPr>
+            <p:extLst>
+              <p:ext uri="{386F3935-93C4-4BCD-93E2-E3B085C9AB24}">
+                <p16:designElem xmlns:p16="http://schemas.microsoft.com/office/powerpoint/2015/main" val="1"/>
+              </p:ext>
+            </p:extLst>
+          </p:nvPr>
+        </p:nvPicPr>
+        <p:blipFill rotWithShape="1">
+          <a:blip r:embed="rId3">
+            <a:extLst>
+              <a:ext uri="{28A0092B-C50C-407E-A947-70E740481C1C}">
+                <a14:useLocalDpi xmlns:a14="http://schemas.microsoft.com/office/drawing/2010/main" val="0"/>
+              </a:ext>
+            </a:extLst>
+          </a:blip>
+          <a:srcRect l="3613"/>
+          <a:stretch/>
+        </p:blipFill>
+        <p:spPr>
+          <a:xfrm>
+            <a:off x="0" y="2669685"/>
+            <a:ext cx="4037012" cy="4188315"/>
+          </a:xfrm>
+          <a:prstGeom prst="rect">
+            <a:avLst/>
+          </a:prstGeom>
+        </p:spPr>
+      </p:pic>
+      <p:pic>
+        <p:nvPicPr>
+          <p:cNvPr id="15" name="Picture 14">
+            <a:extLst>
+              <a:ext uri="{FF2B5EF4-FFF2-40B4-BE49-F238E27FC236}">
+                <a16:creationId xmlns:a16="http://schemas.microsoft.com/office/drawing/2014/main" id="{2AE609E2-8522-44E4-9077-980E5BCF3E14}"/>
+              </a:ext>
+              <a:ext uri="{C183D7F6-B498-43B3-948B-1728B52AA6E4}">
+                <adec:decorative xmlns:adec="http://schemas.microsoft.com/office/drawing/2017/decorative" val="1"/>
+              </a:ext>
+            </a:extLst>
+          </p:cNvPr>
+          <p:cNvPicPr>
+            <a:picLocks noGrp="1" noRot="1" noChangeAspect="1" noMove="1" noResize="1" noEditPoints="1" noAdjustHandles="1" noChangeArrowheads="1" noChangeShapeType="1" noCrop="1"/>
+          </p:cNvPicPr>
+          <p:nvPr>
+            <p:extLst>
+              <p:ext uri="{386F3935-93C4-4BCD-93E2-E3B085C9AB24}">
+                <p16:designElem xmlns:p16="http://schemas.microsoft.com/office/powerpoint/2015/main" val="1"/>
+              </p:ext>
+            </p:extLst>
+          </p:nvPr>
+        </p:nvPicPr>
+        <p:blipFill rotWithShape="1">
+          <a:blip r:embed="rId4">
+            <a:extLst>
+              <a:ext uri="{28A0092B-C50C-407E-A947-70E740481C1C}">
+                <a14:useLocalDpi xmlns:a14="http://schemas.microsoft.com/office/drawing/2010/main" val="0"/>
+              </a:ext>
+            </a:extLst>
+          </a:blip>
+          <a:srcRect l="35640"/>
+          <a:stretch/>
+        </p:blipFill>
+        <p:spPr>
+          <a:xfrm>
+            <a:off x="0" y="2892347"/>
+            <a:ext cx="1522412" cy="2365453"/>
+          </a:xfrm>
+          <a:prstGeom prst="rect">
+            <a:avLst/>
+          </a:prstGeom>
+        </p:spPr>
+      </p:pic>
+      <p:sp>
+        <p:nvSpPr>
+          <p:cNvPr id="17" name="Oval 16">
+            <a:extLst>
+              <a:ext uri="{FF2B5EF4-FFF2-40B4-BE49-F238E27FC236}">
+                <a16:creationId xmlns:a16="http://schemas.microsoft.com/office/drawing/2014/main" id="{4FA533C5-33E3-4611-AF9F-72811D8B26A6}"/>
+              </a:ext>
+              <a:ext uri="{C183D7F6-B498-43B3-948B-1728B52AA6E4}">
+                <adec:decorative xmlns:adec="http://schemas.microsoft.com/office/drawing/2017/decorative" val="1"/>
+              </a:ext>
+            </a:extLst>
+          </p:cNvPr>
+          <p:cNvSpPr>
+            <a:spLocks noGrp="1" noRot="1" noChangeAspect="1" noMove="1" noResize="1" noEditPoints="1" noAdjustHandles="1" noChangeArrowheads="1" noChangeShapeType="1" noTextEdit="1"/>
+          </p:cNvSpPr>
+          <p:nvPr>
+            <p:extLst>
+              <p:ext uri="{386F3935-93C4-4BCD-93E2-E3B085C9AB24}">
+                <p16:designElem xmlns:p16="http://schemas.microsoft.com/office/powerpoint/2015/main" val="1"/>
+              </p:ext>
+            </p:extLst>
+          </p:nvPr>
+        </p:nvSpPr>
+        <p:spPr>
+          <a:xfrm>
+            <a:off x="8609012" y="1676400"/>
+            <a:ext cx="2819400" cy="2819400"/>
+          </a:xfrm>
+          <a:prstGeom prst="ellipse">
+            <a:avLst/>
+          </a:prstGeom>
+          <a:gradFill flip="none" rotWithShape="1">
+            <a:gsLst>
+              <a:gs pos="0">
+                <a:schemeClr val="bg2">
+                  <a:lumMod val="60000"/>
+                  <a:lumOff val="40000"/>
+                  <a:alpha val="7000"/>
+                </a:schemeClr>
+              </a:gs>
+              <a:gs pos="69000">
+                <a:schemeClr val="bg2">
+                  <a:lumMod val="60000"/>
+                  <a:lumOff val="40000"/>
+                  <a:alpha val="0"/>
+                </a:schemeClr>
+              </a:gs>
+              <a:gs pos="36000">
+                <a:schemeClr val="bg2">
+                  <a:lumMod val="60000"/>
+                  <a:lumOff val="40000"/>
+                  <a:alpha val="6000"/>
+                </a:schemeClr>
+              </a:gs>
+            </a:gsLst>
+            <a:path path="circle">
+              <a:fillToRect l="50000" t="50000" r="50000" b="50000"/>
+            </a:path>
+            <a:tileRect/>
+          </a:gradFill>
+          <a:ln>
+            <a:noFill/>
+          </a:ln>
+          <a:effectLst/>
+        </p:spPr>
+        <p:style>
+          <a:lnRef idx="1">
+            <a:schemeClr val="accent1"/>
+          </a:lnRef>
+          <a:fillRef idx="3">
+            <a:schemeClr val="accent1"/>
+          </a:fillRef>
+          <a:effectRef idx="2">
+            <a:schemeClr val="accent1"/>
+          </a:effectRef>
+          <a:fontRef idx="minor">
+            <a:schemeClr val="lt1"/>
+          </a:fontRef>
+        </p:style>
+        <p:txBody>
+          <a:bodyPr/>
+          <a:lstStyle/>
+          <a:p>
+            <a:endParaRPr lang="en-CA"/>
+          </a:p>
+        </p:txBody>
+      </p:sp>
+      <p:pic>
+        <p:nvPicPr>
+          <p:cNvPr id="19" name="Picture 18">
+            <a:extLst>
+              <a:ext uri="{FF2B5EF4-FFF2-40B4-BE49-F238E27FC236}">
+                <a16:creationId xmlns:a16="http://schemas.microsoft.com/office/drawing/2014/main" id="{8949AD42-25FD-4C3D-9EEE-B7FEC5809988}"/>
+              </a:ext>
+              <a:ext uri="{C183D7F6-B498-43B3-948B-1728B52AA6E4}">
+                <adec:decorative xmlns:adec="http://schemas.microsoft.com/office/drawing/2017/decorative" val="1"/>
+              </a:ext>
+            </a:extLst>
+          </p:cNvPr>
+          <p:cNvPicPr>
+            <a:picLocks noGrp="1" noRot="1" noChangeAspect="1" noMove="1" noResize="1" noEditPoints="1" noAdjustHandles="1" noChangeArrowheads="1" noChangeShapeType="1" noCrop="1"/>
+          </p:cNvPicPr>
+          <p:nvPr>
+            <p:extLst>
+              <p:ext uri="{386F3935-93C4-4BCD-93E2-E3B085C9AB24}">
+                <p16:designElem xmlns:p16="http://schemas.microsoft.com/office/powerpoint/2015/main" val="1"/>
+              </p:ext>
+            </p:extLst>
+          </p:nvPr>
+        </p:nvPicPr>
+        <p:blipFill rotWithShape="1">
+          <a:blip r:embed="rId5">
+            <a:extLst>
+              <a:ext uri="{28A0092B-C50C-407E-A947-70E740481C1C}">
+                <a14:useLocalDpi xmlns:a14="http://schemas.microsoft.com/office/drawing/2010/main" val="0"/>
+              </a:ext>
+            </a:extLst>
+          </a:blip>
+          <a:srcRect t="28813"/>
+          <a:stretch/>
+        </p:blipFill>
+        <p:spPr>
+          <a:xfrm>
+            <a:off x="7999412" y="0"/>
+            <a:ext cx="1603387" cy="1141407"/>
+          </a:xfrm>
+          <a:prstGeom prst="rect">
+            <a:avLst/>
+          </a:prstGeom>
+        </p:spPr>
+      </p:pic>
+      <p:pic>
+        <p:nvPicPr>
+          <p:cNvPr id="21" name="Picture 20">
+            <a:extLst>
+              <a:ext uri="{FF2B5EF4-FFF2-40B4-BE49-F238E27FC236}">
+                <a16:creationId xmlns:a16="http://schemas.microsoft.com/office/drawing/2014/main" id="{6AC7D913-60B7-4603-881B-831DA5D3A940}"/>
+              </a:ext>
+              <a:ext uri="{C183D7F6-B498-43B3-948B-1728B52AA6E4}">
+                <adec:decorative xmlns:adec="http://schemas.microsoft.com/office/drawing/2017/decorative" val="1"/>
+              </a:ext>
+            </a:extLst>
+          </p:cNvPr>
+          <p:cNvPicPr>
+            <a:picLocks noGrp="1" noRot="1" noChangeAspect="1" noMove="1" noResize="1" noEditPoints="1" noAdjustHandles="1" noChangeArrowheads="1" noChangeShapeType="1" noCrop="1"/>
+          </p:cNvPicPr>
+          <p:nvPr>
+            <p:extLst>
+              <p:ext uri="{386F3935-93C4-4BCD-93E2-E3B085C9AB24}">
+                <p16:designElem xmlns:p16="http://schemas.microsoft.com/office/powerpoint/2015/main" val="1"/>
+              </p:ext>
+            </p:extLst>
+          </p:nvPr>
+        </p:nvPicPr>
+        <p:blipFill rotWithShape="1">
+          <a:blip r:embed="rId6">
+            <a:extLst>
+              <a:ext uri="{28A0092B-C50C-407E-A947-70E740481C1C}">
+                <a14:useLocalDpi xmlns:a14="http://schemas.microsoft.com/office/drawing/2010/main" val="0"/>
+              </a:ext>
+            </a:extLst>
+          </a:blip>
+          <a:srcRect b="23320"/>
+          <a:stretch/>
+        </p:blipFill>
+        <p:spPr>
+          <a:xfrm>
+            <a:off x="8605878" y="6096000"/>
+            <a:ext cx="993734" cy="762000"/>
+          </a:xfrm>
+          <a:prstGeom prst="rect">
+            <a:avLst/>
+          </a:prstGeom>
+        </p:spPr>
+      </p:pic>
+      <p:sp>
+        <p:nvSpPr>
+          <p:cNvPr id="23" name="Rectangle 22">
+            <a:extLst>
+              <a:ext uri="{FF2B5EF4-FFF2-40B4-BE49-F238E27FC236}">
+                <a16:creationId xmlns:a16="http://schemas.microsoft.com/office/drawing/2014/main" id="{87F0FDC4-AD8C-47D9-9131-623C98ADB0AE}"/>
+              </a:ext>
+              <a:ext uri="{C183D7F6-B498-43B3-948B-1728B52AA6E4}">
+                <adec:decorative xmlns:adec="http://schemas.microsoft.com/office/drawing/2017/decorative" val="1"/>
+              </a:ext>
+            </a:extLst>
+          </p:cNvPr>
+          <p:cNvSpPr>
+            <a:spLocks noGrp="1" noRot="1" noChangeAspect="1" noMove="1" noResize="1" noEditPoints="1" noAdjustHandles="1" noChangeArrowheads="1" noChangeShapeType="1" noTextEdit="1"/>
+          </p:cNvSpPr>
+          <p:nvPr>
+            <p:extLst>
+              <p:ext uri="{386F3935-93C4-4BCD-93E2-E3B085C9AB24}">
+                <p16:designElem xmlns:p16="http://schemas.microsoft.com/office/powerpoint/2015/main" val="1"/>
+              </p:ext>
+            </p:extLst>
+          </p:nvPr>
+        </p:nvSpPr>
+        <p:spPr>
+          <a:xfrm>
+            <a:off x="10437812" y="0"/>
+            <a:ext cx="685800" cy="1143000"/>
+          </a:xfrm>
+          <a:prstGeom prst="rect">
+            <a:avLst/>
+          </a:prstGeom>
+          <a:solidFill>
+            <a:schemeClr val="accent1"/>
+          </a:solidFill>
+          <a:ln>
+            <a:noFill/>
+          </a:ln>
+        </p:spPr>
+        <p:style>
+          <a:lnRef idx="1">
+            <a:schemeClr val="accent1"/>
+          </a:lnRef>
+          <a:fillRef idx="3">
+            <a:schemeClr val="accent1"/>
+          </a:fillRef>
+          <a:effectRef idx="2">
+            <a:schemeClr val="accent1"/>
+          </a:effectRef>
+          <a:fontRef idx="minor">
+            <a:schemeClr val="lt1"/>
+          </a:fontRef>
+        </p:style>
+        <p:txBody>
+          <a:bodyPr/>
+          <a:lstStyle/>
+          <a:p>
+            <a:endParaRPr lang="en-CA"/>
+          </a:p>
+        </p:txBody>
+      </p:sp>
+      <p:sp useBgFill="1">
+        <p:nvSpPr>
+          <p:cNvPr id="25" name="Rectangle 24">
+            <a:extLst>
+              <a:ext uri="{FF2B5EF4-FFF2-40B4-BE49-F238E27FC236}">
+                <a16:creationId xmlns:a16="http://schemas.microsoft.com/office/drawing/2014/main" id="{C28D0172-F2E0-4763-9C35-F022664959D8}"/>
+              </a:ext>
+              <a:ext uri="{C183D7F6-B498-43B3-948B-1728B52AA6E4}">
+                <adec:decorative xmlns:adec="http://schemas.microsoft.com/office/drawing/2017/decorative" val="1"/>
+              </a:ext>
+            </a:extLst>
+          </p:cNvPr>
+          <p:cNvSpPr>
+            <a:spLocks noGrp="1" noRot="1" noChangeAspect="1" noMove="1" noResize="1" noEditPoints="1" noAdjustHandles="1" noChangeArrowheads="1" noChangeShapeType="1" noTextEdit="1"/>
+          </p:cNvSpPr>
+          <p:nvPr>
+            <p:extLst>
+              <p:ext uri="{386F3935-93C4-4BCD-93E2-E3B085C9AB24}">
+                <p16:designElem xmlns:p16="http://schemas.microsoft.com/office/powerpoint/2015/main" val="1"/>
+              </p:ext>
+            </p:extLst>
+          </p:nvPr>
+        </p:nvSpPr>
+        <p:spPr>
+          <a:xfrm>
+            <a:off x="0" y="-5"/>
+            <a:ext cx="12191695" cy="4730744"/>
+          </a:xfrm>
+          <a:prstGeom prst="rect">
+            <a:avLst/>
+          </a:prstGeom>
+          <a:ln>
+            <a:noFill/>
+          </a:ln>
+        </p:spPr>
+        <p:style>
+          <a:lnRef idx="2">
+            <a:schemeClr val="accent1">
+              <a:shade val="50000"/>
+            </a:schemeClr>
+          </a:lnRef>
+          <a:fillRef idx="1">
+            <a:schemeClr val="accent1"/>
+          </a:fillRef>
+          <a:effectRef idx="0">
+            <a:schemeClr val="accent1"/>
+          </a:effectRef>
+          <a:fontRef idx="minor">
+            <a:schemeClr val="lt1"/>
+          </a:fontRef>
+        </p:style>
+        <p:txBody>
+          <a:bodyPr rtlCol="0" anchor="ctr"/>
+          <a:lstStyle/>
+          <a:p>
+            <a:pPr algn="ctr"/>
+            <a:endParaRPr lang="en-US"/>
+          </a:p>
+        </p:txBody>
+      </p:sp>
+      <p:sp>
+        <p:nvSpPr>
+          <p:cNvPr id="27" name="Freeform 16">
+            <a:extLst>
+              <a:ext uri="{FF2B5EF4-FFF2-40B4-BE49-F238E27FC236}">
+                <a16:creationId xmlns:a16="http://schemas.microsoft.com/office/drawing/2014/main" id="{9F2851FB-E841-4509-8A6D-A416376EA380}"/>
+              </a:ext>
+              <a:ext uri="{C183D7F6-B498-43B3-948B-1728B52AA6E4}">
+                <adec:decorative xmlns:adec="http://schemas.microsoft.com/office/drawing/2017/decorative" val="1"/>
+              </a:ext>
+            </a:extLst>
+          </p:cNvPr>
+          <p:cNvSpPr>
+            <a:spLocks noGrp="1" noRot="1" noChangeAspect="1" noMove="1" noResize="1" noEditPoints="1" noAdjustHandles="1" noChangeArrowheads="1" noChangeShapeType="1" noTextEdit="1"/>
+          </p:cNvSpPr>
+          <p:nvPr>
+            <p:extLst>
+              <p:ext uri="{386F3935-93C4-4BCD-93E2-E3B085C9AB24}">
+                <p16:designElem xmlns:p16="http://schemas.microsoft.com/office/powerpoint/2015/main" val="1"/>
+              </p:ext>
+            </p:extLst>
+          </p:nvPr>
+        </p:nvSpPr>
+        <p:spPr>
+          <a:xfrm>
+            <a:off x="8719939" y="3753695"/>
+            <a:ext cx="3472060" cy="825932"/>
+          </a:xfrm>
+          <a:custGeom>
+            <a:avLst/>
+            <a:gdLst>
+              <a:gd name="connsiteX0" fmla="*/ 3470310 w 3472060"/>
+              <a:gd name="connsiteY0" fmla="*/ 0 h 825932"/>
+              <a:gd name="connsiteX1" fmla="*/ 3472060 w 3472060"/>
+              <a:gd name="connsiteY1" fmla="*/ 12850 h 825932"/>
+              <a:gd name="connsiteX2" fmla="*/ 3472060 w 3472060"/>
+              <a:gd name="connsiteY2" fmla="*/ 480529 h 825932"/>
+              <a:gd name="connsiteX3" fmla="*/ 3363699 w 3472060"/>
+              <a:gd name="connsiteY3" fmla="*/ 498471 h 825932"/>
+              <a:gd name="connsiteX4" fmla="*/ 42060 w 3472060"/>
+              <a:gd name="connsiteY4" fmla="*/ 824486 h 825932"/>
+              <a:gd name="connsiteX5" fmla="*/ 0 w 3472060"/>
+              <a:gd name="connsiteY5" fmla="*/ 758452 h 825932"/>
+              <a:gd name="connsiteX6" fmla="*/ 188014 w 3472060"/>
+              <a:gd name="connsiteY6" fmla="*/ 735602 h 825932"/>
+              <a:gd name="connsiteX7" fmla="*/ 284087 w 3472060"/>
+              <a:gd name="connsiteY7" fmla="*/ 722590 h 825932"/>
+              <a:gd name="connsiteX8" fmla="*/ 382288 w 3472060"/>
+              <a:gd name="connsiteY8" fmla="*/ 709392 h 825932"/>
+              <a:gd name="connsiteX9" fmla="*/ 481858 w 3472060"/>
+              <a:gd name="connsiteY9" fmla="*/ 695774 h 825932"/>
+              <a:gd name="connsiteX10" fmla="*/ 581897 w 3472060"/>
+              <a:gd name="connsiteY10" fmla="*/ 680711 h 825932"/>
+              <a:gd name="connsiteX11" fmla="*/ 683670 w 3472060"/>
+              <a:gd name="connsiteY11" fmla="*/ 665256 h 825932"/>
+              <a:gd name="connsiteX12" fmla="*/ 787206 w 3472060"/>
+              <a:gd name="connsiteY12" fmla="*/ 649587 h 825932"/>
+              <a:gd name="connsiteX13" fmla="*/ 892019 w 3472060"/>
+              <a:gd name="connsiteY13" fmla="*/ 632968 h 825932"/>
+              <a:gd name="connsiteX14" fmla="*/ 997620 w 3472060"/>
+              <a:gd name="connsiteY14" fmla="*/ 614667 h 825932"/>
+              <a:gd name="connsiteX15" fmla="*/ 1104727 w 3472060"/>
+              <a:gd name="connsiteY15" fmla="*/ 596741 h 825932"/>
+              <a:gd name="connsiteX16" fmla="*/ 1212669 w 3472060"/>
+              <a:gd name="connsiteY16" fmla="*/ 577397 h 825932"/>
+              <a:gd name="connsiteX17" fmla="*/ 1321506 w 3472060"/>
+              <a:gd name="connsiteY17" fmla="*/ 556988 h 825932"/>
+              <a:gd name="connsiteX18" fmla="*/ 1430709 w 3472060"/>
+              <a:gd name="connsiteY18" fmla="*/ 536607 h 825932"/>
+              <a:gd name="connsiteX19" fmla="*/ 1541050 w 3472060"/>
+              <a:gd name="connsiteY19" fmla="*/ 514481 h 825932"/>
+              <a:gd name="connsiteX20" fmla="*/ 1652805 w 3472060"/>
+              <a:gd name="connsiteY20" fmla="*/ 492202 h 825932"/>
+              <a:gd name="connsiteX21" fmla="*/ 1763708 w 3472060"/>
+              <a:gd name="connsiteY21" fmla="*/ 469161 h 825932"/>
+              <a:gd name="connsiteX22" fmla="*/ 1875795 w 3472060"/>
+              <a:gd name="connsiteY22" fmla="*/ 444641 h 825932"/>
+              <a:gd name="connsiteX23" fmla="*/ 1989128 w 3472060"/>
+              <a:gd name="connsiteY23" fmla="*/ 418995 h 825932"/>
+              <a:gd name="connsiteX24" fmla="*/ 2102476 w 3472060"/>
+              <a:gd name="connsiteY24" fmla="*/ 393438 h 825932"/>
+              <a:gd name="connsiteX25" fmla="*/ 2215549 w 3472060"/>
+              <a:gd name="connsiteY25" fmla="*/ 366291 h 825932"/>
+              <a:gd name="connsiteX26" fmla="*/ 2330490 w 3472060"/>
+              <a:gd name="connsiteY26" fmla="*/ 337455 h 825932"/>
+              <a:gd name="connsiteX27" fmla="*/ 2443333 w 3472060"/>
+              <a:gd name="connsiteY27" fmla="*/ 308983 h 825932"/>
+              <a:gd name="connsiteX28" fmla="*/ 2558014 w 3472060"/>
+              <a:gd name="connsiteY28" fmla="*/ 278646 h 825932"/>
+              <a:gd name="connsiteX29" fmla="*/ 2673621 w 3472060"/>
+              <a:gd name="connsiteY29" fmla="*/ 247421 h 825932"/>
+              <a:gd name="connsiteX30" fmla="*/ 2787008 w 3472060"/>
+              <a:gd name="connsiteY30" fmla="*/ 215853 h 825932"/>
+              <a:gd name="connsiteX31" fmla="*/ 2901442 w 3472060"/>
+              <a:gd name="connsiteY31" fmla="*/ 182011 h 825932"/>
+              <a:gd name="connsiteX32" fmla="*/ 3015722 w 3472060"/>
+              <a:gd name="connsiteY32" fmla="*/ 147286 h 825932"/>
+              <a:gd name="connsiteX33" fmla="*/ 3130018 w 3472060"/>
+              <a:gd name="connsiteY33" fmla="*/ 112649 h 825932"/>
+              <a:gd name="connsiteX34" fmla="*/ 3243551 w 3472060"/>
+              <a:gd name="connsiteY34" fmla="*/ 75688 h 825932"/>
+              <a:gd name="connsiteX35" fmla="*/ 3356992 w 3472060"/>
+              <a:gd name="connsiteY35" fmla="*/ 38197 h 825932"/>
+              <a:gd name="connsiteX36" fmla="*/ 3470310 w 3472060"/>
+              <a:gd name="connsiteY36" fmla="*/ 0 h 825932"/>
+            </a:gdLst>
+            <a:ahLst/>
+            <a:cxnLst>
+              <a:cxn ang="0">
+                <a:pos x="connsiteX0" y="connsiteY0"/>
+              </a:cxn>
+              <a:cxn ang="0">
+                <a:pos x="connsiteX1" y="connsiteY1"/>
+              </a:cxn>
+              <a:cxn ang="0">
+                <a:pos x="connsiteX2" y="connsiteY2"/>
+              </a:cxn>
+              <a:cxn ang="0">
+                <a:pos x="connsiteX3" y="connsiteY3"/>
+              </a:cxn>
+              <a:cxn ang="0">
+                <a:pos x="connsiteX4" y="connsiteY4"/>
+              </a:cxn>
+              <a:cxn ang="0">
+                <a:pos x="connsiteX5" y="connsiteY5"/>
+              </a:cxn>
+              <a:cxn ang="0">
+                <a:pos x="connsiteX6" y="connsiteY6"/>
+              </a:cxn>
+              <a:cxn ang="0">
+                <a:pos x="connsiteX7" y="connsiteY7"/>
+              </a:cxn>
+              <a:cxn ang="0">
+                <a:pos x="connsiteX8" y="connsiteY8"/>
+              </a:cxn>
+              <a:cxn ang="0">
+                <a:pos x="connsiteX9" y="connsiteY9"/>
+              </a:cxn>
+              <a:cxn ang="0">
+                <a:pos x="connsiteX10" y="connsiteY10"/>
+              </a:cxn>
+              <a:cxn ang="0">
+                <a:pos x="connsiteX11" y="connsiteY11"/>
+              </a:cxn>
+              <a:cxn ang="0">
+                <a:pos x="connsiteX12" y="connsiteY12"/>
+              </a:cxn>
+              <a:cxn ang="0">
+                <a:pos x="connsiteX13" y="connsiteY13"/>
+              </a:cxn>
+              <a:cxn ang="0">
+                <a:pos x="connsiteX14" y="connsiteY14"/>
+              </a:cxn>
+              <a:cxn ang="0">
+                <a:pos x="connsiteX15" y="connsiteY15"/>
+              </a:cxn>
+              <a:cxn ang="0">
+                <a:pos x="connsiteX16" y="connsiteY16"/>
+              </a:cxn>
+              <a:cxn ang="0">
+                <a:pos x="connsiteX17" y="connsiteY17"/>
+              </a:cxn>
+              <a:cxn ang="0">
+                <a:pos x="connsiteX18" y="connsiteY18"/>
+              </a:cxn>
+              <a:cxn ang="0">
+                <a:pos x="connsiteX19" y="connsiteY19"/>
+              </a:cxn>
+              <a:cxn ang="0">
+                <a:pos x="connsiteX20" y="connsiteY20"/>
+              </a:cxn>
+              <a:cxn ang="0">
+                <a:pos x="connsiteX21" y="connsiteY21"/>
+              </a:cxn>
+              <a:cxn ang="0">
+                <a:pos x="connsiteX22" y="connsiteY22"/>
+              </a:cxn>
+              <a:cxn ang="0">
+                <a:pos x="connsiteX23" y="connsiteY23"/>
+              </a:cxn>
+              <a:cxn ang="0">
+                <a:pos x="connsiteX24" y="connsiteY24"/>
+              </a:cxn>
+              <a:cxn ang="0">
+                <a:pos x="connsiteX25" y="connsiteY25"/>
+              </a:cxn>
+              <a:cxn ang="0">
+                <a:pos x="connsiteX26" y="connsiteY26"/>
+              </a:cxn>
+              <a:cxn ang="0">
+                <a:pos x="connsiteX27" y="connsiteY27"/>
+              </a:cxn>
+              <a:cxn ang="0">
+                <a:pos x="connsiteX28" y="connsiteY28"/>
+              </a:cxn>
+              <a:cxn ang="0">
+                <a:pos x="connsiteX29" y="connsiteY29"/>
+              </a:cxn>
+              <a:cxn ang="0">
+                <a:pos x="connsiteX30" y="connsiteY30"/>
+              </a:cxn>
+              <a:cxn ang="0">
+                <a:pos x="connsiteX31" y="connsiteY31"/>
+              </a:cxn>
+              <a:cxn ang="0">
+                <a:pos x="connsiteX32" y="connsiteY32"/>
+              </a:cxn>
+              <a:cxn ang="0">
+                <a:pos x="connsiteX33" y="connsiteY33"/>
+              </a:cxn>
+              <a:cxn ang="0">
+                <a:pos x="connsiteX34" y="connsiteY34"/>
+              </a:cxn>
+              <a:cxn ang="0">
+                <a:pos x="connsiteX35" y="connsiteY35"/>
+              </a:cxn>
+              <a:cxn ang="0">
+                <a:pos x="connsiteX36" y="connsiteY36"/>
+              </a:cxn>
+            </a:cxnLst>
+            <a:rect l="l" t="t" r="r" b="b"/>
+            <a:pathLst>
+              <a:path w="3472060" h="825932">
+                <a:moveTo>
+                  <a:pt x="3470310" y="0"/>
+                </a:moveTo>
+                <a:lnTo>
+                  <a:pt x="3472060" y="12850"/>
+                </a:lnTo>
+                <a:lnTo>
+                  <a:pt x="3472060" y="480529"/>
+                </a:lnTo>
+                <a:lnTo>
+                  <a:pt x="3363699" y="498471"/>
+                </a:lnTo>
+                <a:cubicBezTo>
+                  <a:pt x="2435623" y="645518"/>
+                  <a:pt x="603076" y="844866"/>
+                  <a:pt x="42060" y="824486"/>
+                </a:cubicBezTo>
+                <a:cubicBezTo>
+                  <a:pt x="28151" y="802425"/>
+                  <a:pt x="13909" y="780513"/>
+                  <a:pt x="0" y="758452"/>
+                </a:cubicBezTo>
+                <a:lnTo>
+                  <a:pt x="188014" y="735602"/>
+                </a:lnTo>
+                <a:lnTo>
+                  <a:pt x="284087" y="722590"/>
+                </a:lnTo>
+                <a:lnTo>
+                  <a:pt x="382288" y="709392"/>
+                </a:lnTo>
+                <a:lnTo>
+                  <a:pt x="481858" y="695774"/>
+                </a:lnTo>
+                <a:lnTo>
+                  <a:pt x="581897" y="680711"/>
+                </a:lnTo>
+                <a:lnTo>
+                  <a:pt x="683670" y="665256"/>
+                </a:lnTo>
+                <a:lnTo>
+                  <a:pt x="787206" y="649587"/>
+                </a:lnTo>
+                <a:lnTo>
+                  <a:pt x="892019" y="632968"/>
+                </a:lnTo>
+                <a:lnTo>
+                  <a:pt x="997620" y="614667"/>
+                </a:lnTo>
+                <a:lnTo>
+                  <a:pt x="1104727" y="596741"/>
+                </a:lnTo>
+                <a:lnTo>
+                  <a:pt x="1212669" y="577397"/>
+                </a:lnTo>
+                <a:lnTo>
+                  <a:pt x="1321506" y="556988"/>
+                </a:lnTo>
+                <a:lnTo>
+                  <a:pt x="1430709" y="536607"/>
+                </a:lnTo>
+                <a:lnTo>
+                  <a:pt x="1541050" y="514481"/>
+                </a:lnTo>
+                <a:lnTo>
+                  <a:pt x="1652805" y="492202"/>
+                </a:lnTo>
+                <a:lnTo>
+                  <a:pt x="1763708" y="469161"/>
+                </a:lnTo>
+                <a:lnTo>
+                  <a:pt x="1875795" y="444641"/>
+                </a:lnTo>
+                <a:lnTo>
+                  <a:pt x="1989128" y="418995"/>
+                </a:lnTo>
+                <a:lnTo>
+                  <a:pt x="2102476" y="393438"/>
+                </a:lnTo>
+                <a:lnTo>
+                  <a:pt x="2215549" y="366291"/>
+                </a:lnTo>
+                <a:lnTo>
+                  <a:pt x="2330490" y="337455"/>
+                </a:lnTo>
+                <a:lnTo>
+                  <a:pt x="2443333" y="308983"/>
+                </a:lnTo>
+                <a:lnTo>
+                  <a:pt x="2558014" y="278646"/>
+                </a:lnTo>
+                <a:lnTo>
+                  <a:pt x="2673621" y="247421"/>
+                </a:lnTo>
+                <a:lnTo>
+                  <a:pt x="2787008" y="215853"/>
+                </a:lnTo>
+                <a:lnTo>
+                  <a:pt x="2901442" y="182011"/>
+                </a:lnTo>
+                <a:lnTo>
+                  <a:pt x="3015722" y="147286"/>
+                </a:lnTo>
+                <a:lnTo>
+                  <a:pt x="3130018" y="112649"/>
+                </a:lnTo>
+                <a:lnTo>
+                  <a:pt x="3243551" y="75688"/>
+                </a:lnTo>
+                <a:lnTo>
+                  <a:pt x="3356992" y="38197"/>
+                </a:lnTo>
+                <a:lnTo>
+                  <a:pt x="3470310" y="0"/>
+                </a:lnTo>
+                <a:close/>
+              </a:path>
+            </a:pathLst>
+          </a:custGeom>
+          <a:solidFill>
+            <a:schemeClr val="tx1">
+              <a:alpha val="20000"/>
+            </a:schemeClr>
+          </a:solidFill>
+          <a:ln>
+            <a:noFill/>
+          </a:ln>
+        </p:spPr>
+        <p:txBody>
+          <a:bodyPr rtlCol="0" anchor="ctr"/>
+          <a:lstStyle/>
+          <a:p>
+            <a:pPr algn="ctr"/>
+            <a:endParaRPr lang="en-US">
+              <a:solidFill>
+                <a:schemeClr val="tx1"/>
+              </a:solidFill>
+            </a:endParaRPr>
+          </a:p>
+        </p:txBody>
+      </p:sp>
+      <p:sp>
+        <p:nvSpPr>
+          <p:cNvPr id="29" name="Freeform: Shape 28">
+            <a:extLst>
+              <a:ext uri="{FF2B5EF4-FFF2-40B4-BE49-F238E27FC236}">
+                <a16:creationId xmlns:a16="http://schemas.microsoft.com/office/drawing/2014/main" id="{DF6FB2B2-CE21-407F-B22E-302DADC2C3D3}"/>
+              </a:ext>
+              <a:ext uri="{C183D7F6-B498-43B3-948B-1728B52AA6E4}">
+                <adec:decorative xmlns:adec="http://schemas.microsoft.com/office/drawing/2017/decorative" val="1"/>
+              </a:ext>
+            </a:extLst>
+          </p:cNvPr>
+          <p:cNvSpPr>
+            <a:spLocks noGrp="1" noRot="1" noChangeAspect="1" noMove="1" noResize="1" noEditPoints="1" noAdjustHandles="1" noChangeArrowheads="1" noChangeShapeType="1" noTextEdit="1"/>
+          </p:cNvSpPr>
+          <p:nvPr>
+            <p:extLst>
+              <p:ext uri="{386F3935-93C4-4BCD-93E2-E3B085C9AB24}">
+                <p16:designElem xmlns:p16="http://schemas.microsoft.com/office/powerpoint/2015/main" val="1"/>
+              </p:ext>
+            </p:extLst>
+          </p:nvPr>
+        </p:nvSpPr>
+        <p:spPr>
+          <a:xfrm>
+            <a:off x="0" y="4055533"/>
+            <a:ext cx="12192000" cy="2802467"/>
+          </a:xfrm>
+          <a:custGeom>
+            <a:avLst/>
+            <a:gdLst>
+              <a:gd name="connsiteX0" fmla="*/ 1 w 12192000"/>
+              <a:gd name="connsiteY0" fmla="*/ 0 h 2802467"/>
+              <a:gd name="connsiteX1" fmla="*/ 71932 w 12192000"/>
+              <a:gd name="connsiteY1" fmla="*/ 12261 h 2802467"/>
+              <a:gd name="connsiteX2" fmla="*/ 282848 w 12192000"/>
+              <a:gd name="connsiteY2" fmla="*/ 48342 h 2802467"/>
+              <a:gd name="connsiteX3" fmla="*/ 436464 w 12192000"/>
+              <a:gd name="connsiteY3" fmla="*/ 73565 h 2802467"/>
+              <a:gd name="connsiteX4" fmla="*/ 619339 w 12192000"/>
+              <a:gd name="connsiteY4" fmla="*/ 100188 h 2802467"/>
+              <a:gd name="connsiteX5" fmla="*/ 836351 w 12192000"/>
+              <a:gd name="connsiteY5" fmla="*/ 132066 h 2802467"/>
+              <a:gd name="connsiteX6" fmla="*/ 1076528 w 12192000"/>
+              <a:gd name="connsiteY6" fmla="*/ 165696 h 2802467"/>
+              <a:gd name="connsiteX7" fmla="*/ 1347183 w 12192000"/>
+              <a:gd name="connsiteY7" fmla="*/ 201077 h 2802467"/>
+              <a:gd name="connsiteX8" fmla="*/ 1642223 w 12192000"/>
+              <a:gd name="connsiteY8" fmla="*/ 238560 h 2802467"/>
+              <a:gd name="connsiteX9" fmla="*/ 1962864 w 12192000"/>
+              <a:gd name="connsiteY9" fmla="*/ 276043 h 2802467"/>
+              <a:gd name="connsiteX10" fmla="*/ 2304232 w 12192000"/>
+              <a:gd name="connsiteY10" fmla="*/ 314226 h 2802467"/>
+              <a:gd name="connsiteX11" fmla="*/ 2672421 w 12192000"/>
+              <a:gd name="connsiteY11" fmla="*/ 349608 h 2802467"/>
+              <a:gd name="connsiteX12" fmla="*/ 3057678 w 12192000"/>
+              <a:gd name="connsiteY12" fmla="*/ 383587 h 2802467"/>
+              <a:gd name="connsiteX13" fmla="*/ 3464881 w 12192000"/>
+              <a:gd name="connsiteY13" fmla="*/ 414415 h 2802467"/>
+              <a:gd name="connsiteX14" fmla="*/ 3889152 w 12192000"/>
+              <a:gd name="connsiteY14" fmla="*/ 443840 h 2802467"/>
+              <a:gd name="connsiteX15" fmla="*/ 4331710 w 12192000"/>
+              <a:gd name="connsiteY15" fmla="*/ 471515 h 2802467"/>
+              <a:gd name="connsiteX16" fmla="*/ 4558476 w 12192000"/>
+              <a:gd name="connsiteY16" fmla="*/ 481323 h 2802467"/>
+              <a:gd name="connsiteX17" fmla="*/ 4790118 w 12192000"/>
+              <a:gd name="connsiteY17" fmla="*/ 492183 h 2802467"/>
+              <a:gd name="connsiteX18" fmla="*/ 5025418 w 12192000"/>
+              <a:gd name="connsiteY18" fmla="*/ 502342 h 2802467"/>
+              <a:gd name="connsiteX19" fmla="*/ 5261937 w 12192000"/>
+              <a:gd name="connsiteY19" fmla="*/ 508998 h 2802467"/>
+              <a:gd name="connsiteX20" fmla="*/ 5503332 w 12192000"/>
+              <a:gd name="connsiteY20" fmla="*/ 514953 h 2802467"/>
+              <a:gd name="connsiteX21" fmla="*/ 5747166 w 12192000"/>
+              <a:gd name="connsiteY21" fmla="*/ 521259 h 2802467"/>
+              <a:gd name="connsiteX22" fmla="*/ 5995877 w 12192000"/>
+              <a:gd name="connsiteY22" fmla="*/ 525462 h 2802467"/>
+              <a:gd name="connsiteX23" fmla="*/ 6247026 w 12192000"/>
+              <a:gd name="connsiteY23" fmla="*/ 525462 h 2802467"/>
+              <a:gd name="connsiteX24" fmla="*/ 6500613 w 12192000"/>
+              <a:gd name="connsiteY24" fmla="*/ 527564 h 2802467"/>
+              <a:gd name="connsiteX25" fmla="*/ 6756639 w 12192000"/>
+              <a:gd name="connsiteY25" fmla="*/ 525462 h 2802467"/>
+              <a:gd name="connsiteX26" fmla="*/ 7016322 w 12192000"/>
+              <a:gd name="connsiteY26" fmla="*/ 521259 h 2802467"/>
+              <a:gd name="connsiteX27" fmla="*/ 7276005 w 12192000"/>
+              <a:gd name="connsiteY27" fmla="*/ 517405 h 2802467"/>
+              <a:gd name="connsiteX28" fmla="*/ 7539345 w 12192000"/>
+              <a:gd name="connsiteY28" fmla="*/ 508998 h 2802467"/>
+              <a:gd name="connsiteX29" fmla="*/ 7805124 w 12192000"/>
+              <a:gd name="connsiteY29" fmla="*/ 500240 h 2802467"/>
+              <a:gd name="connsiteX30" fmla="*/ 8070903 w 12192000"/>
+              <a:gd name="connsiteY30" fmla="*/ 490081 h 2802467"/>
+              <a:gd name="connsiteX31" fmla="*/ 8339121 w 12192000"/>
+              <a:gd name="connsiteY31" fmla="*/ 475719 h 2802467"/>
+              <a:gd name="connsiteX32" fmla="*/ 8609776 w 12192000"/>
+              <a:gd name="connsiteY32" fmla="*/ 458553 h 2802467"/>
+              <a:gd name="connsiteX33" fmla="*/ 8881651 w 12192000"/>
+              <a:gd name="connsiteY33" fmla="*/ 442089 h 2802467"/>
+              <a:gd name="connsiteX34" fmla="*/ 9153526 w 12192000"/>
+              <a:gd name="connsiteY34" fmla="*/ 421070 h 2802467"/>
+              <a:gd name="connsiteX35" fmla="*/ 9429058 w 12192000"/>
+              <a:gd name="connsiteY35" fmla="*/ 395848 h 2802467"/>
+              <a:gd name="connsiteX36" fmla="*/ 9700933 w 12192000"/>
+              <a:gd name="connsiteY36" fmla="*/ 370626 h 2802467"/>
+              <a:gd name="connsiteX37" fmla="*/ 9977684 w 12192000"/>
+              <a:gd name="connsiteY37" fmla="*/ 341550 h 2802467"/>
+              <a:gd name="connsiteX38" fmla="*/ 10255655 w 12192000"/>
+              <a:gd name="connsiteY38" fmla="*/ 309672 h 2802467"/>
+              <a:gd name="connsiteX39" fmla="*/ 10529968 w 12192000"/>
+              <a:gd name="connsiteY39" fmla="*/ 276043 h 2802467"/>
+              <a:gd name="connsiteX40" fmla="*/ 10807939 w 12192000"/>
+              <a:gd name="connsiteY40" fmla="*/ 236808 h 2802467"/>
+              <a:gd name="connsiteX41" fmla="*/ 11084690 w 12192000"/>
+              <a:gd name="connsiteY41" fmla="*/ 194771 h 2802467"/>
+              <a:gd name="connsiteX42" fmla="*/ 11362661 w 12192000"/>
+              <a:gd name="connsiteY42" fmla="*/ 153085 h 2802467"/>
+              <a:gd name="connsiteX43" fmla="*/ 11639412 w 12192000"/>
+              <a:gd name="connsiteY43" fmla="*/ 104392 h 2802467"/>
+              <a:gd name="connsiteX44" fmla="*/ 11914945 w 12192000"/>
+              <a:gd name="connsiteY44" fmla="*/ 54648 h 2802467"/>
+              <a:gd name="connsiteX45" fmla="*/ 12191696 w 12192000"/>
+              <a:gd name="connsiteY45" fmla="*/ 2452 h 2802467"/>
+              <a:gd name="connsiteX46" fmla="*/ 12191696 w 12192000"/>
+              <a:gd name="connsiteY46" fmla="*/ 2236410 h 2802467"/>
+              <a:gd name="connsiteX47" fmla="*/ 12192000 w 12192000"/>
+              <a:gd name="connsiteY47" fmla="*/ 2236410 h 2802467"/>
+              <a:gd name="connsiteX48" fmla="*/ 12192000 w 12192000"/>
+              <a:gd name="connsiteY48" fmla="*/ 2802467 h 2802467"/>
+              <a:gd name="connsiteX49" fmla="*/ 12191696 w 12192000"/>
+              <a:gd name="connsiteY49" fmla="*/ 2802467 h 2802467"/>
+              <a:gd name="connsiteX50" fmla="*/ 0 w 12192000"/>
+              <a:gd name="connsiteY50" fmla="*/ 2802467 h 2802467"/>
+              <a:gd name="connsiteX51" fmla="*/ 0 w 12192000"/>
+              <a:gd name="connsiteY51" fmla="*/ 2236410 h 2802467"/>
+              <a:gd name="connsiteX52" fmla="*/ 1 w 12192000"/>
+              <a:gd name="connsiteY52" fmla="*/ 2236410 h 2802467"/>
+            </a:gdLst>
+            <a:ahLst/>
+            <a:cxnLst>
+              <a:cxn ang="0">
+                <a:pos x="connsiteX0" y="connsiteY0"/>
+              </a:cxn>
+              <a:cxn ang="0">
+                <a:pos x="connsiteX1" y="connsiteY1"/>
+              </a:cxn>
+              <a:cxn ang="0">
+                <a:pos x="connsiteX2" y="connsiteY2"/>
+              </a:cxn>
+              <a:cxn ang="0">
+                <a:pos x="connsiteX3" y="connsiteY3"/>
+              </a:cxn>
+              <a:cxn ang="0">
+                <a:pos x="connsiteX4" y="connsiteY4"/>
+              </a:cxn>
+              <a:cxn ang="0">
+                <a:pos x="connsiteX5" y="connsiteY5"/>
+              </a:cxn>
+              <a:cxn ang="0">
+                <a:pos x="connsiteX6" y="connsiteY6"/>
+              </a:cxn>
+              <a:cxn ang="0">
+                <a:pos x="connsiteX7" y="connsiteY7"/>
+              </a:cxn>
+              <a:cxn ang="0">
+                <a:pos x="connsiteX8" y="connsiteY8"/>
+              </a:cxn>
+              <a:cxn ang="0">
+                <a:pos x="connsiteX9" y="connsiteY9"/>
+              </a:cxn>
+              <a:cxn ang="0">
+                <a:pos x="connsiteX10" y="connsiteY10"/>
+              </a:cxn>
+              <a:cxn ang="0">
+                <a:pos x="connsiteX11" y="connsiteY11"/>
+              </a:cxn>
+              <a:cxn ang="0">
+                <a:pos x="connsiteX12" y="connsiteY12"/>
+              </a:cxn>
+              <a:cxn ang="0">
+                <a:pos x="connsiteX13" y="connsiteY13"/>
+              </a:cxn>
+              <a:cxn ang="0">
+                <a:pos x="connsiteX14" y="connsiteY14"/>
+              </a:cxn>
+              <a:cxn ang="0">
+                <a:pos x="connsiteX15" y="connsiteY15"/>
+              </a:cxn>
+              <a:cxn ang="0">
+                <a:pos x="connsiteX16" y="connsiteY16"/>
+              </a:cxn>
+              <a:cxn ang="0">
+                <a:pos x="connsiteX17" y="connsiteY17"/>
+              </a:cxn>
+              <a:cxn ang="0">
+                <a:pos x="connsiteX18" y="connsiteY18"/>
+              </a:cxn>
+              <a:cxn ang="0">
+                <a:pos x="connsiteX19" y="connsiteY19"/>
+              </a:cxn>
+              <a:cxn ang="0">
+                <a:pos x="connsiteX20" y="connsiteY20"/>
+              </a:cxn>
+              <a:cxn ang="0">
+                <a:pos x="connsiteX21" y="connsiteY21"/>
+              </a:cxn>
+              <a:cxn ang="0">
+                <a:pos x="connsiteX22" y="connsiteY22"/>
+              </a:cxn>
+              <a:cxn ang="0">
+                <a:pos x="connsiteX23" y="connsiteY23"/>
+              </a:cxn>
+              <a:cxn ang="0">
+                <a:pos x="connsiteX24" y="connsiteY24"/>
+              </a:cxn>
+              <a:cxn ang="0">
+                <a:pos x="connsiteX25" y="connsiteY25"/>
+              </a:cxn>
+              <a:cxn ang="0">
+                <a:pos x="connsiteX26" y="connsiteY26"/>
+              </a:cxn>
+              <a:cxn ang="0">
+                <a:pos x="connsiteX27" y="connsiteY27"/>
+              </a:cxn>
+              <a:cxn ang="0">
+                <a:pos x="connsiteX28" y="connsiteY28"/>
+              </a:cxn>
+              <a:cxn ang="0">
+                <a:pos x="connsiteX29" y="connsiteY29"/>
+              </a:cxn>
+              <a:cxn ang="0">
+                <a:pos x="connsiteX30" y="connsiteY30"/>
+              </a:cxn>
+              <a:cxn ang="0">
+                <a:pos x="connsiteX31" y="connsiteY31"/>
+              </a:cxn>
+              <a:cxn ang="0">
+                <a:pos x="connsiteX32" y="connsiteY32"/>
+              </a:cxn>
+              <a:cxn ang="0">
+                <a:pos x="connsiteX33" y="connsiteY33"/>
+              </a:cxn>
+              <a:cxn ang="0">
+                <a:pos x="connsiteX34" y="connsiteY34"/>
+              </a:cxn>
+              <a:cxn ang="0">
+                <a:pos x="connsiteX35" y="connsiteY35"/>
+              </a:cxn>
+              <a:cxn ang="0">
+                <a:pos x="connsiteX36" y="connsiteY36"/>
+              </a:cxn>
+              <a:cxn ang="0">
+                <a:pos x="connsiteX37" y="connsiteY37"/>
+              </a:cxn>
+              <a:cxn ang="0">
+                <a:pos x="connsiteX38" y="connsiteY38"/>
+              </a:cxn>
+              <a:cxn ang="0">
+                <a:pos x="connsiteX39" y="connsiteY39"/>
+              </a:cxn>
+              <a:cxn ang="0">
+                <a:pos x="connsiteX40" y="connsiteY40"/>
+              </a:cxn>
+              <a:cxn ang="0">
+                <a:pos x="connsiteX41" y="connsiteY41"/>
+              </a:cxn>
+              <a:cxn ang="0">
+                <a:pos x="connsiteX42" y="connsiteY42"/>
+              </a:cxn>
+              <a:cxn ang="0">
+                <a:pos x="connsiteX43" y="connsiteY43"/>
+              </a:cxn>
+              <a:cxn ang="0">
+                <a:pos x="connsiteX44" y="connsiteY44"/>
+              </a:cxn>
+              <a:cxn ang="0">
+                <a:pos x="connsiteX45" y="connsiteY45"/>
+              </a:cxn>
+              <a:cxn ang="0">
+                <a:pos x="connsiteX46" y="connsiteY46"/>
+              </a:cxn>
+              <a:cxn ang="0">
+                <a:pos x="connsiteX47" y="connsiteY47"/>
+              </a:cxn>
+              <a:cxn ang="0">
+                <a:pos x="connsiteX48" y="connsiteY48"/>
+              </a:cxn>
+              <a:cxn ang="0">
+                <a:pos x="connsiteX49" y="connsiteY49"/>
+              </a:cxn>
+              <a:cxn ang="0">
+                <a:pos x="connsiteX50" y="connsiteY50"/>
+              </a:cxn>
+              <a:cxn ang="0">
+                <a:pos x="connsiteX51" y="connsiteY51"/>
+              </a:cxn>
+              <a:cxn ang="0">
+                <a:pos x="connsiteX52" y="connsiteY52"/>
+              </a:cxn>
+            </a:cxnLst>
+            <a:rect l="l" t="t" r="r" b="b"/>
+            <a:pathLst>
+              <a:path w="12192000" h="2802467">
+                <a:moveTo>
+                  <a:pt x="1" y="0"/>
+                </a:moveTo>
+                <a:lnTo>
+                  <a:pt x="71932" y="12261"/>
+                </a:lnTo>
+                <a:lnTo>
+                  <a:pt x="282848" y="48342"/>
+                </a:lnTo>
+                <a:lnTo>
+                  <a:pt x="436464" y="73565"/>
+                </a:lnTo>
+                <a:lnTo>
+                  <a:pt x="619339" y="100188"/>
+                </a:lnTo>
+                <a:lnTo>
+                  <a:pt x="836351" y="132066"/>
+                </a:lnTo>
+                <a:lnTo>
+                  <a:pt x="1076528" y="165696"/>
+                </a:lnTo>
+                <a:lnTo>
+                  <a:pt x="1347183" y="201077"/>
+                </a:lnTo>
+                <a:lnTo>
+                  <a:pt x="1642223" y="238560"/>
+                </a:lnTo>
+                <a:lnTo>
+                  <a:pt x="1962864" y="276043"/>
+                </a:lnTo>
+                <a:lnTo>
+                  <a:pt x="2304232" y="314226"/>
+                </a:lnTo>
+                <a:lnTo>
+                  <a:pt x="2672421" y="349608"/>
+                </a:lnTo>
+                <a:lnTo>
+                  <a:pt x="3057678" y="383587"/>
+                </a:lnTo>
+                <a:lnTo>
+                  <a:pt x="3464881" y="414415"/>
+                </a:lnTo>
+                <a:lnTo>
+                  <a:pt x="3889152" y="443840"/>
+                </a:lnTo>
+                <a:lnTo>
+                  <a:pt x="4331710" y="471515"/>
+                </a:lnTo>
+                <a:lnTo>
+                  <a:pt x="4558476" y="481323"/>
+                </a:lnTo>
+                <a:lnTo>
+                  <a:pt x="4790118" y="492183"/>
+                </a:lnTo>
+                <a:lnTo>
+                  <a:pt x="5025418" y="502342"/>
+                </a:lnTo>
+                <a:lnTo>
+                  <a:pt x="5261937" y="508998"/>
+                </a:lnTo>
+                <a:lnTo>
+                  <a:pt x="5503332" y="514953"/>
+                </a:lnTo>
+                <a:lnTo>
+                  <a:pt x="5747166" y="521259"/>
+                </a:lnTo>
+                <a:lnTo>
+                  <a:pt x="5995877" y="525462"/>
+                </a:lnTo>
+                <a:lnTo>
+                  <a:pt x="6247026" y="525462"/>
+                </a:lnTo>
+                <a:lnTo>
+                  <a:pt x="6500613" y="527564"/>
+                </a:lnTo>
+                <a:lnTo>
+                  <a:pt x="6756639" y="525462"/>
+                </a:lnTo>
+                <a:lnTo>
+                  <a:pt x="7016322" y="521259"/>
+                </a:lnTo>
+                <a:lnTo>
+                  <a:pt x="7276005" y="517405"/>
+                </a:lnTo>
+                <a:lnTo>
+                  <a:pt x="7539345" y="508998"/>
+                </a:lnTo>
+                <a:lnTo>
+                  <a:pt x="7805124" y="500240"/>
+                </a:lnTo>
+                <a:lnTo>
+                  <a:pt x="8070903" y="490081"/>
+                </a:lnTo>
+                <a:lnTo>
+                  <a:pt x="8339121" y="475719"/>
+                </a:lnTo>
+                <a:lnTo>
+                  <a:pt x="8609776" y="458553"/>
+                </a:lnTo>
+                <a:lnTo>
+                  <a:pt x="8881651" y="442089"/>
+                </a:lnTo>
+                <a:lnTo>
+                  <a:pt x="9153526" y="421070"/>
+                </a:lnTo>
+                <a:lnTo>
+                  <a:pt x="9429058" y="395848"/>
+                </a:lnTo>
+                <a:lnTo>
+                  <a:pt x="9700933" y="370626"/>
+                </a:lnTo>
+                <a:lnTo>
+                  <a:pt x="9977684" y="341550"/>
+                </a:lnTo>
+                <a:lnTo>
+                  <a:pt x="10255655" y="309672"/>
+                </a:lnTo>
+                <a:lnTo>
+                  <a:pt x="10529968" y="276043"/>
+                </a:lnTo>
+                <a:lnTo>
+                  <a:pt x="10807939" y="236808"/>
+                </a:lnTo>
+                <a:lnTo>
+                  <a:pt x="11084690" y="194771"/>
+                </a:lnTo>
+                <a:lnTo>
+                  <a:pt x="11362661" y="153085"/>
+                </a:lnTo>
+                <a:lnTo>
+                  <a:pt x="11639412" y="104392"/>
+                </a:lnTo>
+                <a:lnTo>
+                  <a:pt x="11914945" y="54648"/>
+                </a:lnTo>
+                <a:lnTo>
+                  <a:pt x="12191696" y="2452"/>
+                </a:lnTo>
+                <a:lnTo>
+                  <a:pt x="12191696" y="2236410"/>
+                </a:lnTo>
+                <a:lnTo>
+                  <a:pt x="12192000" y="2236410"/>
+                </a:lnTo>
+                <a:lnTo>
+                  <a:pt x="12192000" y="2802467"/>
+                </a:lnTo>
+                <a:lnTo>
+                  <a:pt x="12191696" y="2802467"/>
+                </a:lnTo>
+                <a:lnTo>
+                  <a:pt x="0" y="2802467"/>
+                </a:lnTo>
+                <a:lnTo>
+                  <a:pt x="0" y="2236410"/>
+                </a:lnTo>
+                <a:lnTo>
+                  <a:pt x="1" y="2236410"/>
+                </a:lnTo>
+                <a:close/>
+              </a:path>
+            </a:pathLst>
+          </a:custGeom>
+          <a:solidFill>
+            <a:schemeClr val="tx2"/>
+          </a:solidFill>
+          <a:ln>
+            <a:noFill/>
+          </a:ln>
+        </p:spPr>
+        <p:style>
+          <a:lnRef idx="2">
+            <a:schemeClr val="accent1">
+              <a:shade val="50000"/>
+            </a:schemeClr>
+          </a:lnRef>
+          <a:fillRef idx="1003">
+            <a:schemeClr val="dk2"/>
+          </a:fillRef>
+          <a:effectRef idx="0">
+            <a:schemeClr val="accent1"/>
+          </a:effectRef>
+          <a:fontRef idx="minor">
+            <a:schemeClr val="lt1"/>
+          </a:fontRef>
+        </p:style>
+        <p:txBody>
+          <a:bodyPr rtlCol="0" anchor="ctr"/>
+          <a:lstStyle/>
+          <a:p>
+            <a:pPr algn="ctr"/>
+            <a:endParaRPr lang="en-US"/>
+          </a:p>
+        </p:txBody>
+      </p:sp>
+      <p:sp>
+        <p:nvSpPr>
+          <p:cNvPr id="7" name="Title 6">
+            <a:extLst>
+              <a:ext uri="{FF2B5EF4-FFF2-40B4-BE49-F238E27FC236}">
+                <a16:creationId xmlns:a16="http://schemas.microsoft.com/office/drawing/2014/main" id="{4D57C817-F9B1-5CE1-571F-CBC30B05B7AD}"/>
+              </a:ext>
+            </a:extLst>
+          </p:cNvPr>
+          <p:cNvSpPr>
+            <a:spLocks noGrp="1"/>
+          </p:cNvSpPr>
+          <p:nvPr>
+            <p:ph type="title"/>
+          </p:nvPr>
+        </p:nvSpPr>
+        <p:spPr>
+          <a:xfrm>
+            <a:off x="965505" y="623571"/>
+            <a:ext cx="10260990" cy="3523885"/>
+          </a:xfrm>
+        </p:spPr>
+        <p:txBody>
+          <a:bodyPr vert="horz" lIns="91440" tIns="45720" rIns="91440" bIns="45720" rtlCol="0" anchor="b">
+            <a:normAutofit/>
+          </a:bodyPr>
+          <a:lstStyle/>
+          <a:p>
+            <a:pPr algn="ctr"/>
+            <a:r>
+              <a:rPr lang="en-US" sz="8000" b="0" i="0" kern="1200">
+                <a:solidFill>
+                  <a:schemeClr val="tx2"/>
+                </a:solidFill>
+                <a:latin typeface="+mj-lt"/>
+                <a:ea typeface="+mj-ea"/>
+                <a:cs typeface="+mj-cs"/>
+              </a:rPr>
+              <a:t>Thank you!</a:t>
+            </a:r>
+          </a:p>
+        </p:txBody>
+      </p:sp>
+      <p:sp>
+        <p:nvSpPr>
+          <p:cNvPr id="8" name="Text Placeholder 7">
+            <a:extLst>
+              <a:ext uri="{FF2B5EF4-FFF2-40B4-BE49-F238E27FC236}">
+                <a16:creationId xmlns:a16="http://schemas.microsoft.com/office/drawing/2014/main" id="{CB27949F-EC9D-52C8-6033-B100F4C95FEF}"/>
+              </a:ext>
+            </a:extLst>
+          </p:cNvPr>
+          <p:cNvSpPr>
+            <a:spLocks noGrp="1"/>
+          </p:cNvSpPr>
+          <p:nvPr>
+            <p:ph type="body" idx="1"/>
+          </p:nvPr>
+        </p:nvSpPr>
+        <p:spPr>
+          <a:xfrm>
+            <a:off x="965505" y="4777380"/>
+            <a:ext cx="10260990" cy="1209763"/>
+          </a:xfrm>
+        </p:spPr>
+        <p:txBody>
+          <a:bodyPr vert="horz" lIns="91440" tIns="45720" rIns="91440" bIns="45720" rtlCol="0" anchor="t">
+            <a:normAutofit/>
+          </a:bodyPr>
+          <a:lstStyle/>
+          <a:p>
+            <a:pPr algn="ctr"/>
+            <a:endParaRPr lang="en-US" sz="2400" b="0" i="0" kern="1200" cap="all">
+              <a:solidFill>
+                <a:schemeClr val="bg2"/>
+              </a:solidFill>
+              <a:latin typeface="+mj-lt"/>
+              <a:ea typeface="+mj-ea"/>
+              <a:cs typeface="+mj-cs"/>
+            </a:endParaRPr>
+          </a:p>
+        </p:txBody>
+      </p:sp>
+      <p:sp>
+        <p:nvSpPr>
+          <p:cNvPr id="4" name="Slide Number Placeholder 3">
+            <a:extLst>
+              <a:ext uri="{FF2B5EF4-FFF2-40B4-BE49-F238E27FC236}">
+                <a16:creationId xmlns:a16="http://schemas.microsoft.com/office/drawing/2014/main" id="{40B29A17-E919-FFD6-398C-CF01B829A66B}"/>
+              </a:ext>
+            </a:extLst>
+          </p:cNvPr>
+          <p:cNvSpPr>
+            <a:spLocks noGrp="1"/>
+          </p:cNvSpPr>
+          <p:nvPr>
+            <p:ph type="sldNum" sz="quarter" idx="12"/>
+          </p:nvPr>
+        </p:nvSpPr>
+        <p:spPr>
+          <a:xfrm>
+            <a:off x="11040512" y="6355080"/>
+            <a:ext cx="838199" cy="301752"/>
+          </a:xfrm>
+        </p:spPr>
+        <p:txBody>
+          <a:bodyPr vert="horz" lIns="91440" tIns="45720" rIns="91440" bIns="45720" rtlCol="0" anchor="ctr">
+            <a:normAutofit/>
+          </a:bodyPr>
+          <a:lstStyle/>
+          <a:p>
+            <a:pPr algn="l">
+              <a:lnSpc>
+                <a:spcPct val="90000"/>
+              </a:lnSpc>
+              <a:spcAft>
+                <a:spcPts val="600"/>
+              </a:spcAft>
+            </a:pPr>
+            <a:fld id="{6936A693-4670-4880-AD19-E5DF16B2AFC7}" type="slidenum">
+              <a:rPr lang="en-US" sz="1400" b="0" i="0" kern="1200">
+                <a:solidFill>
+                  <a:schemeClr val="bg1">
+                    <a:alpha val="60000"/>
+                  </a:schemeClr>
+                </a:solidFill>
+                <a:latin typeface="+mn-lt"/>
+                <a:ea typeface="+mn-ea"/>
+                <a:cs typeface="+mn-cs"/>
+              </a:rPr>
+              <a:pPr algn="l">
+                <a:lnSpc>
+                  <a:spcPct val="90000"/>
+                </a:lnSpc>
+                <a:spcAft>
+                  <a:spcPts val="600"/>
+                </a:spcAft>
+              </a:pPr>
+              <a:t>9</a:t>
+            </a:fld>
+            <a:endParaRPr lang="en-US" sz="1400" b="0" i="0" kern="1200">
+              <a:solidFill>
+                <a:schemeClr val="bg1">
+                  <a:alpha val="60000"/>
+                </a:schemeClr>
+              </a:solidFill>
+              <a:latin typeface="+mn-lt"/>
+              <a:ea typeface="+mn-ea"/>
+              <a:cs typeface="+mn-cs"/>
+            </a:endParaRPr>
+          </a:p>
+        </p:txBody>
+      </p:sp>
+    </p:spTree>
+    <p:extLst>
+      <p:ext uri="{BB962C8B-B14F-4D97-AF65-F5344CB8AC3E}">
+        <p14:creationId xmlns:p14="http://schemas.microsoft.com/office/powerpoint/2010/main" val="1009742554"/>
       </p:ext>
     </p:extLst>
   </p:cSld>
